--- a/其他资料/项目架构.pptx
+++ b/其他资料/项目架构.pptx
@@ -6,11 +6,12 @@
   </p:sldMasterIdLst>
   <p:sldIdLst>
     <p:sldId id="256" r:id="rId3"/>
+    <p:sldId id="257" r:id="rId4"/>
   </p:sldIdLst>
   <p:sldSz cx="12192000" cy="6858000"/>
   <p:notesSz cx="6858000" cy="9144000"/>
   <p:custDataLst>
-    <p:tags r:id="rId7"/>
+    <p:tags r:id="rId8"/>
   </p:custDataLst>
   <p:defaultTextStyle>
     <a:defPPr>
@@ -110,7 +111,7 @@
   <p:extLst>
     <p:ext uri="{EFAFB233-063F-42B5-8137-9DF3F51BA10A}">
       <p15:sldGuideLst xmlns:p15="http://schemas.microsoft.com/office/powerpoint/2012/main">
-        <p15:guide id="1" orient="horz" pos="2207" userDrawn="1">
+        <p15:guide id="1" orient="horz" pos="2179" userDrawn="1">
           <p15:clr>
             <a:srgbClr val="A4A3A4"/>
           </p15:clr>
@@ -5213,6 +5214,404 @@
 </p:sld>
 </file>
 
+<file path=ppt/slides/slide2.xml><?xml version="1.0" encoding="utf-8"?>
+<p:sld xmlns:a="http://schemas.openxmlformats.org/drawingml/2006/main" xmlns:r="http://schemas.openxmlformats.org/officeDocument/2006/relationships" xmlns:p="http://schemas.openxmlformats.org/presentationml/2006/main">
+  <p:cSld>
+    <p:spTree>
+      <p:nvGrpSpPr>
+        <p:cNvPr id="1" name=""/>
+        <p:cNvGrpSpPr/>
+        <p:nvPr/>
+      </p:nvGrpSpPr>
+      <p:grpSpPr/>
+      <p:sp>
+        <p:nvSpPr>
+          <p:cNvPr id="4" name="文本框 3"/>
+          <p:cNvSpPr txBox="1"/>
+          <p:nvPr>
+            <p:custDataLst>
+              <p:tags r:id="rId1"/>
+            </p:custDataLst>
+          </p:nvPr>
+        </p:nvSpPr>
+        <p:spPr>
+          <a:xfrm>
+            <a:off x="2124075" y="760095"/>
+            <a:ext cx="1036955" cy="368300"/>
+          </a:xfrm>
+          <a:prstGeom prst="rect">
+            <a:avLst/>
+          </a:prstGeom>
+          <a:noFill/>
+        </p:spPr>
+        <p:txBody>
+          <a:bodyPr wrap="square" rtlCol="0">
+            <a:spAutoFit/>
+          </a:bodyPr>
+          <a:p>
+            <a:r>
+              <a:rPr lang="zh-CN" altLang="en-US"/>
+              <a:t>控制</a:t>
+            </a:r>
+            <a:r>
+              <a:rPr lang="zh-CN" altLang="en-US"/>
+              <a:t>层</a:t>
+            </a:r>
+            <a:endParaRPr lang="zh-CN" altLang="en-US"/>
+          </a:p>
+        </p:txBody>
+      </p:sp>
+      <p:sp>
+        <p:nvSpPr>
+          <p:cNvPr id="7" name="文本框 6"/>
+          <p:cNvSpPr txBox="1"/>
+          <p:nvPr>
+            <p:custDataLst>
+              <p:tags r:id="rId2"/>
+            </p:custDataLst>
+          </p:nvPr>
+        </p:nvSpPr>
+        <p:spPr>
+          <a:xfrm>
+            <a:off x="2124075" y="5205730"/>
+            <a:ext cx="1036955" cy="368300"/>
+          </a:xfrm>
+          <a:prstGeom prst="rect">
+            <a:avLst/>
+          </a:prstGeom>
+          <a:noFill/>
+        </p:spPr>
+        <p:txBody>
+          <a:bodyPr wrap="square" rtlCol="0">
+            <a:spAutoFit/>
+          </a:bodyPr>
+          <a:p>
+            <a:r>
+              <a:rPr lang="zh-CN" altLang="en-US"/>
+              <a:t>数据层</a:t>
+            </a:r>
+            <a:endParaRPr lang="zh-CN" altLang="en-US"/>
+          </a:p>
+        </p:txBody>
+      </p:sp>
+      <p:sp>
+        <p:nvSpPr>
+          <p:cNvPr id="8" name="文本框 7"/>
+          <p:cNvSpPr txBox="1"/>
+          <p:nvPr>
+            <p:custDataLst>
+              <p:tags r:id="rId3"/>
+            </p:custDataLst>
+          </p:nvPr>
+        </p:nvSpPr>
+        <p:spPr>
+          <a:xfrm>
+            <a:off x="2124075" y="2910205"/>
+            <a:ext cx="1036955" cy="368300"/>
+          </a:xfrm>
+          <a:prstGeom prst="rect">
+            <a:avLst/>
+          </a:prstGeom>
+          <a:noFill/>
+        </p:spPr>
+        <p:txBody>
+          <a:bodyPr wrap="square" rtlCol="0">
+            <a:spAutoFit/>
+          </a:bodyPr>
+          <a:p>
+            <a:r>
+              <a:rPr lang="zh-CN" altLang="en-US"/>
+              <a:t>业务层</a:t>
+            </a:r>
+            <a:endParaRPr lang="zh-CN" altLang="en-US"/>
+          </a:p>
+        </p:txBody>
+      </p:sp>
+      <p:sp>
+        <p:nvSpPr>
+          <p:cNvPr id="9" name="上下箭头 8"/>
+          <p:cNvSpPr/>
+          <p:nvPr>
+            <p:custDataLst>
+              <p:tags r:id="rId4"/>
+            </p:custDataLst>
+          </p:nvPr>
+        </p:nvSpPr>
+        <p:spPr>
+          <a:xfrm>
+            <a:off x="2479040" y="1263015"/>
+            <a:ext cx="215265" cy="1563370"/>
+          </a:xfrm>
+          <a:prstGeom prst="upDownArrow">
+            <a:avLst/>
+          </a:prstGeom>
+        </p:spPr>
+        <p:style>
+          <a:lnRef idx="2">
+            <a:schemeClr val="accent1">
+              <a:lumMod val="75000"/>
+            </a:schemeClr>
+          </a:lnRef>
+          <a:fillRef idx="1">
+            <a:schemeClr val="accent1"/>
+          </a:fillRef>
+          <a:effectRef idx="0">
+            <a:srgbClr val="FFFFFF"/>
+          </a:effectRef>
+          <a:fontRef idx="minor">
+            <a:schemeClr val="lt1"/>
+          </a:fontRef>
+        </p:style>
+        <p:txBody>
+          <a:bodyPr rtlCol="0" anchor="ctr"/>
+          <a:p>
+            <a:pPr algn="ctr"/>
+            <a:endParaRPr lang="zh-CN" altLang="en-US"/>
+          </a:p>
+        </p:txBody>
+      </p:sp>
+      <p:sp>
+        <p:nvSpPr>
+          <p:cNvPr id="10" name="上下箭头 9"/>
+          <p:cNvSpPr/>
+          <p:nvPr>
+            <p:custDataLst>
+              <p:tags r:id="rId5"/>
+            </p:custDataLst>
+          </p:nvPr>
+        </p:nvSpPr>
+        <p:spPr>
+          <a:xfrm>
+            <a:off x="2479040" y="3460115"/>
+            <a:ext cx="215265" cy="1563370"/>
+          </a:xfrm>
+          <a:prstGeom prst="upDownArrow">
+            <a:avLst/>
+          </a:prstGeom>
+        </p:spPr>
+        <p:style>
+          <a:lnRef idx="2">
+            <a:schemeClr val="accent1">
+              <a:lumMod val="75000"/>
+            </a:schemeClr>
+          </a:lnRef>
+          <a:fillRef idx="1">
+            <a:schemeClr val="accent1"/>
+          </a:fillRef>
+          <a:effectRef idx="0">
+            <a:srgbClr val="FFFFFF"/>
+          </a:effectRef>
+          <a:fontRef idx="minor">
+            <a:schemeClr val="lt1"/>
+          </a:fontRef>
+        </p:style>
+        <p:txBody>
+          <a:bodyPr rtlCol="0" anchor="ctr"/>
+          <a:p>
+            <a:pPr algn="ctr"/>
+            <a:endParaRPr lang="zh-CN" altLang="en-US"/>
+          </a:p>
+        </p:txBody>
+      </p:sp>
+      <p:sp>
+        <p:nvSpPr>
+          <p:cNvPr id="12" name="文本框 11"/>
+          <p:cNvSpPr txBox="1"/>
+          <p:nvPr>
+            <p:custDataLst>
+              <p:tags r:id="rId6"/>
+            </p:custDataLst>
+          </p:nvPr>
+        </p:nvSpPr>
+        <p:spPr>
+          <a:xfrm>
+            <a:off x="3796030" y="2910205"/>
+            <a:ext cx="4064000" cy="368300"/>
+          </a:xfrm>
+          <a:prstGeom prst="rect">
+            <a:avLst/>
+          </a:prstGeom>
+          <a:noFill/>
+        </p:spPr>
+        <p:txBody>
+          <a:bodyPr wrap="square" rtlCol="0">
+            <a:spAutoFit/>
+          </a:bodyPr>
+          <a:p>
+            <a:r>
+              <a:rPr lang="zh-CN" altLang="en-US"/>
+              <a:t>一个逻辑实体，一个服务</a:t>
+            </a:r>
+            <a:r>
+              <a:rPr lang="zh-CN" altLang="en-US"/>
+              <a:t>类</a:t>
+            </a:r>
+            <a:endParaRPr lang="zh-CN" altLang="en-US"/>
+          </a:p>
+        </p:txBody>
+      </p:sp>
+      <p:sp>
+        <p:nvSpPr>
+          <p:cNvPr id="13" name="文本框 12"/>
+          <p:cNvSpPr txBox="1"/>
+          <p:nvPr>
+            <p:custDataLst>
+              <p:tags r:id="rId7"/>
+            </p:custDataLst>
+          </p:nvPr>
+        </p:nvSpPr>
+        <p:spPr>
+          <a:xfrm>
+            <a:off x="3796030" y="894715"/>
+            <a:ext cx="8548370" cy="368300"/>
+          </a:xfrm>
+          <a:prstGeom prst="rect">
+            <a:avLst/>
+          </a:prstGeom>
+          <a:noFill/>
+        </p:spPr>
+        <p:txBody>
+          <a:bodyPr wrap="square" rtlCol="0">
+            <a:spAutoFit/>
+          </a:bodyPr>
+          <a:p>
+            <a:r>
+              <a:rPr lang="zh-CN" altLang="en-US"/>
+              <a:t>一个展示模块，一个</a:t>
+            </a:r>
+            <a:r>
+              <a:rPr lang="en-US" altLang="zh-CN"/>
+              <a:t>servlet</a:t>
+            </a:r>
+            <a:r>
+              <a:rPr lang="zh-CN" altLang="en-US"/>
+              <a:t>，同时根据该展示模块对应的不同角色划分</a:t>
+            </a:r>
+            <a:r>
+              <a:rPr lang="en-US" altLang="zh-CN"/>
+              <a:t>package</a:t>
+            </a:r>
+            <a:endParaRPr lang="en-US" altLang="zh-CN"/>
+          </a:p>
+        </p:txBody>
+      </p:sp>
+      <p:sp>
+        <p:nvSpPr>
+          <p:cNvPr id="14" name="文本框 13"/>
+          <p:cNvSpPr txBox="1"/>
+          <p:nvPr>
+            <p:custDataLst>
+              <p:tags r:id="rId8"/>
+            </p:custDataLst>
+          </p:nvPr>
+        </p:nvSpPr>
+        <p:spPr>
+          <a:xfrm>
+            <a:off x="3821430" y="5205730"/>
+            <a:ext cx="4064000" cy="368300"/>
+          </a:xfrm>
+          <a:prstGeom prst="rect">
+            <a:avLst/>
+          </a:prstGeom>
+          <a:noFill/>
+        </p:spPr>
+        <p:txBody>
+          <a:bodyPr wrap="square" rtlCol="0">
+            <a:spAutoFit/>
+          </a:bodyPr>
+          <a:p>
+            <a:r>
+              <a:rPr lang="zh-CN" altLang="en-US"/>
+              <a:t>一个逻辑实体，一个</a:t>
+            </a:r>
+            <a:r>
+              <a:rPr lang="en-US" altLang="zh-CN"/>
+              <a:t>DAO</a:t>
+            </a:r>
+            <a:endParaRPr lang="en-US" altLang="zh-CN"/>
+          </a:p>
+        </p:txBody>
+      </p:sp>
+      <p:pic>
+        <p:nvPicPr>
+          <p:cNvPr id="15" name="图片 14"/>
+          <p:cNvPicPr>
+            <a:picLocks noChangeAspect="1"/>
+          </p:cNvPicPr>
+          <p:nvPr/>
+        </p:nvPicPr>
+        <p:blipFill>
+          <a:blip r:embed="rId9"/>
+          <a:stretch>
+            <a:fillRect/>
+          </a:stretch>
+        </p:blipFill>
+        <p:spPr>
+          <a:xfrm>
+            <a:off x="299720" y="73660"/>
+            <a:ext cx="1626235" cy="2752725"/>
+          </a:xfrm>
+          <a:prstGeom prst="rect">
+            <a:avLst/>
+          </a:prstGeom>
+        </p:spPr>
+      </p:pic>
+      <p:pic>
+        <p:nvPicPr>
+          <p:cNvPr id="17" name="图片 16"/>
+          <p:cNvPicPr>
+            <a:picLocks noChangeAspect="1"/>
+          </p:cNvPicPr>
+          <p:nvPr/>
+        </p:nvPicPr>
+        <p:blipFill>
+          <a:blip r:embed="rId10"/>
+          <a:stretch>
+            <a:fillRect/>
+          </a:stretch>
+        </p:blipFill>
+        <p:spPr>
+          <a:xfrm>
+            <a:off x="224790" y="3278505"/>
+            <a:ext cx="1729105" cy="3081655"/>
+          </a:xfrm>
+          <a:prstGeom prst="rect">
+            <a:avLst/>
+          </a:prstGeom>
+        </p:spPr>
+      </p:pic>
+      <p:pic>
+        <p:nvPicPr>
+          <p:cNvPr id="18" name="图片 17"/>
+          <p:cNvPicPr>
+            <a:picLocks noChangeAspect="1"/>
+          </p:cNvPicPr>
+          <p:nvPr/>
+        </p:nvPicPr>
+        <p:blipFill>
+          <a:blip r:embed="rId11"/>
+          <a:stretch>
+            <a:fillRect/>
+          </a:stretch>
+        </p:blipFill>
+        <p:spPr>
+          <a:xfrm>
+            <a:off x="6976745" y="1346835"/>
+            <a:ext cx="2422525" cy="3810000"/>
+          </a:xfrm>
+          <a:prstGeom prst="rect">
+            <a:avLst/>
+          </a:prstGeom>
+        </p:spPr>
+      </p:pic>
+    </p:spTree>
+  </p:cSld>
+  <p:clrMapOvr>
+    <a:masterClrMapping/>
+  </p:clrMapOvr>
+</p:sld>
+</file>
+
 <file path=ppt/tags/tag1.xml><?xml version="1.0" encoding="utf-8"?>
 <p:tagLst xmlns:p="http://schemas.openxmlformats.org/presentationml/2006/main">
   <p:tag name="KSO_WM_UNIT_HIGHLIGHT" val="0"/>
@@ -6008,7 +6407,37 @@
 
 <file path=ppt/tags/tag64.xml><?xml version="1.0" encoding="utf-8"?>
 <p:tagLst xmlns:p="http://schemas.openxmlformats.org/presentationml/2006/main">
-  <p:tag name="commondata" val="eyJoZGlkIjoiMWM4MmVkOTA1MjFjYzMwZWNmZGFhODliZDBjZWU4YWMifQ=="/>
+  <p:tag name="KSO_WM_DIAGRAM_VIRTUALLY_FRAME" val="{&quot;height&quot;:379.05,&quot;left&quot;:167.25,&quot;top&quot;:59.85,&quot;width&quot;:804.75}"/>
+</p:tagLst>
+</file>
+
+<file path=ppt/tags/tag65.xml><?xml version="1.0" encoding="utf-8"?>
+<p:tagLst xmlns:p="http://schemas.openxmlformats.org/presentationml/2006/main">
+  <p:tag name="KSO_WM_DIAGRAM_VIRTUALLY_FRAME" val="{&quot;height&quot;:379.05,&quot;left&quot;:167.25,&quot;top&quot;:59.85,&quot;width&quot;:804.75}"/>
+</p:tagLst>
+</file>
+
+<file path=ppt/tags/tag66.xml><?xml version="1.0" encoding="utf-8"?>
+<p:tagLst xmlns:p="http://schemas.openxmlformats.org/presentationml/2006/main">
+  <p:tag name="KSO_WM_DIAGRAM_VIRTUALLY_FRAME" val="{&quot;height&quot;:379.05,&quot;left&quot;:167.25,&quot;top&quot;:59.85,&quot;width&quot;:804.75}"/>
+</p:tagLst>
+</file>
+
+<file path=ppt/tags/tag67.xml><?xml version="1.0" encoding="utf-8"?>
+<p:tagLst xmlns:p="http://schemas.openxmlformats.org/presentationml/2006/main">
+  <p:tag name="KSO_WM_DIAGRAM_VIRTUALLY_FRAME" val="{&quot;height&quot;:379.05,&quot;left&quot;:167.25,&quot;top&quot;:59.85,&quot;width&quot;:804.75}"/>
+</p:tagLst>
+</file>
+
+<file path=ppt/tags/tag68.xml><?xml version="1.0" encoding="utf-8"?>
+<p:tagLst xmlns:p="http://schemas.openxmlformats.org/presentationml/2006/main">
+  <p:tag name="KSO_WM_DIAGRAM_VIRTUALLY_FRAME" val="{&quot;height&quot;:379.05,&quot;left&quot;:167.25,&quot;top&quot;:59.85,&quot;width&quot;:804.75}"/>
+</p:tagLst>
+</file>
+
+<file path=ppt/tags/tag69.xml><?xml version="1.0" encoding="utf-8"?>
+<p:tagLst xmlns:p="http://schemas.openxmlformats.org/presentationml/2006/main">
+  <p:tag name="KSO_WM_DIAGRAM_VIRTUALLY_FRAME" val="{&quot;height&quot;:379.05,&quot;left&quot;:167.25,&quot;top&quot;:59.85,&quot;width&quot;:804.75}"/>
 </p:tagLst>
 </file>
 
@@ -6022,6 +6451,24 @@
   <p:tag name="KSO_WM_UNIT_LAYERLEVEL" val="1"/>
   <p:tag name="KSO_WM_TAG_VERSION" val="1.0"/>
   <p:tag name="KSO_WM_BEAUTIFY_FLAG" val="#wm#"/>
+</p:tagLst>
+</file>
+
+<file path=ppt/tags/tag70.xml><?xml version="1.0" encoding="utf-8"?>
+<p:tagLst xmlns:p="http://schemas.openxmlformats.org/presentationml/2006/main">
+  <p:tag name="KSO_WM_DIAGRAM_VIRTUALLY_FRAME" val="{&quot;height&quot;:379.05,&quot;left&quot;:167.25,&quot;top&quot;:59.85,&quot;width&quot;:804.75}"/>
+</p:tagLst>
+</file>
+
+<file path=ppt/tags/tag71.xml><?xml version="1.0" encoding="utf-8"?>
+<p:tagLst xmlns:p="http://schemas.openxmlformats.org/presentationml/2006/main">
+  <p:tag name="KSO_WM_DIAGRAM_VIRTUALLY_FRAME" val="{&quot;height&quot;:379.05,&quot;left&quot;:167.25,&quot;top&quot;:59.85,&quot;width&quot;:804.75}"/>
+</p:tagLst>
+</file>
+
+<file path=ppt/tags/tag72.xml><?xml version="1.0" encoding="utf-8"?>
+<p:tagLst xmlns:p="http://schemas.openxmlformats.org/presentationml/2006/main">
+  <p:tag name="commondata" val="eyJoZGlkIjoiMWM4MmVkOTA1MjFjYzMwZWNmZGFhODliZDBjZWU4YWMifQ=="/>
 </p:tagLst>
 </file>
 

--- a/其他资料/项目架构.pptx
+++ b/其他资料/项目架构.pptx
@@ -111,7 +111,7 @@
   <p:extLst>
     <p:ext uri="{EFAFB233-063F-42B5-8137-9DF3F51BA10A}">
       <p15:sldGuideLst xmlns:p15="http://schemas.microsoft.com/office/powerpoint/2012/main">
-        <p15:guide id="1" orient="horz" pos="2179" userDrawn="1">
+        <p15:guide id="1" orient="horz" pos="2121" userDrawn="1">
           <p15:clr>
             <a:srgbClr val="A4A3A4"/>
           </p15:clr>
@@ -5203,6 +5203,35 @@
           </a:prstGeom>
         </p:spPr>
       </p:pic>
+      <p:sp>
+        <p:nvSpPr>
+          <p:cNvPr id="2" name="文本框 1"/>
+          <p:cNvSpPr txBox="1"/>
+          <p:nvPr/>
+        </p:nvSpPr>
+        <p:spPr>
+          <a:xfrm>
+            <a:off x="57785" y="45720"/>
+            <a:ext cx="1224280" cy="368300"/>
+          </a:xfrm>
+          <a:prstGeom prst="rect">
+            <a:avLst/>
+          </a:prstGeom>
+          <a:noFill/>
+        </p:spPr>
+        <p:txBody>
+          <a:bodyPr wrap="square" rtlCol="0">
+            <a:spAutoFit/>
+          </a:bodyPr>
+          <a:p>
+            <a:r>
+              <a:rPr lang="zh-CN" altLang="en-US" b="1" u="sng"/>
+              <a:t>整体架构</a:t>
+            </a:r>
+            <a:endParaRPr lang="zh-CN" altLang="en-US" b="1" u="sng"/>
+          </a:p>
+        </p:txBody>
+      </p:sp>
     </p:spTree>
     <p:custDataLst>
       <p:tags r:id="rId2"/>
@@ -5604,6 +5633,35 @@
           </a:prstGeom>
         </p:spPr>
       </p:pic>
+      <p:sp>
+        <p:nvSpPr>
+          <p:cNvPr id="2" name="文本框 1"/>
+          <p:cNvSpPr txBox="1"/>
+          <p:nvPr/>
+        </p:nvSpPr>
+        <p:spPr>
+          <a:xfrm>
+            <a:off x="2051685" y="73660"/>
+            <a:ext cx="1181100" cy="368300"/>
+          </a:xfrm>
+          <a:prstGeom prst="rect">
+            <a:avLst/>
+          </a:prstGeom>
+          <a:noFill/>
+        </p:spPr>
+        <p:txBody>
+          <a:bodyPr wrap="square" rtlCol="0">
+            <a:spAutoFit/>
+          </a:bodyPr>
+          <a:p>
+            <a:r>
+              <a:rPr lang="zh-CN" altLang="en-US" b="1" u="sng"/>
+              <a:t>后端设计</a:t>
+            </a:r>
+            <a:endParaRPr lang="zh-CN" altLang="en-US" b="1" u="sng"/>
+          </a:p>
+        </p:txBody>
+      </p:sp>
     </p:spTree>
   </p:cSld>
   <p:clrMapOvr>

--- a/其他资料/项目架构.pptx
+++ b/其他资料/项目架构.pptx
@@ -4049,7 +4049,7 @@
             </a:r>
             <a:r>
               <a:rPr lang="zh-CN" altLang="en-US" sz="1000"/>
-              <a:t>实现）</a:t>
+              <a:t>接口）</a:t>
             </a:r>
             <a:endParaRPr lang="zh-CN" altLang="en-US" sz="1000"/>
           </a:p>
@@ -4300,7 +4300,7 @@
             </a:r>
             <a:r>
               <a:rPr lang="zh-CN" altLang="en-US" sz="1000"/>
-              <a:t>接口</a:t>
+              <a:t>实现</a:t>
             </a:r>
             <a:r>
               <a:rPr lang="en-US" altLang="zh-CN" sz="1000"/>
@@ -5609,9 +5609,38 @@
           </a:prstGeom>
         </p:spPr>
       </p:pic>
+      <p:sp>
+        <p:nvSpPr>
+          <p:cNvPr id="2" name="文本框 1"/>
+          <p:cNvSpPr txBox="1"/>
+          <p:nvPr/>
+        </p:nvSpPr>
+        <p:spPr>
+          <a:xfrm>
+            <a:off x="2051685" y="73660"/>
+            <a:ext cx="1181100" cy="368300"/>
+          </a:xfrm>
+          <a:prstGeom prst="rect">
+            <a:avLst/>
+          </a:prstGeom>
+          <a:noFill/>
+        </p:spPr>
+        <p:txBody>
+          <a:bodyPr wrap="square" rtlCol="0">
+            <a:spAutoFit/>
+          </a:bodyPr>
+          <a:p>
+            <a:r>
+              <a:rPr lang="zh-CN" altLang="en-US" b="1" u="sng"/>
+              <a:t>后端设计</a:t>
+            </a:r>
+            <a:endParaRPr lang="zh-CN" altLang="en-US" b="1" u="sng"/>
+          </a:p>
+        </p:txBody>
+      </p:sp>
       <p:pic>
         <p:nvPicPr>
-          <p:cNvPr id="18" name="图片 17"/>
+          <p:cNvPr id="3" name="图片 2"/>
           <p:cNvPicPr>
             <a:picLocks noChangeAspect="1"/>
           </p:cNvPicPr>
@@ -5625,43 +5654,14 @@
         </p:blipFill>
         <p:spPr>
           <a:xfrm>
-            <a:off x="6976745" y="1346835"/>
-            <a:ext cx="2422525" cy="3810000"/>
+            <a:off x="7171055" y="1361440"/>
+            <a:ext cx="2755900" cy="4267200"/>
           </a:xfrm>
           <a:prstGeom prst="rect">
             <a:avLst/>
           </a:prstGeom>
         </p:spPr>
       </p:pic>
-      <p:sp>
-        <p:nvSpPr>
-          <p:cNvPr id="2" name="文本框 1"/>
-          <p:cNvSpPr txBox="1"/>
-          <p:nvPr/>
-        </p:nvSpPr>
-        <p:spPr>
-          <a:xfrm>
-            <a:off x="2051685" y="73660"/>
-            <a:ext cx="1181100" cy="368300"/>
-          </a:xfrm>
-          <a:prstGeom prst="rect">
-            <a:avLst/>
-          </a:prstGeom>
-          <a:noFill/>
-        </p:spPr>
-        <p:txBody>
-          <a:bodyPr wrap="square" rtlCol="0">
-            <a:spAutoFit/>
-          </a:bodyPr>
-          <a:p>
-            <a:r>
-              <a:rPr lang="zh-CN" altLang="en-US" b="1" u="sng"/>
-              <a:t>后端设计</a:t>
-            </a:r>
-            <a:endParaRPr lang="zh-CN" altLang="en-US" b="1" u="sng"/>
-          </a:p>
-        </p:txBody>
-      </p:sp>
     </p:spTree>
   </p:cSld>
   <p:clrMapOvr>

--- a/其他资料/项目架构.pptx
+++ b/其他资料/项目架构.pptx
@@ -7,11 +7,12 @@
   <p:sldIdLst>
     <p:sldId id="256" r:id="rId3"/>
     <p:sldId id="257" r:id="rId4"/>
+    <p:sldId id="258" r:id="rId5"/>
   </p:sldIdLst>
   <p:sldSz cx="12192000" cy="6858000"/>
   <p:notesSz cx="6858000" cy="9144000"/>
   <p:custDataLst>
-    <p:tags r:id="rId8"/>
+    <p:tags r:id="rId9"/>
   </p:custDataLst>
   <p:defaultTextStyle>
     <a:defPPr>
@@ -5232,6 +5233,57 @@
           </a:p>
         </p:txBody>
       </p:sp>
+      <p:sp>
+        <p:nvSpPr>
+          <p:cNvPr id="3" name="文本框 2"/>
+          <p:cNvSpPr txBox="1"/>
+          <p:nvPr/>
+        </p:nvSpPr>
+        <p:spPr>
+          <a:xfrm>
+            <a:off x="10205720" y="372745"/>
+            <a:ext cx="4064000" cy="583565"/>
+          </a:xfrm>
+          <a:prstGeom prst="rect">
+            <a:avLst/>
+          </a:prstGeom>
+          <a:noFill/>
+        </p:spPr>
+        <p:txBody>
+          <a:bodyPr wrap="square" rtlCol="0">
+            <a:spAutoFit/>
+          </a:bodyPr>
+          <a:p>
+            <a:r>
+              <a:rPr lang="zh-CN" altLang="en-US" sz="3200">
+                <a:solidFill>
+                  <a:schemeClr val="accent1"/>
+                </a:solidFill>
+                <a:effectLst>
+                  <a:outerShdw blurRad="38100" dist="25400" dir="5400000" algn="ctr" rotWithShape="0">
+                    <a:srgbClr val="6E747A">
+                      <a:alpha val="43000"/>
+                    </a:srgbClr>
+                  </a:outerShdw>
+                </a:effectLst>
+              </a:rPr>
+              <a:t>贫血模型</a:t>
+            </a:r>
+            <a:endParaRPr lang="zh-CN" altLang="en-US" sz="3200">
+              <a:solidFill>
+                <a:schemeClr val="accent1"/>
+              </a:solidFill>
+              <a:effectLst>
+                <a:outerShdw blurRad="38100" dist="25400" dir="5400000" algn="ctr" rotWithShape="0">
+                  <a:srgbClr val="6E747A">
+                    <a:alpha val="43000"/>
+                  </a:srgbClr>
+                </a:outerShdw>
+              </a:effectLst>
+            </a:endParaRPr>
+          </a:p>
+        </p:txBody>
+      </p:sp>
     </p:spTree>
     <p:custDataLst>
       <p:tags r:id="rId2"/>
@@ -5662,6 +5714,298 @@
           </a:prstGeom>
         </p:spPr>
       </p:pic>
+    </p:spTree>
+  </p:cSld>
+  <p:clrMapOvr>
+    <a:masterClrMapping/>
+  </p:clrMapOvr>
+</p:sld>
+</file>
+
+<file path=ppt/slides/slide3.xml><?xml version="1.0" encoding="utf-8"?>
+<p:sld xmlns:a="http://schemas.openxmlformats.org/drawingml/2006/main" xmlns:r="http://schemas.openxmlformats.org/officeDocument/2006/relationships" xmlns:p="http://schemas.openxmlformats.org/presentationml/2006/main">
+  <p:cSld>
+    <p:spTree>
+      <p:nvGrpSpPr>
+        <p:cNvPr id="1" name=""/>
+        <p:cNvGrpSpPr/>
+        <p:nvPr/>
+      </p:nvGrpSpPr>
+      <p:grpSpPr/>
+      <p:sp>
+        <p:nvSpPr>
+          <p:cNvPr id="2" name="标题 1"/>
+          <p:cNvSpPr>
+            <a:spLocks noGrp="1"/>
+          </p:cNvSpPr>
+          <p:nvPr>
+            <p:ph type="ctrTitle"/>
+          </p:nvPr>
+        </p:nvSpPr>
+        <p:spPr>
+          <a:xfrm>
+            <a:off x="177165" y="240665"/>
+            <a:ext cx="3691255" cy="481965"/>
+          </a:xfrm>
+        </p:spPr>
+        <p:txBody>
+          <a:bodyPr/>
+          <a:p>
+            <a:r>
+              <a:rPr lang="zh-CN" altLang="en-US" sz="2000"/>
+              <a:t>前后端数据交互</a:t>
+            </a:r>
+            <a:endParaRPr lang="zh-CN" altLang="en-US" sz="2000"/>
+          </a:p>
+        </p:txBody>
+      </p:sp>
+      <p:sp>
+        <p:nvSpPr>
+          <p:cNvPr id="4" name="文本框 3"/>
+          <p:cNvSpPr txBox="1"/>
+          <p:nvPr/>
+        </p:nvSpPr>
+        <p:spPr>
+          <a:xfrm>
+            <a:off x="447040" y="2987675"/>
+            <a:ext cx="890905" cy="368300"/>
+          </a:xfrm>
+          <a:prstGeom prst="rect">
+            <a:avLst/>
+          </a:prstGeom>
+          <a:noFill/>
+        </p:spPr>
+        <p:txBody>
+          <a:bodyPr wrap="square" rtlCol="0">
+            <a:spAutoFit/>
+          </a:bodyPr>
+          <a:p>
+            <a:r>
+              <a:rPr lang="zh-CN" altLang="en-US"/>
+              <a:t>客户</a:t>
+            </a:r>
+            <a:r>
+              <a:rPr lang="zh-CN" altLang="en-US"/>
+              <a:t>端</a:t>
+            </a:r>
+            <a:endParaRPr lang="zh-CN" altLang="en-US"/>
+          </a:p>
+        </p:txBody>
+      </p:sp>
+      <p:sp>
+        <p:nvSpPr>
+          <p:cNvPr id="5" name="文本框 4"/>
+          <p:cNvSpPr txBox="1"/>
+          <p:nvPr/>
+        </p:nvSpPr>
+        <p:spPr>
+          <a:xfrm>
+            <a:off x="10507980" y="3033395"/>
+            <a:ext cx="928370" cy="368300"/>
+          </a:xfrm>
+          <a:prstGeom prst="rect">
+            <a:avLst/>
+          </a:prstGeom>
+          <a:noFill/>
+        </p:spPr>
+        <p:txBody>
+          <a:bodyPr wrap="square" rtlCol="0">
+            <a:spAutoFit/>
+          </a:bodyPr>
+          <a:p>
+            <a:r>
+              <a:rPr lang="zh-CN" altLang="en-US"/>
+              <a:t>服务</a:t>
+            </a:r>
+            <a:r>
+              <a:rPr lang="zh-CN" altLang="en-US"/>
+              <a:t>端</a:t>
+            </a:r>
+            <a:endParaRPr lang="zh-CN" altLang="en-US"/>
+          </a:p>
+        </p:txBody>
+      </p:sp>
+      <p:sp>
+        <p:nvSpPr>
+          <p:cNvPr id="6" name="文本框 5"/>
+          <p:cNvSpPr txBox="1"/>
+          <p:nvPr/>
+        </p:nvSpPr>
+        <p:spPr>
+          <a:xfrm>
+            <a:off x="1898015" y="763905"/>
+            <a:ext cx="3913505" cy="5815965"/>
+          </a:xfrm>
+          <a:prstGeom prst="rect">
+            <a:avLst/>
+          </a:prstGeom>
+          <a:noFill/>
+        </p:spPr>
+        <p:txBody>
+          <a:bodyPr wrap="square" rtlCol="0">
+            <a:noAutofit/>
+          </a:bodyPr>
+          <a:p>
+            <a:r>
+              <a:rPr lang="zh-CN" altLang="en-US"/>
+              <a:t>假设要携带数据</a:t>
+            </a:r>
+            <a:endParaRPr lang="en-US" altLang="zh-CN"/>
+          </a:p>
+          <a:p>
+            <a:r>
+              <a:rPr lang="en-US" altLang="zh-CN"/>
+              <a:t>const arrayValue = [</a:t>
+            </a:r>
+            <a:endParaRPr lang="en-US" altLang="zh-CN"/>
+          </a:p>
+          <a:p>
+            <a:pPr indent="457200"/>
+            <a:r>
+              <a:rPr lang="en-US" altLang="zh-CN"/>
+              <a:t>{id:1,name:”liao”},</a:t>
+            </a:r>
+            <a:endParaRPr lang="en-US" altLang="zh-CN"/>
+          </a:p>
+          <a:p>
+            <a:pPr indent="457200"/>
+            <a:r>
+              <a:rPr lang="en-US" altLang="zh-CN">
+                <a:sym typeface="+mn-ea"/>
+              </a:rPr>
+              <a:t>{id:1,name:”joey”}</a:t>
+            </a:r>
+            <a:endParaRPr lang="en-US" altLang="zh-CN">
+              <a:sym typeface="+mn-ea"/>
+            </a:endParaRPr>
+          </a:p>
+          <a:p>
+            <a:r>
+              <a:rPr lang="en-US" altLang="zh-CN">
+                <a:sym typeface="+mn-ea"/>
+              </a:rPr>
+              <a:t>]</a:t>
+            </a:r>
+            <a:endParaRPr lang="en-US" altLang="zh-CN"/>
+          </a:p>
+          <a:p>
+            <a:r>
+              <a:rPr lang="zh-CN" altLang="en-US"/>
+              <a:t>和</a:t>
+            </a:r>
+            <a:endParaRPr lang="zh-CN" altLang="en-US"/>
+          </a:p>
+          <a:p>
+            <a:r>
+              <a:rPr lang="en-US" altLang="zh-CN"/>
+              <a:t>const tokenValue = “dasfafsaf”</a:t>
+            </a:r>
+            <a:endParaRPr lang="en-US" altLang="zh-CN"/>
+          </a:p>
+          <a:p>
+            <a:endParaRPr lang="en-US" altLang="zh-CN"/>
+          </a:p>
+          <a:p>
+            <a:r>
+              <a:rPr lang="zh-CN" altLang="en-US"/>
+              <a:t>那就</a:t>
+            </a:r>
+            <a:endParaRPr lang="en-US" altLang="zh-CN"/>
+          </a:p>
+          <a:p>
+            <a:endParaRPr lang="en-US" altLang="zh-CN"/>
+          </a:p>
+          <a:p>
+            <a:r>
+              <a:rPr lang="en-US" altLang="zh-CN"/>
+              <a:t>const data = {</a:t>
+            </a:r>
+            <a:endParaRPr lang="en-US" altLang="zh-CN"/>
+          </a:p>
+          <a:p>
+            <a:pPr indent="457200"/>
+            <a:r>
+              <a:rPr lang="en-US" altLang="zh-CN"/>
+              <a:t>token : tokenValue,</a:t>
+            </a:r>
+            <a:endParaRPr lang="en-US" altLang="zh-CN"/>
+          </a:p>
+          <a:p>
+            <a:pPr indent="457200"/>
+            <a:r>
+              <a:rPr lang="en-US" altLang="zh-CN"/>
+              <a:t>array : arrayValue</a:t>
+            </a:r>
+            <a:endParaRPr lang="en-US" altLang="zh-CN"/>
+          </a:p>
+          <a:p>
+            <a:r>
+              <a:rPr lang="en-US" altLang="zh-CN"/>
+              <a:t>}</a:t>
+            </a:r>
+            <a:endParaRPr lang="en-US" altLang="zh-CN"/>
+          </a:p>
+          <a:p>
+            <a:r>
+              <a:rPr lang="en-US" altLang="zh-CN"/>
+              <a:t>axios.post('/api', dat</a:t>
+            </a:r>
+            <a:r>
+              <a:rPr lang="en-US" altLang="zh-CN"/>
+              <a:t>a)  </a:t>
+            </a:r>
+            <a:endParaRPr lang="en-US" altLang="zh-CN"/>
+          </a:p>
+          <a:p>
+            <a:r>
+              <a:rPr lang="en-US" altLang="zh-CN"/>
+              <a:t>  .then(response =&gt; {  </a:t>
+            </a:r>
+            <a:endParaRPr lang="en-US" altLang="zh-CN"/>
+          </a:p>
+          <a:p>
+            <a:r>
+              <a:rPr lang="en-US" altLang="zh-CN"/>
+              <a:t>    console.log(response.data);  </a:t>
+            </a:r>
+            <a:endParaRPr lang="en-US" altLang="zh-CN"/>
+          </a:p>
+          <a:p>
+            <a:r>
+              <a:rPr lang="en-US" altLang="zh-CN"/>
+              <a:t>  })  </a:t>
+            </a:r>
+            <a:endParaRPr lang="en-US" altLang="zh-CN"/>
+          </a:p>
+          <a:p>
+            <a:r>
+              <a:rPr lang="en-US" altLang="zh-CN"/>
+              <a:t>  .catch(error =&gt; {  </a:t>
+            </a:r>
+            <a:endParaRPr lang="en-US" altLang="zh-CN"/>
+          </a:p>
+          <a:p>
+            <a:r>
+              <a:rPr lang="en-US" altLang="zh-CN"/>
+              <a:t>    console.error(error);  </a:t>
+            </a:r>
+            <a:endParaRPr lang="en-US" altLang="zh-CN"/>
+          </a:p>
+          <a:p>
+            <a:r>
+              <a:rPr lang="en-US" altLang="zh-CN"/>
+              <a:t>  });</a:t>
+            </a:r>
+            <a:endParaRPr lang="en-US" altLang="zh-CN"/>
+          </a:p>
+          <a:p>
+            <a:endParaRPr lang="zh-CN" altLang="en-US"/>
+          </a:p>
+          <a:p>
+            <a:endParaRPr lang="zh-CN" altLang="en-US"/>
+          </a:p>
+        </p:txBody>
+      </p:sp>
     </p:spTree>
   </p:cSld>
   <p:clrMapOvr>

--- a/其他资料/项目架构.pptx
+++ b/其他资料/项目架构.pptx
@@ -4,15 +4,25 @@
   <p:sldMasterIdLst>
     <p:sldMasterId id="2147483648" r:id="rId1"/>
   </p:sldMasterIdLst>
+  <p:notesMasterIdLst>
+    <p:notesMasterId r:id="rId13"/>
+  </p:notesMasterIdLst>
   <p:sldIdLst>
     <p:sldId id="256" r:id="rId3"/>
     <p:sldId id="257" r:id="rId4"/>
     <p:sldId id="258" r:id="rId5"/>
+    <p:sldId id="263" r:id="rId6"/>
+    <p:sldId id="264" r:id="rId7"/>
+    <p:sldId id="265" r:id="rId8"/>
+    <p:sldId id="259" r:id="rId9"/>
+    <p:sldId id="260" r:id="rId10"/>
+    <p:sldId id="262" r:id="rId11"/>
+    <p:sldId id="269" r:id="rId12"/>
   </p:sldIdLst>
   <p:sldSz cx="12192000" cy="6858000"/>
   <p:notesSz cx="6858000" cy="9144000"/>
   <p:custDataLst>
-    <p:tags r:id="rId9"/>
+    <p:tags r:id="rId17"/>
   </p:custDataLst>
   <p:defaultTextStyle>
     <a:defPPr>
@@ -112,12 +122,12 @@
   <p:extLst>
     <p:ext uri="{EFAFB233-063F-42B5-8137-9DF3F51BA10A}">
       <p15:sldGuideLst xmlns:p15="http://schemas.microsoft.com/office/powerpoint/2012/main">
-        <p15:guide id="1" orient="horz" pos="2121" userDrawn="1">
+        <p15:guide id="1" orient="horz" pos="2294" userDrawn="1">
           <p15:clr>
             <a:srgbClr val="A4A3A4"/>
           </p15:clr>
         </p15:guide>
-        <p15:guide id="2" pos="3840" userDrawn="1">
+        <p15:guide id="2" pos="3838" userDrawn="1">
           <p15:clr>
             <a:srgbClr val="A4A3A4"/>
           </p15:clr>
@@ -126,6 +136,353 @@
     </p:ext>
   </p:extLst>
 </p:presentation>
+</file>
+
+<file path=ppt/notesMasters/notesMaster1.xml><?xml version="1.0" encoding="utf-8"?>
+<p:notesMaster xmlns:a="http://schemas.openxmlformats.org/drawingml/2006/main" xmlns:r="http://schemas.openxmlformats.org/officeDocument/2006/relationships" xmlns:p="http://schemas.openxmlformats.org/presentationml/2006/main">
+  <p:cSld>
+    <p:bg>
+      <p:bgRef idx="1001">
+        <a:schemeClr val="bg1"/>
+      </p:bgRef>
+    </p:bg>
+    <p:spTree>
+      <p:nvGrpSpPr>
+        <p:cNvPr id="1" name=""/>
+        <p:cNvGrpSpPr/>
+        <p:nvPr/>
+      </p:nvGrpSpPr>
+      <p:grpSpPr>
+        <a:xfrm>
+          <a:off x="0" y="0"/>
+          <a:ext cx="0" cy="0"/>
+          <a:chOff x="0" y="0"/>
+          <a:chExt cx="0" cy="0"/>
+        </a:xfrm>
+      </p:grpSpPr>
+      <p:sp>
+        <p:nvSpPr>
+          <p:cNvPr id="2" name="页眉占位符 1"/>
+          <p:cNvSpPr>
+            <a:spLocks noGrp="1"/>
+          </p:cNvSpPr>
+          <p:nvPr>
+            <p:ph type="hdr" sz="quarter"/>
+          </p:nvPr>
+        </p:nvSpPr>
+        <p:spPr>
+          <a:xfrm>
+            <a:off x="0" y="0"/>
+            <a:ext cx="2971800" cy="458788"/>
+          </a:xfrm>
+          <a:prstGeom prst="rect">
+            <a:avLst/>
+          </a:prstGeom>
+        </p:spPr>
+        <p:txBody>
+          <a:bodyPr vert="horz" lIns="91440" tIns="45720" rIns="91440" bIns="45720" rtlCol="0"/>
+          <a:lstStyle>
+            <a:lvl1pPr algn="l">
+              <a:defRPr sz="1200"/>
+            </a:lvl1pPr>
+          </a:lstStyle>
+          <a:p>
+            <a:endParaRPr lang="zh-CN" altLang="en-US"/>
+          </a:p>
+        </p:txBody>
+      </p:sp>
+      <p:sp>
+        <p:nvSpPr>
+          <p:cNvPr id="3" name="日期占位符 2"/>
+          <p:cNvSpPr>
+            <a:spLocks noGrp="1"/>
+          </p:cNvSpPr>
+          <p:nvPr>
+            <p:ph type="dt" idx="1"/>
+          </p:nvPr>
+        </p:nvSpPr>
+        <p:spPr>
+          <a:xfrm>
+            <a:off x="3884613" y="0"/>
+            <a:ext cx="2971800" cy="458788"/>
+          </a:xfrm>
+          <a:prstGeom prst="rect">
+            <a:avLst/>
+          </a:prstGeom>
+        </p:spPr>
+        <p:txBody>
+          <a:bodyPr vert="horz" lIns="91440" tIns="45720" rIns="91440" bIns="45720" rtlCol="0"/>
+          <a:lstStyle>
+            <a:lvl1pPr algn="r">
+              <a:defRPr sz="1200"/>
+            </a:lvl1pPr>
+          </a:lstStyle>
+          <a:p>
+            <a:fld id="{D2A48B96-639E-45A3-A0BA-2464DFDB1FAA}" type="datetimeFigureOut">
+              <a:rPr lang="zh-CN" altLang="en-US" smtClean="0"/>
+            </a:fld>
+            <a:endParaRPr lang="zh-CN" altLang="en-US"/>
+          </a:p>
+        </p:txBody>
+      </p:sp>
+      <p:sp>
+        <p:nvSpPr>
+          <p:cNvPr id="4" name="幻灯片图像占位符 3"/>
+          <p:cNvSpPr>
+            <a:spLocks noGrp="1" noRot="1" noChangeAspect="1"/>
+          </p:cNvSpPr>
+          <p:nvPr>
+            <p:ph type="sldImg" idx="2"/>
+          </p:nvPr>
+        </p:nvSpPr>
+        <p:spPr>
+          <a:xfrm>
+            <a:off x="685800" y="1143000"/>
+            <a:ext cx="5486400" cy="3086100"/>
+          </a:xfrm>
+          <a:prstGeom prst="rect">
+            <a:avLst/>
+          </a:prstGeom>
+          <a:noFill/>
+          <a:ln w="12700">
+            <a:solidFill>
+              <a:prstClr val="black"/>
+            </a:solidFill>
+          </a:ln>
+        </p:spPr>
+        <p:txBody>
+          <a:bodyPr vert="horz" lIns="91440" tIns="45720" rIns="91440" bIns="45720" rtlCol="0" anchor="ctr"/>
+          <a:lstStyle/>
+          <a:p>
+            <a:endParaRPr lang="zh-CN" altLang="en-US"/>
+          </a:p>
+        </p:txBody>
+      </p:sp>
+      <p:sp>
+        <p:nvSpPr>
+          <p:cNvPr id="5" name="备注占位符 4"/>
+          <p:cNvSpPr>
+            <a:spLocks noGrp="1"/>
+          </p:cNvSpPr>
+          <p:nvPr>
+            <p:ph type="body" sz="quarter" idx="3"/>
+          </p:nvPr>
+        </p:nvSpPr>
+        <p:spPr>
+          <a:xfrm>
+            <a:off x="685800" y="4400550"/>
+            <a:ext cx="5486400" cy="3600450"/>
+          </a:xfrm>
+          <a:prstGeom prst="rect">
+            <a:avLst/>
+          </a:prstGeom>
+        </p:spPr>
+        <p:txBody>
+          <a:bodyPr vert="horz" lIns="91440" tIns="45720" rIns="91440" bIns="45720" rtlCol="0"/>
+          <a:lstStyle/>
+          <a:p>
+            <a:pPr lvl="0"/>
+            <a:r>
+              <a:rPr lang="zh-CN" altLang="en-US" smtClean="0"/>
+              <a:t>单击此处编辑母版文本样式</a:t>
+            </a:r>
+            <a:endParaRPr lang="zh-CN" altLang="en-US" smtClean="0"/>
+          </a:p>
+          <a:p>
+            <a:pPr lvl="1"/>
+            <a:r>
+              <a:rPr lang="zh-CN" altLang="en-US" smtClean="0"/>
+              <a:t>第二级</a:t>
+            </a:r>
+            <a:endParaRPr lang="zh-CN" altLang="en-US" smtClean="0"/>
+          </a:p>
+          <a:p>
+            <a:pPr lvl="2"/>
+            <a:r>
+              <a:rPr lang="zh-CN" altLang="en-US" smtClean="0"/>
+              <a:t>第三级</a:t>
+            </a:r>
+            <a:endParaRPr lang="zh-CN" altLang="en-US" smtClean="0"/>
+          </a:p>
+          <a:p>
+            <a:pPr lvl="3"/>
+            <a:r>
+              <a:rPr lang="zh-CN" altLang="en-US" smtClean="0"/>
+              <a:t>第四级</a:t>
+            </a:r>
+            <a:endParaRPr lang="zh-CN" altLang="en-US" smtClean="0"/>
+          </a:p>
+          <a:p>
+            <a:pPr lvl="4"/>
+            <a:r>
+              <a:rPr lang="zh-CN" altLang="en-US" smtClean="0"/>
+              <a:t>第五级</a:t>
+            </a:r>
+            <a:endParaRPr lang="zh-CN" altLang="en-US"/>
+          </a:p>
+        </p:txBody>
+      </p:sp>
+      <p:sp>
+        <p:nvSpPr>
+          <p:cNvPr id="6" name="页脚占位符 5"/>
+          <p:cNvSpPr>
+            <a:spLocks noGrp="1"/>
+          </p:cNvSpPr>
+          <p:nvPr>
+            <p:ph type="ftr" sz="quarter" idx="4"/>
+          </p:nvPr>
+        </p:nvSpPr>
+        <p:spPr>
+          <a:xfrm>
+            <a:off x="0" y="8685213"/>
+            <a:ext cx="2971800" cy="458787"/>
+          </a:xfrm>
+          <a:prstGeom prst="rect">
+            <a:avLst/>
+          </a:prstGeom>
+        </p:spPr>
+        <p:txBody>
+          <a:bodyPr vert="horz" lIns="91440" tIns="45720" rIns="91440" bIns="45720" rtlCol="0" anchor="b"/>
+          <a:lstStyle>
+            <a:lvl1pPr algn="l">
+              <a:defRPr sz="1200"/>
+            </a:lvl1pPr>
+          </a:lstStyle>
+          <a:p>
+            <a:endParaRPr lang="zh-CN" altLang="en-US"/>
+          </a:p>
+        </p:txBody>
+      </p:sp>
+      <p:sp>
+        <p:nvSpPr>
+          <p:cNvPr id="7" name="灯片编号占位符 6"/>
+          <p:cNvSpPr>
+            <a:spLocks noGrp="1"/>
+          </p:cNvSpPr>
+          <p:nvPr>
+            <p:ph type="sldNum" sz="quarter" idx="5"/>
+          </p:nvPr>
+        </p:nvSpPr>
+        <p:spPr>
+          <a:xfrm>
+            <a:off x="3884613" y="8685213"/>
+            <a:ext cx="2971800" cy="458787"/>
+          </a:xfrm>
+          <a:prstGeom prst="rect">
+            <a:avLst/>
+          </a:prstGeom>
+        </p:spPr>
+        <p:txBody>
+          <a:bodyPr vert="horz" lIns="91440" tIns="45720" rIns="91440" bIns="45720" rtlCol="0" anchor="b"/>
+          <a:lstStyle>
+            <a:lvl1pPr algn="r">
+              <a:defRPr sz="1200"/>
+            </a:lvl1pPr>
+          </a:lstStyle>
+          <a:p>
+            <a:fld id="{A6837353-30EB-4A48-80EB-173D804AEFBD}" type="slidenum">
+              <a:rPr lang="zh-CN" altLang="en-US" smtClean="0"/>
+            </a:fld>
+            <a:endParaRPr lang="zh-CN" altLang="en-US"/>
+          </a:p>
+        </p:txBody>
+      </p:sp>
+    </p:spTree>
+  </p:cSld>
+  <p:clrMap bg1="lt1" tx1="dk1" bg2="lt2" tx2="dk2" accent1="accent1" accent2="accent2" accent3="accent3" accent4="accent4" accent5="accent5" accent6="accent6" hlink="hlink" folHlink="folHlink"/>
+  <p:notesStyle>
+    <a:lvl1pPr marL="0" algn="l" defTabSz="914400" rtl="0" eaLnBrk="1" latinLnBrk="0" hangingPunct="1">
+      <a:defRPr sz="1200" kern="1200">
+        <a:solidFill>
+          <a:schemeClr val="tx1"/>
+        </a:solidFill>
+        <a:latin typeface="+mn-lt"/>
+        <a:ea typeface="+mn-ea"/>
+        <a:cs typeface="+mn-cs"/>
+      </a:defRPr>
+    </a:lvl1pPr>
+    <a:lvl2pPr marL="457200" algn="l" defTabSz="914400" rtl="0" eaLnBrk="1" latinLnBrk="0" hangingPunct="1">
+      <a:defRPr sz="1200" kern="1200">
+        <a:solidFill>
+          <a:schemeClr val="tx1"/>
+        </a:solidFill>
+        <a:latin typeface="+mn-lt"/>
+        <a:ea typeface="+mn-ea"/>
+        <a:cs typeface="+mn-cs"/>
+      </a:defRPr>
+    </a:lvl2pPr>
+    <a:lvl3pPr marL="914400" algn="l" defTabSz="914400" rtl="0" eaLnBrk="1" latinLnBrk="0" hangingPunct="1">
+      <a:defRPr sz="1200" kern="1200">
+        <a:solidFill>
+          <a:schemeClr val="tx1"/>
+        </a:solidFill>
+        <a:latin typeface="+mn-lt"/>
+        <a:ea typeface="+mn-ea"/>
+        <a:cs typeface="+mn-cs"/>
+      </a:defRPr>
+    </a:lvl3pPr>
+    <a:lvl4pPr marL="1371600" algn="l" defTabSz="914400" rtl="0" eaLnBrk="1" latinLnBrk="0" hangingPunct="1">
+      <a:defRPr sz="1200" kern="1200">
+        <a:solidFill>
+          <a:schemeClr val="tx1"/>
+        </a:solidFill>
+        <a:latin typeface="+mn-lt"/>
+        <a:ea typeface="+mn-ea"/>
+        <a:cs typeface="+mn-cs"/>
+      </a:defRPr>
+    </a:lvl4pPr>
+    <a:lvl5pPr marL="1828800" algn="l" defTabSz="914400" rtl="0" eaLnBrk="1" latinLnBrk="0" hangingPunct="1">
+      <a:defRPr sz="1200" kern="1200">
+        <a:solidFill>
+          <a:schemeClr val="tx1"/>
+        </a:solidFill>
+        <a:latin typeface="+mn-lt"/>
+        <a:ea typeface="+mn-ea"/>
+        <a:cs typeface="+mn-cs"/>
+      </a:defRPr>
+    </a:lvl5pPr>
+    <a:lvl6pPr marL="2286000" algn="l" defTabSz="914400" rtl="0" eaLnBrk="1" latinLnBrk="0" hangingPunct="1">
+      <a:defRPr sz="1200" kern="1200">
+        <a:solidFill>
+          <a:schemeClr val="tx1"/>
+        </a:solidFill>
+        <a:latin typeface="+mn-lt"/>
+        <a:ea typeface="+mn-ea"/>
+        <a:cs typeface="+mn-cs"/>
+      </a:defRPr>
+    </a:lvl6pPr>
+    <a:lvl7pPr marL="2743200" algn="l" defTabSz="914400" rtl="0" eaLnBrk="1" latinLnBrk="0" hangingPunct="1">
+      <a:defRPr sz="1200" kern="1200">
+        <a:solidFill>
+          <a:schemeClr val="tx1"/>
+        </a:solidFill>
+        <a:latin typeface="+mn-lt"/>
+        <a:ea typeface="+mn-ea"/>
+        <a:cs typeface="+mn-cs"/>
+      </a:defRPr>
+    </a:lvl7pPr>
+    <a:lvl8pPr marL="3200400" algn="l" defTabSz="914400" rtl="0" eaLnBrk="1" latinLnBrk="0" hangingPunct="1">
+      <a:defRPr sz="1200" kern="1200">
+        <a:solidFill>
+          <a:schemeClr val="tx1"/>
+        </a:solidFill>
+        <a:latin typeface="+mn-lt"/>
+        <a:ea typeface="+mn-ea"/>
+        <a:cs typeface="+mn-cs"/>
+      </a:defRPr>
+    </a:lvl8pPr>
+    <a:lvl9pPr marL="3657600" algn="l" defTabSz="914400" rtl="0" eaLnBrk="1" latinLnBrk="0" hangingPunct="1">
+      <a:defRPr sz="1200" kern="1200">
+        <a:solidFill>
+          <a:schemeClr val="tx1"/>
+        </a:solidFill>
+        <a:latin typeface="+mn-lt"/>
+        <a:ea typeface="+mn-ea"/>
+        <a:cs typeface="+mn-cs"/>
+      </a:defRPr>
+    </a:lvl9pPr>
+  </p:notesStyle>
+</p:notesMaster>
 </file>
 
 <file path=ppt/slideLayouts/slideLayout1.xml><?xml version="1.0" encoding="utf-8"?>
@@ -5295,6 +5652,630 @@
 </p:sld>
 </file>
 
+<file path=ppt/slides/slide10.xml><?xml version="1.0" encoding="utf-8"?>
+<p:sld xmlns:a="http://schemas.openxmlformats.org/drawingml/2006/main" xmlns:r="http://schemas.openxmlformats.org/officeDocument/2006/relationships" xmlns:p="http://schemas.openxmlformats.org/presentationml/2006/main">
+  <p:cSld>
+    <p:spTree>
+      <p:nvGrpSpPr>
+        <p:cNvPr id="1" name=""/>
+        <p:cNvGrpSpPr/>
+        <p:nvPr/>
+      </p:nvGrpSpPr>
+      <p:grpSpPr/>
+      <p:sp>
+        <p:nvSpPr>
+          <p:cNvPr id="4" name="文本框 3"/>
+          <p:cNvSpPr txBox="1"/>
+          <p:nvPr/>
+        </p:nvSpPr>
+        <p:spPr>
+          <a:xfrm>
+            <a:off x="137160" y="121285"/>
+            <a:ext cx="2538095" cy="368300"/>
+          </a:xfrm>
+          <a:prstGeom prst="rect">
+            <a:avLst/>
+          </a:prstGeom>
+          <a:noFill/>
+        </p:spPr>
+        <p:txBody>
+          <a:bodyPr wrap="square" rtlCol="0">
+            <a:spAutoFit/>
+          </a:bodyPr>
+          <a:p>
+            <a:r>
+              <a:rPr lang="en-US" altLang="zh-CN"/>
+              <a:t>websocket </a:t>
+            </a:r>
+            <a:r>
+              <a:rPr lang="zh-CN" altLang="en-US"/>
+              <a:t>的基本</a:t>
+            </a:r>
+            <a:r>
+              <a:rPr lang="zh-CN" altLang="en-US"/>
+              <a:t>设定</a:t>
+            </a:r>
+            <a:endParaRPr lang="zh-CN" altLang="en-US"/>
+          </a:p>
+        </p:txBody>
+      </p:sp>
+      <p:sp>
+        <p:nvSpPr>
+          <p:cNvPr id="5" name="文本框 4"/>
+          <p:cNvSpPr txBox="1"/>
+          <p:nvPr/>
+        </p:nvSpPr>
+        <p:spPr>
+          <a:xfrm>
+            <a:off x="250190" y="488950"/>
+            <a:ext cx="11685905" cy="5059680"/>
+          </a:xfrm>
+          <a:prstGeom prst="rect">
+            <a:avLst/>
+          </a:prstGeom>
+          <a:noFill/>
+        </p:spPr>
+        <p:txBody>
+          <a:bodyPr wrap="square" rtlCol="0">
+            <a:noAutofit/>
+          </a:bodyPr>
+          <a:p>
+            <a:r>
+              <a:rPr lang="en-US" altLang="zh-CN"/>
+              <a:t>1</a:t>
+            </a:r>
+            <a:r>
+              <a:rPr lang="zh-CN" altLang="en-US"/>
+              <a:t>、</a:t>
+            </a:r>
+            <a:r>
+              <a:rPr lang="en-US" altLang="zh-CN"/>
+              <a:t>websocket</a:t>
+            </a:r>
+            <a:r>
+              <a:rPr lang="zh-CN" altLang="en-US"/>
+              <a:t>的</a:t>
+            </a:r>
+            <a:r>
+              <a:rPr lang="en-US" altLang="zh-CN"/>
+              <a:t>sessionid </a:t>
+            </a:r>
+            <a:r>
+              <a:rPr lang="zh-CN" altLang="en-US"/>
+              <a:t>唯一标识：</a:t>
+            </a:r>
+            <a:r>
+              <a:rPr lang="en-US" altLang="zh-CN"/>
+              <a:t> </a:t>
+            </a:r>
+            <a:endParaRPr lang="en-US" altLang="zh-CN"/>
+          </a:p>
+          <a:p>
+            <a:r>
+              <a:rPr lang="zh-CN" altLang="en-US"/>
+              <a:t>管理员</a:t>
+            </a:r>
+            <a:r>
+              <a:rPr lang="en-US" altLang="zh-CN"/>
+              <a:t> </a:t>
+            </a:r>
+            <a:r>
+              <a:rPr lang="zh-CN" altLang="en-US"/>
+              <a:t>：</a:t>
+            </a:r>
+            <a:r>
+              <a:rPr lang="en-US" altLang="zh-CN"/>
+              <a:t>“A</a:t>
+            </a:r>
+            <a:r>
+              <a:rPr lang="en-US" altLang="zh-CN"/>
+              <a:t>D_{</a:t>
+            </a:r>
+            <a:r>
+              <a:rPr lang="zh-CN" altLang="en-US"/>
+              <a:t>编号</a:t>
+            </a:r>
+            <a:r>
+              <a:rPr lang="en-US" altLang="zh-CN"/>
+              <a:t>}”   /   </a:t>
+            </a:r>
+            <a:r>
+              <a:rPr lang="zh-CN" altLang="en-US">
+                <a:sym typeface="+mn-ea"/>
+              </a:rPr>
+              <a:t>审核员</a:t>
+            </a:r>
+            <a:r>
+              <a:rPr lang="en-US" altLang="zh-CN">
+                <a:sym typeface="+mn-ea"/>
+              </a:rPr>
+              <a:t> </a:t>
+            </a:r>
+            <a:r>
+              <a:rPr lang="zh-CN" altLang="en-US">
+                <a:sym typeface="+mn-ea"/>
+              </a:rPr>
+              <a:t>：</a:t>
+            </a:r>
+            <a:r>
+              <a:rPr lang="en-US" altLang="zh-CN">
+                <a:sym typeface="+mn-ea"/>
+              </a:rPr>
+              <a:t>“AU_{</a:t>
+            </a:r>
+            <a:r>
+              <a:rPr lang="zh-CN" altLang="en-US">
+                <a:sym typeface="+mn-ea"/>
+              </a:rPr>
+              <a:t>编号</a:t>
+            </a:r>
+            <a:r>
+              <a:rPr lang="en-US" altLang="zh-CN">
+                <a:sym typeface="+mn-ea"/>
+              </a:rPr>
+              <a:t>}”  /  </a:t>
+            </a:r>
+            <a:r>
+              <a:rPr lang="zh-CN" altLang="en-US">
+                <a:sym typeface="+mn-ea"/>
+              </a:rPr>
+              <a:t>客服</a:t>
+            </a:r>
+            <a:r>
+              <a:rPr lang="en-US" altLang="zh-CN">
+                <a:sym typeface="+mn-ea"/>
+              </a:rPr>
+              <a:t> </a:t>
+            </a:r>
+            <a:r>
+              <a:rPr lang="zh-CN" altLang="en-US">
+                <a:sym typeface="+mn-ea"/>
+              </a:rPr>
+              <a:t>：</a:t>
+            </a:r>
+            <a:r>
+              <a:rPr lang="en-US" altLang="zh-CN">
+                <a:sym typeface="+mn-ea"/>
+              </a:rPr>
+              <a:t>“</a:t>
+            </a:r>
+            <a:r>
+              <a:rPr lang="en-US" altLang="zh-CN">
+                <a:sym typeface="+mn-ea"/>
+              </a:rPr>
+              <a:t>CS_{</a:t>
+            </a:r>
+            <a:r>
+              <a:rPr lang="zh-CN" altLang="en-US">
+                <a:sym typeface="+mn-ea"/>
+              </a:rPr>
+              <a:t>编号</a:t>
+            </a:r>
+            <a:r>
+              <a:rPr lang="en-US" altLang="zh-CN">
+                <a:sym typeface="+mn-ea"/>
+              </a:rPr>
+              <a:t>}”   /   </a:t>
+            </a:r>
+            <a:r>
+              <a:rPr lang="zh-CN" altLang="en-US">
+                <a:sym typeface="+mn-ea"/>
+              </a:rPr>
+              <a:t>普通用户</a:t>
+            </a:r>
+            <a:r>
+              <a:rPr lang="en-US" altLang="zh-CN">
+                <a:sym typeface="+mn-ea"/>
+              </a:rPr>
+              <a:t> </a:t>
+            </a:r>
+            <a:r>
+              <a:rPr lang="zh-CN" altLang="en-US">
+                <a:sym typeface="+mn-ea"/>
+              </a:rPr>
+              <a:t>：</a:t>
+            </a:r>
+            <a:r>
+              <a:rPr lang="en-US" altLang="zh-CN">
+                <a:sym typeface="+mn-ea"/>
+              </a:rPr>
+              <a:t>“</a:t>
+            </a:r>
+            <a:r>
+              <a:rPr lang="en-US" altLang="zh-CN">
+                <a:sym typeface="+mn-ea"/>
+              </a:rPr>
+              <a:t>CU_{</a:t>
+            </a:r>
+            <a:r>
+              <a:rPr lang="zh-CN" altLang="en-US">
+                <a:sym typeface="+mn-ea"/>
+              </a:rPr>
+              <a:t>编号</a:t>
+            </a:r>
+            <a:r>
+              <a:rPr lang="en-US" altLang="zh-CN">
+                <a:sym typeface="+mn-ea"/>
+              </a:rPr>
+              <a:t>}”</a:t>
+            </a:r>
+            <a:endParaRPr lang="en-US" altLang="zh-CN">
+              <a:sym typeface="+mn-ea"/>
+            </a:endParaRPr>
+          </a:p>
+          <a:p>
+            <a:r>
+              <a:rPr lang="zh-CN" altLang="en-US">
+                <a:sym typeface="+mn-ea"/>
+              </a:rPr>
+              <a:t>如</a:t>
+            </a:r>
+            <a:r>
+              <a:rPr lang="en-US" altLang="zh-CN">
+                <a:sym typeface="+mn-ea"/>
+              </a:rPr>
+              <a:t> </a:t>
+            </a:r>
+            <a:r>
+              <a:rPr lang="zh-CN" altLang="en-US">
+                <a:sym typeface="+mn-ea"/>
+              </a:rPr>
+              <a:t>：</a:t>
+            </a:r>
+            <a:r>
+              <a:rPr lang="en-US" altLang="zh-CN">
+                <a:sym typeface="+mn-ea"/>
+              </a:rPr>
+              <a:t> “AD_1”   </a:t>
+            </a:r>
+            <a:endParaRPr lang="en-US" altLang="zh-CN">
+              <a:sym typeface="+mn-ea"/>
+            </a:endParaRPr>
+          </a:p>
+          <a:p>
+            <a:r>
+              <a:rPr lang="en-US" altLang="zh-CN">
+                <a:sym typeface="+mn-ea"/>
+              </a:rPr>
+              <a:t>        </a:t>
+            </a:r>
+            <a:endParaRPr lang="en-US" altLang="zh-CN">
+              <a:sym typeface="+mn-ea"/>
+            </a:endParaRPr>
+          </a:p>
+          <a:p>
+            <a:r>
+              <a:rPr lang="en-US" altLang="zh-CN">
+                <a:sym typeface="+mn-ea"/>
+              </a:rPr>
+              <a:t>2</a:t>
+            </a:r>
+            <a:r>
+              <a:rPr lang="zh-CN" altLang="en-US">
+                <a:sym typeface="+mn-ea"/>
+              </a:rPr>
+              <a:t>、分类</a:t>
+            </a:r>
+            <a:r>
+              <a:rPr lang="en-US" altLang="zh-CN">
+                <a:sym typeface="+mn-ea"/>
+              </a:rPr>
+              <a:t> Type </a:t>
+            </a:r>
+            <a:endParaRPr lang="en-US" altLang="zh-CN">
+              <a:sym typeface="+mn-ea"/>
+            </a:endParaRPr>
+          </a:p>
+          <a:p>
+            <a:r>
+              <a:rPr lang="en-US" altLang="zh-CN">
+                <a:sym typeface="+mn-ea"/>
+              </a:rPr>
+              <a:t>“A”</a:t>
+            </a:r>
+            <a:r>
+              <a:rPr lang="zh-CN" altLang="en-US">
+                <a:sym typeface="+mn-ea"/>
+              </a:rPr>
+              <a:t>：内部交流通道：管理员、审核员、客服的信息交流</a:t>
+            </a:r>
+            <a:r>
+              <a:rPr lang="en-US" altLang="zh-CN">
+                <a:sym typeface="+mn-ea"/>
+              </a:rPr>
+              <a:t>     </a:t>
+            </a:r>
+            <a:endParaRPr lang="en-US" altLang="zh-CN"/>
+          </a:p>
+          <a:p>
+            <a:r>
+              <a:rPr lang="en-US" altLang="zh-CN"/>
+              <a:t>“B”</a:t>
+            </a:r>
+            <a:r>
+              <a:rPr lang="zh-CN" altLang="en-US"/>
+              <a:t>：反馈：普通用户和客服的信息交流</a:t>
+            </a:r>
+            <a:r>
+              <a:rPr lang="en-US" altLang="zh-CN"/>
+              <a:t> </a:t>
+            </a:r>
+            <a:endParaRPr lang="en-US" altLang="zh-CN"/>
+          </a:p>
+          <a:p>
+            <a:r>
+              <a:rPr lang="en-US" altLang="zh-CN"/>
+              <a:t>“C”</a:t>
+            </a:r>
+            <a:r>
+              <a:rPr lang="zh-CN" altLang="en-US"/>
+              <a:t>：</a:t>
+            </a:r>
+            <a:r>
+              <a:rPr lang="zh-CN" altLang="en-US"/>
+              <a:t>任务：任务发布方和任务接收方的信息交流</a:t>
+            </a:r>
+            <a:endParaRPr lang="zh-CN" altLang="en-US"/>
+          </a:p>
+          <a:p>
+            <a:r>
+              <a:rPr lang="en-US" altLang="zh-CN"/>
+              <a:t>“D” :  </a:t>
+            </a:r>
+            <a:r>
+              <a:rPr lang="zh-CN" altLang="en-US"/>
+              <a:t>任务的增删改</a:t>
+            </a:r>
+            <a:r>
+              <a:rPr lang="en-US" altLang="zh-CN"/>
+              <a:t>      //</a:t>
+            </a:r>
+            <a:r>
+              <a:rPr lang="zh-CN" altLang="en-US"/>
+              <a:t>待设计</a:t>
+            </a:r>
+            <a:endParaRPr lang="en-US" altLang="zh-CN"/>
+          </a:p>
+          <a:p>
+            <a:endParaRPr lang="en-US" altLang="zh-CN"/>
+          </a:p>
+          <a:p>
+            <a:r>
+              <a:rPr lang="en-US" altLang="zh-CN"/>
+              <a:t>3</a:t>
+            </a:r>
+            <a:r>
+              <a:rPr lang="zh-CN" altLang="en-US"/>
+              <a:t>、发送内容为</a:t>
+            </a:r>
+            <a:r>
+              <a:rPr lang="en-US" altLang="zh-CN"/>
+              <a:t>json</a:t>
+            </a:r>
+            <a:r>
+              <a:rPr lang="zh-CN" altLang="en-US"/>
+              <a:t>格式，</a:t>
+            </a:r>
+            <a:r>
+              <a:rPr lang="zh-CN" altLang="en-US">
+                <a:highlight>
+                  <a:srgbClr val="FFFF00"/>
+                </a:highlight>
+              </a:rPr>
+              <a:t>消息</a:t>
+            </a:r>
+            <a:r>
+              <a:rPr lang="zh-CN" altLang="en-US"/>
+              <a:t>加密（前端</a:t>
+            </a:r>
+            <a:r>
+              <a:rPr lang="en-US" altLang="zh-CN"/>
+              <a:t>1</a:t>
+            </a:r>
+            <a:r>
+              <a:rPr lang="zh-CN" altLang="en-US"/>
+              <a:t>加密后发送给前端</a:t>
+            </a:r>
+            <a:r>
+              <a:rPr lang="en-US" altLang="zh-CN"/>
+              <a:t>2</a:t>
+            </a:r>
+            <a:r>
+              <a:rPr lang="zh-CN" altLang="en-US"/>
+              <a:t>，前端</a:t>
+            </a:r>
+            <a:r>
+              <a:rPr lang="en-US" altLang="zh-CN"/>
+              <a:t>2</a:t>
+            </a:r>
+            <a:r>
+              <a:rPr lang="zh-CN" altLang="en-US"/>
+              <a:t>再来</a:t>
+            </a:r>
+            <a:r>
+              <a:rPr lang="zh-CN" altLang="en-US"/>
+              <a:t>解密）</a:t>
+            </a:r>
+            <a:endParaRPr lang="zh-CN" altLang="en-US"/>
+          </a:p>
+          <a:p>
+            <a:r>
+              <a:rPr lang="zh-CN" altLang="en-US"/>
+              <a:t>如</a:t>
+            </a:r>
+            <a:r>
+              <a:rPr lang="en-US" altLang="zh-CN"/>
+              <a:t>	</a:t>
+            </a:r>
+            <a:endParaRPr lang="en-US" altLang="zh-CN"/>
+          </a:p>
+          <a:p>
+            <a:pPr indent="457200"/>
+            <a:r>
+              <a:rPr lang="en-US" altLang="zh-CN"/>
+              <a:t>{</a:t>
+            </a:r>
+            <a:endParaRPr lang="en-US" altLang="zh-CN"/>
+          </a:p>
+          <a:p>
+            <a:pPr marL="457200" lvl="1" indent="457200"/>
+            <a:r>
+              <a:rPr lang="en-US" altLang="zh-CN"/>
+              <a:t>Type : “A”,</a:t>
+            </a:r>
+            <a:endParaRPr lang="en-US" altLang="zh-CN"/>
+          </a:p>
+          <a:p>
+            <a:pPr marL="457200" lvl="1" indent="457200"/>
+            <a:r>
+              <a:rPr lang="en-US" altLang="zh-CN"/>
+              <a:t>messageType :“text”,//</a:t>
+            </a:r>
+            <a:r>
+              <a:rPr lang="zh-CN" altLang="en-US"/>
+              <a:t>目前全都是</a:t>
+            </a:r>
+            <a:r>
+              <a:rPr lang="en-US" altLang="zh-CN"/>
+              <a:t>text</a:t>
+            </a:r>
+            <a:r>
+              <a:rPr lang="zh-CN" altLang="en-US"/>
+              <a:t>，之后可以加</a:t>
+            </a:r>
+            <a:r>
+              <a:rPr lang="en-US" altLang="zh-CN"/>
+              <a:t> “ img ”</a:t>
+            </a:r>
+            <a:endParaRPr lang="en-US" altLang="zh-CN"/>
+          </a:p>
+          <a:p>
+            <a:pPr marL="457200" lvl="1" indent="457200"/>
+            <a:r>
+              <a:rPr lang="en-US" altLang="zh-CN"/>
+              <a:t>message : “afsfjsaldfjasldfjlafadlfj” ,  //</a:t>
+            </a:r>
+            <a:r>
+              <a:rPr lang="zh-CN" altLang="en-US"/>
+              <a:t>加密过的消息</a:t>
+            </a:r>
+            <a:endParaRPr lang="zh-CN" altLang="en-US"/>
+          </a:p>
+          <a:p>
+            <a:pPr marL="457200" lvl="1" indent="457200"/>
+            <a:r>
+              <a:rPr lang="en-US" altLang="zh-CN"/>
+              <a:t>sende</a:t>
+            </a:r>
+            <a:r>
+              <a:rPr lang="en-US" altLang="zh-CN"/>
+              <a:t>rSessionId : “AD_1”,</a:t>
+            </a:r>
+            <a:endParaRPr lang="en-US" altLang="zh-CN"/>
+          </a:p>
+          <a:p>
+            <a:pPr marL="457200" lvl="1" indent="457200"/>
+            <a:r>
+              <a:rPr lang="en-US" altLang="zh-CN"/>
+              <a:t>receiverSessionId : ...             //type</a:t>
+            </a:r>
+            <a:r>
+              <a:rPr lang="zh-CN" altLang="en-US"/>
+              <a:t>为</a:t>
+            </a:r>
+            <a:r>
+              <a:rPr lang="en-US" altLang="zh-CN"/>
+              <a:t>A</a:t>
+            </a:r>
+            <a:r>
+              <a:rPr lang="zh-CN" altLang="en-US"/>
+              <a:t>不需要接收者的信息，</a:t>
+            </a:r>
+            <a:r>
+              <a:rPr lang="en-US" altLang="zh-CN"/>
+              <a:t>type</a:t>
+            </a:r>
+            <a:r>
+              <a:rPr lang="zh-CN" altLang="en-US"/>
+              <a:t>为</a:t>
+            </a:r>
+            <a:r>
+              <a:rPr lang="en-US" altLang="zh-CN"/>
+              <a:t>B</a:t>
+            </a:r>
+            <a:r>
+              <a:rPr lang="zh-CN" altLang="en-US"/>
+              <a:t>需要提前获取客服的</a:t>
+            </a:r>
+            <a:r>
+              <a:rPr lang="en-US" altLang="zh-CN"/>
+              <a:t>sessionid</a:t>
+            </a:r>
+            <a:r>
+              <a:rPr lang="zh-CN" altLang="en-US"/>
+              <a:t>，</a:t>
+            </a:r>
+            <a:r>
+              <a:rPr lang="en-US" altLang="zh-CN"/>
+              <a:t>type</a:t>
+            </a:r>
+            <a:r>
+              <a:rPr lang="zh-CN" altLang="en-US"/>
+              <a:t>为</a:t>
+            </a:r>
+            <a:r>
+              <a:rPr lang="en-US" altLang="zh-CN"/>
+              <a:t>C</a:t>
+            </a:r>
+            <a:r>
+              <a:rPr lang="zh-CN" altLang="en-US"/>
+              <a:t>则需要这个</a:t>
+            </a:r>
+            <a:r>
+              <a:rPr lang="en-US" altLang="zh-CN"/>
+              <a:t>}</a:t>
+            </a:r>
+            <a:endParaRPr lang="en-US" altLang="zh-CN"/>
+          </a:p>
+          <a:p>
+            <a:pPr indent="457200"/>
+            <a:endParaRPr lang="zh-CN" altLang="en-US"/>
+          </a:p>
+        </p:txBody>
+      </p:sp>
+      <p:sp>
+        <p:nvSpPr>
+          <p:cNvPr id="7" name="文本框 6"/>
+          <p:cNvSpPr txBox="1"/>
+          <p:nvPr/>
+        </p:nvSpPr>
+        <p:spPr>
+          <a:xfrm>
+            <a:off x="363855" y="5494655"/>
+            <a:ext cx="4064000" cy="373380"/>
+          </a:xfrm>
+          <a:prstGeom prst="rect">
+            <a:avLst/>
+          </a:prstGeom>
+          <a:noFill/>
+        </p:spPr>
+        <p:txBody>
+          <a:bodyPr wrap="square" rtlCol="0">
+            <a:noAutofit/>
+          </a:bodyPr>
+          <a:p>
+            <a:endParaRPr lang="zh-CN" altLang="en-US"/>
+          </a:p>
+        </p:txBody>
+      </p:sp>
+    </p:spTree>
+  </p:cSld>
+  <p:clrMapOvr>
+    <a:masterClrMapping/>
+  </p:clrMapOvr>
+</p:sld>
+</file>
+
 <file path=ppt/slides/slide2.xml><?xml version="1.0" encoding="utf-8"?>
 <p:sld xmlns:a="http://schemas.openxmlformats.org/drawingml/2006/main" xmlns:r="http://schemas.openxmlformats.org/officeDocument/2006/relationships" xmlns:p="http://schemas.openxmlformats.org/presentationml/2006/main">
   <p:cSld>
@@ -6006,6 +6987,5394 @@
           </a:p>
         </p:txBody>
       </p:sp>
+    </p:spTree>
+  </p:cSld>
+  <p:clrMapOvr>
+    <a:masterClrMapping/>
+  </p:clrMapOvr>
+</p:sld>
+</file>
+
+<file path=ppt/slides/slide4.xml><?xml version="1.0" encoding="utf-8"?>
+<p:sld xmlns:a="http://schemas.openxmlformats.org/drawingml/2006/main" xmlns:r="http://schemas.openxmlformats.org/officeDocument/2006/relationships" xmlns:p="http://schemas.openxmlformats.org/presentationml/2006/main">
+  <p:cSld>
+    <p:spTree>
+      <p:nvGrpSpPr>
+        <p:cNvPr id="1" name=""/>
+        <p:cNvGrpSpPr/>
+        <p:nvPr/>
+      </p:nvGrpSpPr>
+      <p:grpSpPr/>
+      <p:sp>
+        <p:nvSpPr>
+          <p:cNvPr id="8" name="矩形 7"/>
+          <p:cNvSpPr/>
+          <p:nvPr/>
+        </p:nvSpPr>
+        <p:spPr>
+          <a:xfrm>
+            <a:off x="246380" y="730885"/>
+            <a:ext cx="1276985" cy="1137920"/>
+          </a:xfrm>
+          <a:prstGeom prst="rect">
+            <a:avLst/>
+          </a:prstGeom>
+        </p:spPr>
+        <p:style>
+          <a:lnRef idx="2">
+            <a:schemeClr val="accent1">
+              <a:lumMod val="75000"/>
+            </a:schemeClr>
+          </a:lnRef>
+          <a:fillRef idx="1">
+            <a:schemeClr val="accent1"/>
+          </a:fillRef>
+          <a:effectRef idx="0">
+            <a:srgbClr val="FFFFFF"/>
+          </a:effectRef>
+          <a:fontRef idx="minor">
+            <a:schemeClr val="lt1"/>
+          </a:fontRef>
+        </p:style>
+        <p:txBody>
+          <a:bodyPr rtlCol="0" anchor="ctr"/>
+          <a:p>
+            <a:pPr algn="ctr"/>
+            <a:r>
+              <a:rPr lang="zh-CN" altLang="en-US"/>
+              <a:t>管理员</a:t>
+            </a:r>
+            <a:endParaRPr lang="zh-CN" altLang="en-US"/>
+          </a:p>
+        </p:txBody>
+      </p:sp>
+      <p:sp>
+        <p:nvSpPr>
+          <p:cNvPr id="9" name="矩形 8"/>
+          <p:cNvSpPr/>
+          <p:nvPr/>
+        </p:nvSpPr>
+        <p:spPr>
+          <a:xfrm>
+            <a:off x="246380" y="2503170"/>
+            <a:ext cx="1276985" cy="1165225"/>
+          </a:xfrm>
+          <a:prstGeom prst="rect">
+            <a:avLst/>
+          </a:prstGeom>
+        </p:spPr>
+        <p:style>
+          <a:lnRef idx="2">
+            <a:schemeClr val="accent1">
+              <a:lumMod val="75000"/>
+            </a:schemeClr>
+          </a:lnRef>
+          <a:fillRef idx="1">
+            <a:schemeClr val="accent1"/>
+          </a:fillRef>
+          <a:effectRef idx="0">
+            <a:srgbClr val="FFFFFF"/>
+          </a:effectRef>
+          <a:fontRef idx="minor">
+            <a:schemeClr val="lt1"/>
+          </a:fontRef>
+        </p:style>
+        <p:txBody>
+          <a:bodyPr rtlCol="0" anchor="ctr"/>
+          <a:p>
+            <a:pPr algn="ctr"/>
+            <a:r>
+              <a:rPr lang="zh-CN" altLang="en-US"/>
+              <a:t>审核</a:t>
+            </a:r>
+            <a:r>
+              <a:rPr lang="zh-CN" altLang="en-US"/>
+              <a:t>员</a:t>
+            </a:r>
+            <a:endParaRPr lang="zh-CN" altLang="en-US"/>
+          </a:p>
+        </p:txBody>
+      </p:sp>
+      <p:sp>
+        <p:nvSpPr>
+          <p:cNvPr id="10" name="矩形 9"/>
+          <p:cNvSpPr/>
+          <p:nvPr/>
+        </p:nvSpPr>
+        <p:spPr>
+          <a:xfrm>
+            <a:off x="299085" y="4065905"/>
+            <a:ext cx="1276985" cy="1137920"/>
+          </a:xfrm>
+          <a:prstGeom prst="rect">
+            <a:avLst/>
+          </a:prstGeom>
+        </p:spPr>
+        <p:style>
+          <a:lnRef idx="2">
+            <a:schemeClr val="accent1">
+              <a:lumMod val="75000"/>
+            </a:schemeClr>
+          </a:lnRef>
+          <a:fillRef idx="1">
+            <a:schemeClr val="accent1"/>
+          </a:fillRef>
+          <a:effectRef idx="0">
+            <a:srgbClr val="FFFFFF"/>
+          </a:effectRef>
+          <a:fontRef idx="minor">
+            <a:schemeClr val="lt1"/>
+          </a:fontRef>
+        </p:style>
+        <p:txBody>
+          <a:bodyPr rtlCol="0" anchor="ctr"/>
+          <a:p>
+            <a:pPr algn="ctr"/>
+            <a:r>
+              <a:rPr lang="zh-CN" altLang="en-US"/>
+              <a:t>客服</a:t>
+            </a:r>
+            <a:r>
+              <a:rPr lang="en-US" altLang="zh-CN"/>
+              <a:t>1</a:t>
+            </a:r>
+            <a:endParaRPr lang="en-US" altLang="zh-CN"/>
+          </a:p>
+        </p:txBody>
+      </p:sp>
+      <p:sp>
+        <p:nvSpPr>
+          <p:cNvPr id="11" name="矩形 10"/>
+          <p:cNvSpPr/>
+          <p:nvPr/>
+        </p:nvSpPr>
+        <p:spPr>
+          <a:xfrm>
+            <a:off x="299085" y="5536565"/>
+            <a:ext cx="1276985" cy="1137920"/>
+          </a:xfrm>
+          <a:prstGeom prst="rect">
+            <a:avLst/>
+          </a:prstGeom>
+        </p:spPr>
+        <p:style>
+          <a:lnRef idx="2">
+            <a:schemeClr val="accent1">
+              <a:lumMod val="75000"/>
+            </a:schemeClr>
+          </a:lnRef>
+          <a:fillRef idx="1">
+            <a:schemeClr val="accent1"/>
+          </a:fillRef>
+          <a:effectRef idx="0">
+            <a:srgbClr val="FFFFFF"/>
+          </a:effectRef>
+          <a:fontRef idx="minor">
+            <a:schemeClr val="lt1"/>
+          </a:fontRef>
+        </p:style>
+        <p:txBody>
+          <a:bodyPr rtlCol="0" anchor="ctr"/>
+          <a:p>
+            <a:pPr algn="ctr"/>
+            <a:r>
+              <a:rPr lang="zh-CN" altLang="en-US"/>
+              <a:t>客服</a:t>
+            </a:r>
+            <a:r>
+              <a:rPr lang="en-US" altLang="zh-CN"/>
+              <a:t>2</a:t>
+            </a:r>
+            <a:endParaRPr lang="en-US" altLang="zh-CN"/>
+          </a:p>
+        </p:txBody>
+      </p:sp>
+      <p:sp>
+        <p:nvSpPr>
+          <p:cNvPr id="5" name="矩形 4"/>
+          <p:cNvSpPr/>
+          <p:nvPr/>
+        </p:nvSpPr>
+        <p:spPr>
+          <a:xfrm>
+            <a:off x="9478010" y="704850"/>
+            <a:ext cx="1464310" cy="1336675"/>
+          </a:xfrm>
+          <a:prstGeom prst="rect">
+            <a:avLst/>
+          </a:prstGeom>
+        </p:spPr>
+        <p:style>
+          <a:lnRef idx="2">
+            <a:schemeClr val="accent1">
+              <a:lumMod val="75000"/>
+            </a:schemeClr>
+          </a:lnRef>
+          <a:fillRef idx="1">
+            <a:schemeClr val="accent1"/>
+          </a:fillRef>
+          <a:effectRef idx="0">
+            <a:srgbClr val="FFFFFF"/>
+          </a:effectRef>
+          <a:fontRef idx="minor">
+            <a:schemeClr val="lt1"/>
+          </a:fontRef>
+        </p:style>
+        <p:txBody>
+          <a:bodyPr rtlCol="0" anchor="ctr"/>
+          <a:p>
+            <a:pPr algn="ctr"/>
+            <a:r>
+              <a:rPr lang="zh-CN" altLang="en-US"/>
+              <a:t>服务器</a:t>
+            </a:r>
+            <a:endParaRPr lang="zh-CN" altLang="en-US"/>
+          </a:p>
+        </p:txBody>
+      </p:sp>
+      <p:sp>
+        <p:nvSpPr>
+          <p:cNvPr id="19" name="文本框 18"/>
+          <p:cNvSpPr txBox="1"/>
+          <p:nvPr/>
+        </p:nvSpPr>
+        <p:spPr>
+          <a:xfrm>
+            <a:off x="361950" y="175260"/>
+            <a:ext cx="3031490" cy="368300"/>
+          </a:xfrm>
+          <a:prstGeom prst="rect">
+            <a:avLst/>
+          </a:prstGeom>
+          <a:noFill/>
+        </p:spPr>
+        <p:txBody>
+          <a:bodyPr wrap="square" rtlCol="0">
+            <a:spAutoFit/>
+          </a:bodyPr>
+          <a:p>
+            <a:r>
+              <a:rPr lang="zh-CN" altLang="en-US"/>
+              <a:t>假设</a:t>
+            </a:r>
+            <a:r>
+              <a:rPr lang="en-US" altLang="zh-CN"/>
+              <a:t>websocket</a:t>
+            </a:r>
+            <a:r>
+              <a:rPr lang="zh-CN" altLang="en-US"/>
+              <a:t>连接</a:t>
+            </a:r>
+            <a:r>
+              <a:rPr lang="zh-CN" altLang="en-US"/>
+              <a:t>已建立</a:t>
+            </a:r>
+            <a:endParaRPr lang="zh-CN" altLang="en-US"/>
+          </a:p>
+        </p:txBody>
+      </p:sp>
+      <p:sp>
+        <p:nvSpPr>
+          <p:cNvPr id="22" name="右箭头 21"/>
+          <p:cNvSpPr/>
+          <p:nvPr/>
+        </p:nvSpPr>
+        <p:spPr>
+          <a:xfrm>
+            <a:off x="1834515" y="1235075"/>
+            <a:ext cx="7266940" cy="319405"/>
+          </a:xfrm>
+          <a:prstGeom prst="rightArrow">
+            <a:avLst/>
+          </a:prstGeom>
+        </p:spPr>
+        <p:style>
+          <a:lnRef idx="2">
+            <a:schemeClr val="accent1">
+              <a:lumMod val="75000"/>
+            </a:schemeClr>
+          </a:lnRef>
+          <a:fillRef idx="1">
+            <a:schemeClr val="accent1"/>
+          </a:fillRef>
+          <a:effectRef idx="0">
+            <a:srgbClr val="FFFFFF"/>
+          </a:effectRef>
+          <a:fontRef idx="minor">
+            <a:schemeClr val="lt1"/>
+          </a:fontRef>
+        </p:style>
+        <p:txBody>
+          <a:bodyPr rtlCol="0" anchor="ctr"/>
+          <a:p>
+            <a:pPr algn="ctr"/>
+            <a:endParaRPr lang="zh-CN" altLang="en-US"/>
+          </a:p>
+        </p:txBody>
+      </p:sp>
+      <p:sp>
+        <p:nvSpPr>
+          <p:cNvPr id="23" name="文本框 22"/>
+          <p:cNvSpPr txBox="1"/>
+          <p:nvPr/>
+        </p:nvSpPr>
+        <p:spPr>
+          <a:xfrm>
+            <a:off x="2710180" y="704850"/>
+            <a:ext cx="6353810" cy="368300"/>
+          </a:xfrm>
+          <a:prstGeom prst="rect">
+            <a:avLst/>
+          </a:prstGeom>
+          <a:noFill/>
+        </p:spPr>
+        <p:txBody>
+          <a:bodyPr wrap="square" rtlCol="0">
+            <a:spAutoFit/>
+          </a:bodyPr>
+          <a:p>
+            <a:r>
+              <a:rPr lang="en-US" altLang="zh-CN"/>
+              <a:t>message</a:t>
+            </a:r>
+            <a:r>
+              <a:rPr lang="zh-CN" altLang="en-US"/>
+              <a:t>：</a:t>
+            </a:r>
+            <a:r>
+              <a:rPr lang="en-US" altLang="zh-CN"/>
+              <a:t>token(</a:t>
+            </a:r>
+            <a:r>
+              <a:rPr lang="zh-CN" altLang="en-US"/>
+              <a:t>存储个人信息</a:t>
+            </a:r>
+            <a:r>
+              <a:rPr lang="en-US" altLang="zh-CN"/>
+              <a:t>)+</a:t>
+            </a:r>
+            <a:r>
+              <a:rPr lang="zh-CN" altLang="en-US"/>
+              <a:t>发送的群聊类型</a:t>
+            </a:r>
+            <a:r>
+              <a:rPr lang="en-US" altLang="zh-CN"/>
+              <a:t>:”A”+</a:t>
+            </a:r>
+            <a:r>
+              <a:rPr lang="zh-CN" altLang="en-US"/>
+              <a:t>内容</a:t>
+            </a:r>
+            <a:endParaRPr lang="zh-CN" altLang="en-US"/>
+          </a:p>
+        </p:txBody>
+      </p:sp>
+      <p:sp>
+        <p:nvSpPr>
+          <p:cNvPr id="24" name="右箭头 23"/>
+          <p:cNvSpPr/>
+          <p:nvPr/>
+        </p:nvSpPr>
+        <p:spPr>
+          <a:xfrm rot="10200000">
+            <a:off x="1867535" y="2345055"/>
+            <a:ext cx="7266940" cy="319405"/>
+          </a:xfrm>
+          <a:prstGeom prst="rightArrow">
+            <a:avLst/>
+          </a:prstGeom>
+        </p:spPr>
+        <p:style>
+          <a:lnRef idx="2">
+            <a:schemeClr val="accent1">
+              <a:lumMod val="75000"/>
+            </a:schemeClr>
+          </a:lnRef>
+          <a:fillRef idx="1">
+            <a:schemeClr val="accent1"/>
+          </a:fillRef>
+          <a:effectRef idx="0">
+            <a:srgbClr val="FFFFFF"/>
+          </a:effectRef>
+          <a:fontRef idx="minor">
+            <a:schemeClr val="lt1"/>
+          </a:fontRef>
+        </p:style>
+        <p:txBody>
+          <a:bodyPr rtlCol="0" anchor="ctr"/>
+          <a:p>
+            <a:pPr algn="ctr"/>
+            <a:endParaRPr lang="zh-CN" altLang="en-US"/>
+          </a:p>
+        </p:txBody>
+      </p:sp>
+      <p:sp>
+        <p:nvSpPr>
+          <p:cNvPr id="25" name="右箭头 24"/>
+          <p:cNvSpPr/>
+          <p:nvPr/>
+        </p:nvSpPr>
+        <p:spPr>
+          <a:xfrm rot="9720000">
+            <a:off x="2099945" y="3343275"/>
+            <a:ext cx="7439660" cy="319405"/>
+          </a:xfrm>
+          <a:prstGeom prst="rightArrow">
+            <a:avLst/>
+          </a:prstGeom>
+        </p:spPr>
+        <p:style>
+          <a:lnRef idx="2">
+            <a:schemeClr val="accent1">
+              <a:lumMod val="75000"/>
+            </a:schemeClr>
+          </a:lnRef>
+          <a:fillRef idx="1">
+            <a:schemeClr val="accent1"/>
+          </a:fillRef>
+          <a:effectRef idx="0">
+            <a:srgbClr val="FFFFFF"/>
+          </a:effectRef>
+          <a:fontRef idx="minor">
+            <a:schemeClr val="lt1"/>
+          </a:fontRef>
+        </p:style>
+        <p:txBody>
+          <a:bodyPr rtlCol="0" anchor="ctr"/>
+          <a:p>
+            <a:pPr algn="ctr"/>
+            <a:endParaRPr lang="zh-CN" altLang="en-US"/>
+          </a:p>
+        </p:txBody>
+      </p:sp>
+      <p:sp>
+        <p:nvSpPr>
+          <p:cNvPr id="26" name="右箭头 25"/>
+          <p:cNvSpPr/>
+          <p:nvPr/>
+        </p:nvSpPr>
+        <p:spPr>
+          <a:xfrm rot="9360000">
+            <a:off x="2088515" y="4435475"/>
+            <a:ext cx="8054340" cy="319405"/>
+          </a:xfrm>
+          <a:prstGeom prst="rightArrow">
+            <a:avLst/>
+          </a:prstGeom>
+        </p:spPr>
+        <p:style>
+          <a:lnRef idx="2">
+            <a:schemeClr val="accent1">
+              <a:lumMod val="75000"/>
+            </a:schemeClr>
+          </a:lnRef>
+          <a:fillRef idx="1">
+            <a:schemeClr val="accent1"/>
+          </a:fillRef>
+          <a:effectRef idx="0">
+            <a:srgbClr val="FFFFFF"/>
+          </a:effectRef>
+          <a:fontRef idx="minor">
+            <a:schemeClr val="lt1"/>
+          </a:fontRef>
+        </p:style>
+        <p:txBody>
+          <a:bodyPr rtlCol="0" anchor="ctr"/>
+          <a:p>
+            <a:pPr algn="ctr"/>
+            <a:endParaRPr lang="zh-CN" altLang="en-US"/>
+          </a:p>
+        </p:txBody>
+      </p:sp>
+      <p:sp>
+        <p:nvSpPr>
+          <p:cNvPr id="27" name="文本框 26"/>
+          <p:cNvSpPr txBox="1"/>
+          <p:nvPr/>
+        </p:nvSpPr>
+        <p:spPr>
+          <a:xfrm>
+            <a:off x="4064000" y="2134870"/>
+            <a:ext cx="4064000" cy="368300"/>
+          </a:xfrm>
+          <a:prstGeom prst="rect">
+            <a:avLst/>
+          </a:prstGeom>
+          <a:noFill/>
+        </p:spPr>
+        <p:txBody>
+          <a:bodyPr wrap="square" rtlCol="0">
+            <a:spAutoFit/>
+          </a:bodyPr>
+          <a:p>
+            <a:r>
+              <a:rPr lang="zh-CN" altLang="en-US"/>
+              <a:t>广播</a:t>
+            </a:r>
+            <a:endParaRPr lang="zh-CN" altLang="en-US"/>
+          </a:p>
+        </p:txBody>
+      </p:sp>
+      <p:sp>
+        <p:nvSpPr>
+          <p:cNvPr id="28" name="文本框 27"/>
+          <p:cNvSpPr txBox="1"/>
+          <p:nvPr/>
+        </p:nvSpPr>
+        <p:spPr>
+          <a:xfrm>
+            <a:off x="4305935" y="3342640"/>
+            <a:ext cx="4064000" cy="368300"/>
+          </a:xfrm>
+          <a:prstGeom prst="rect">
+            <a:avLst/>
+          </a:prstGeom>
+          <a:noFill/>
+        </p:spPr>
+        <p:txBody>
+          <a:bodyPr wrap="square" rtlCol="0">
+            <a:spAutoFit/>
+          </a:bodyPr>
+          <a:p>
+            <a:r>
+              <a:rPr lang="zh-CN" altLang="en-US"/>
+              <a:t>广播</a:t>
+            </a:r>
+            <a:endParaRPr lang="zh-CN" altLang="en-US"/>
+          </a:p>
+        </p:txBody>
+      </p:sp>
+      <p:sp>
+        <p:nvSpPr>
+          <p:cNvPr id="29" name="文本框 28"/>
+          <p:cNvSpPr txBox="1"/>
+          <p:nvPr/>
+        </p:nvSpPr>
+        <p:spPr>
+          <a:xfrm>
+            <a:off x="4631055" y="4465955"/>
+            <a:ext cx="4064000" cy="368300"/>
+          </a:xfrm>
+          <a:prstGeom prst="rect">
+            <a:avLst/>
+          </a:prstGeom>
+          <a:noFill/>
+        </p:spPr>
+        <p:txBody>
+          <a:bodyPr wrap="square" rtlCol="0">
+            <a:spAutoFit/>
+          </a:bodyPr>
+          <a:p>
+            <a:r>
+              <a:rPr lang="zh-CN" altLang="en-US"/>
+              <a:t>广播</a:t>
+            </a:r>
+            <a:endParaRPr lang="zh-CN" altLang="en-US"/>
+          </a:p>
+        </p:txBody>
+      </p:sp>
+    </p:spTree>
+    <p:custDataLst>
+      <p:tags r:id="rId1"/>
+    </p:custDataLst>
+  </p:cSld>
+  <p:clrMapOvr>
+    <a:masterClrMapping/>
+  </p:clrMapOvr>
+</p:sld>
+</file>
+
+<file path=ppt/slides/slide5.xml><?xml version="1.0" encoding="utf-8"?>
+<p:sld xmlns:a="http://schemas.openxmlformats.org/drawingml/2006/main" xmlns:r="http://schemas.openxmlformats.org/officeDocument/2006/relationships" xmlns:p="http://schemas.openxmlformats.org/presentationml/2006/main">
+  <p:cSld>
+    <p:spTree>
+      <p:nvGrpSpPr>
+        <p:cNvPr id="1" name=""/>
+        <p:cNvGrpSpPr/>
+        <p:nvPr/>
+      </p:nvGrpSpPr>
+      <p:grpSpPr>
+        <a:xfrm>
+          <a:off x="0" y="0"/>
+          <a:ext cx="0" cy="0"/>
+          <a:chOff x="0" y="0"/>
+          <a:chExt cx="0" cy="0"/>
+        </a:xfrm>
+      </p:grpSpPr>
+      <p:sp>
+        <p:nvSpPr>
+          <p:cNvPr id="4" name="矩形 3"/>
+          <p:cNvSpPr/>
+          <p:nvPr/>
+        </p:nvSpPr>
+        <p:spPr>
+          <a:xfrm>
+            <a:off x="744855" y="1290320"/>
+            <a:ext cx="1276985" cy="1137920"/>
+          </a:xfrm>
+          <a:prstGeom prst="rect">
+            <a:avLst/>
+          </a:prstGeom>
+        </p:spPr>
+        <p:style>
+          <a:lnRef idx="2">
+            <a:schemeClr val="accent1">
+              <a:lumMod val="75000"/>
+            </a:schemeClr>
+          </a:lnRef>
+          <a:fillRef idx="1">
+            <a:schemeClr val="accent1"/>
+          </a:fillRef>
+          <a:effectRef idx="0">
+            <a:srgbClr val="FFFFFF"/>
+          </a:effectRef>
+          <a:fontRef idx="minor">
+            <a:schemeClr val="lt1"/>
+          </a:fontRef>
+        </p:style>
+        <p:txBody>
+          <a:bodyPr rtlCol="0" anchor="ctr"/>
+          <a:p>
+            <a:pPr algn="ctr"/>
+            <a:r>
+              <a:rPr lang="zh-CN" altLang="en-US"/>
+              <a:t>普通用户</a:t>
+            </a:r>
+            <a:r>
+              <a:rPr lang="en-US" altLang="zh-CN"/>
+              <a:t>1</a:t>
+            </a:r>
+            <a:endParaRPr lang="en-US" altLang="zh-CN"/>
+          </a:p>
+        </p:txBody>
+      </p:sp>
+      <p:sp>
+        <p:nvSpPr>
+          <p:cNvPr id="5" name="矩形 4"/>
+          <p:cNvSpPr/>
+          <p:nvPr/>
+        </p:nvSpPr>
+        <p:spPr>
+          <a:xfrm>
+            <a:off x="826135" y="3869690"/>
+            <a:ext cx="1276985" cy="1137920"/>
+          </a:xfrm>
+          <a:prstGeom prst="rect">
+            <a:avLst/>
+          </a:prstGeom>
+        </p:spPr>
+        <p:style>
+          <a:lnRef idx="2">
+            <a:schemeClr val="accent1">
+              <a:lumMod val="75000"/>
+            </a:schemeClr>
+          </a:lnRef>
+          <a:fillRef idx="1">
+            <a:schemeClr val="accent1"/>
+          </a:fillRef>
+          <a:effectRef idx="0">
+            <a:srgbClr val="FFFFFF"/>
+          </a:effectRef>
+          <a:fontRef idx="minor">
+            <a:schemeClr val="lt1"/>
+          </a:fontRef>
+        </p:style>
+        <p:txBody>
+          <a:bodyPr rtlCol="0" anchor="ctr"/>
+          <a:p>
+            <a:pPr algn="ctr"/>
+            <a:r>
+              <a:rPr lang="zh-CN" altLang="en-US"/>
+              <a:t>普通用户</a:t>
+            </a:r>
+            <a:r>
+              <a:rPr lang="en-US" altLang="zh-CN"/>
+              <a:t>2</a:t>
+            </a:r>
+            <a:endParaRPr lang="en-US" altLang="zh-CN"/>
+          </a:p>
+        </p:txBody>
+      </p:sp>
+      <p:sp>
+        <p:nvSpPr>
+          <p:cNvPr id="6" name="矩形 5"/>
+          <p:cNvSpPr/>
+          <p:nvPr/>
+        </p:nvSpPr>
+        <p:spPr>
+          <a:xfrm>
+            <a:off x="9861550" y="1181100"/>
+            <a:ext cx="1276985" cy="1137920"/>
+          </a:xfrm>
+          <a:prstGeom prst="rect">
+            <a:avLst/>
+          </a:prstGeom>
+        </p:spPr>
+        <p:style>
+          <a:lnRef idx="2">
+            <a:schemeClr val="accent1">
+              <a:lumMod val="75000"/>
+            </a:schemeClr>
+          </a:lnRef>
+          <a:fillRef idx="1">
+            <a:schemeClr val="accent1"/>
+          </a:fillRef>
+          <a:effectRef idx="0">
+            <a:srgbClr val="FFFFFF"/>
+          </a:effectRef>
+          <a:fontRef idx="minor">
+            <a:schemeClr val="lt1"/>
+          </a:fontRef>
+        </p:style>
+        <p:txBody>
+          <a:bodyPr rtlCol="0" anchor="ctr"/>
+          <a:p>
+            <a:pPr algn="ctr"/>
+            <a:r>
+              <a:rPr lang="zh-CN" altLang="en-US"/>
+              <a:t>服务器</a:t>
+            </a:r>
+            <a:endParaRPr lang="zh-CN" altLang="en-US"/>
+          </a:p>
+        </p:txBody>
+      </p:sp>
+      <p:sp>
+        <p:nvSpPr>
+          <p:cNvPr id="13" name="文本框 12"/>
+          <p:cNvSpPr txBox="1"/>
+          <p:nvPr/>
+        </p:nvSpPr>
+        <p:spPr>
+          <a:xfrm>
+            <a:off x="452755" y="268605"/>
+            <a:ext cx="4064000" cy="368300"/>
+          </a:xfrm>
+          <a:prstGeom prst="rect">
+            <a:avLst/>
+          </a:prstGeom>
+          <a:noFill/>
+        </p:spPr>
+        <p:txBody>
+          <a:bodyPr wrap="square" rtlCol="0">
+            <a:spAutoFit/>
+          </a:bodyPr>
+          <a:p>
+            <a:r>
+              <a:rPr lang="zh-CN" altLang="en-US">
+                <a:sym typeface="+mn-ea"/>
+              </a:rPr>
+              <a:t>假设</a:t>
+            </a:r>
+            <a:r>
+              <a:rPr lang="en-US" altLang="zh-CN">
+                <a:sym typeface="+mn-ea"/>
+              </a:rPr>
+              <a:t>websocket</a:t>
+            </a:r>
+            <a:r>
+              <a:rPr lang="zh-CN" altLang="en-US">
+                <a:sym typeface="+mn-ea"/>
+              </a:rPr>
+              <a:t>连接已建立</a:t>
+            </a:r>
+            <a:endParaRPr lang="zh-CN" altLang="en-US"/>
+          </a:p>
+        </p:txBody>
+      </p:sp>
+      <p:sp>
+        <p:nvSpPr>
+          <p:cNvPr id="22" name="右箭头 21"/>
+          <p:cNvSpPr/>
+          <p:nvPr/>
+        </p:nvSpPr>
+        <p:spPr>
+          <a:xfrm>
+            <a:off x="2356485" y="1658620"/>
+            <a:ext cx="7266940" cy="319405"/>
+          </a:xfrm>
+          <a:prstGeom prst="rightArrow">
+            <a:avLst/>
+          </a:prstGeom>
+        </p:spPr>
+        <p:style>
+          <a:lnRef idx="2">
+            <a:schemeClr val="accent1">
+              <a:lumMod val="75000"/>
+            </a:schemeClr>
+          </a:lnRef>
+          <a:fillRef idx="1">
+            <a:schemeClr val="accent1"/>
+          </a:fillRef>
+          <a:effectRef idx="0">
+            <a:srgbClr val="FFFFFF"/>
+          </a:effectRef>
+          <a:fontRef idx="minor">
+            <a:schemeClr val="lt1"/>
+          </a:fontRef>
+        </p:style>
+        <p:txBody>
+          <a:bodyPr rtlCol="0" anchor="ctr"/>
+          <a:p>
+            <a:pPr algn="ctr"/>
+            <a:endParaRPr lang="zh-CN" altLang="en-US"/>
+          </a:p>
+        </p:txBody>
+      </p:sp>
+      <p:sp>
+        <p:nvSpPr>
+          <p:cNvPr id="23" name="文本框 22"/>
+          <p:cNvSpPr txBox="1"/>
+          <p:nvPr/>
+        </p:nvSpPr>
+        <p:spPr>
+          <a:xfrm>
+            <a:off x="2214880" y="1134110"/>
+            <a:ext cx="7732395" cy="645160"/>
+          </a:xfrm>
+          <a:prstGeom prst="rect">
+            <a:avLst/>
+          </a:prstGeom>
+          <a:noFill/>
+        </p:spPr>
+        <p:txBody>
+          <a:bodyPr wrap="square" rtlCol="0">
+            <a:spAutoFit/>
+          </a:bodyPr>
+          <a:p>
+            <a:r>
+              <a:rPr lang="en-US" altLang="zh-CN"/>
+              <a:t>message</a:t>
+            </a:r>
+            <a:r>
+              <a:rPr lang="zh-CN" altLang="en-US"/>
+              <a:t>：</a:t>
+            </a:r>
+            <a:r>
+              <a:rPr lang="en-US" altLang="zh-CN"/>
+              <a:t>token(</a:t>
+            </a:r>
+            <a:r>
+              <a:rPr lang="zh-CN" altLang="en-US"/>
+              <a:t>存储个人信息</a:t>
+            </a:r>
+            <a:r>
+              <a:rPr lang="en-US" altLang="zh-CN"/>
+              <a:t>)+</a:t>
+            </a:r>
+            <a:r>
+              <a:rPr lang="zh-CN" altLang="en-US"/>
+              <a:t>发送的群聊类型</a:t>
+            </a:r>
+            <a:r>
+              <a:rPr lang="en-US" altLang="zh-CN"/>
+              <a:t>:”B”+</a:t>
+            </a:r>
+            <a:r>
+              <a:rPr lang="zh-CN" altLang="en-US"/>
+              <a:t>内容</a:t>
+            </a:r>
+            <a:r>
+              <a:rPr lang="en-US" altLang="zh-CN"/>
+              <a:t>+</a:t>
+            </a:r>
+            <a:r>
+              <a:rPr lang="zh-CN" altLang="en-US"/>
+              <a:t>用户</a:t>
+            </a:r>
+            <a:r>
+              <a:rPr lang="en-US" altLang="zh-CN"/>
+              <a:t>2</a:t>
+            </a:r>
+            <a:r>
+              <a:rPr lang="zh-CN" altLang="en-US"/>
+              <a:t>对应的</a:t>
+            </a:r>
+            <a:r>
+              <a:rPr lang="en-US" altLang="zh-CN"/>
+              <a:t>session</a:t>
+            </a:r>
+            <a:r>
+              <a:rPr lang="zh-CN" altLang="en-US"/>
+              <a:t>编号</a:t>
+            </a:r>
+            <a:endParaRPr lang="zh-CN" altLang="en-US"/>
+          </a:p>
+        </p:txBody>
+      </p:sp>
+      <p:sp>
+        <p:nvSpPr>
+          <p:cNvPr id="14" name="上下箭头 13"/>
+          <p:cNvSpPr/>
+          <p:nvPr/>
+        </p:nvSpPr>
+        <p:spPr>
+          <a:xfrm>
+            <a:off x="1218565" y="2517140"/>
+            <a:ext cx="358140" cy="1216660"/>
+          </a:xfrm>
+          <a:prstGeom prst="upDownArrow">
+            <a:avLst/>
+          </a:prstGeom>
+        </p:spPr>
+        <p:style>
+          <a:lnRef idx="2">
+            <a:schemeClr val="accent1">
+              <a:lumMod val="75000"/>
+            </a:schemeClr>
+          </a:lnRef>
+          <a:fillRef idx="1">
+            <a:schemeClr val="accent1"/>
+          </a:fillRef>
+          <a:effectRef idx="0">
+            <a:srgbClr val="FFFFFF"/>
+          </a:effectRef>
+          <a:fontRef idx="minor">
+            <a:schemeClr val="lt1"/>
+          </a:fontRef>
+        </p:style>
+        <p:txBody>
+          <a:bodyPr rtlCol="0" anchor="ctr"/>
+          <a:p>
+            <a:pPr algn="ctr"/>
+            <a:endParaRPr lang="zh-CN" altLang="en-US"/>
+          </a:p>
+        </p:txBody>
+      </p:sp>
+      <p:sp>
+        <p:nvSpPr>
+          <p:cNvPr id="15" name="文本框 14"/>
+          <p:cNvSpPr txBox="1"/>
+          <p:nvPr/>
+        </p:nvSpPr>
+        <p:spPr>
+          <a:xfrm>
+            <a:off x="1704340" y="2999740"/>
+            <a:ext cx="1226820" cy="368300"/>
+          </a:xfrm>
+          <a:prstGeom prst="rect">
+            <a:avLst/>
+          </a:prstGeom>
+          <a:noFill/>
+        </p:spPr>
+        <p:txBody>
+          <a:bodyPr wrap="square" rtlCol="0">
+            <a:spAutoFit/>
+          </a:bodyPr>
+          <a:p>
+            <a:r>
+              <a:rPr lang="zh-CN" altLang="en-US"/>
+              <a:t>任务</a:t>
+            </a:r>
+            <a:r>
+              <a:rPr lang="zh-CN" altLang="en-US"/>
+              <a:t>双方</a:t>
+            </a:r>
+            <a:endParaRPr lang="zh-CN" altLang="en-US"/>
+          </a:p>
+        </p:txBody>
+      </p:sp>
+      <p:sp>
+        <p:nvSpPr>
+          <p:cNvPr id="16" name="右箭头 15"/>
+          <p:cNvSpPr/>
+          <p:nvPr/>
+        </p:nvSpPr>
+        <p:spPr>
+          <a:xfrm rot="9840000">
+            <a:off x="2348865" y="3314065"/>
+            <a:ext cx="7266940" cy="319405"/>
+          </a:xfrm>
+          <a:prstGeom prst="rightArrow">
+            <a:avLst/>
+          </a:prstGeom>
+        </p:spPr>
+        <p:style>
+          <a:lnRef idx="2">
+            <a:schemeClr val="accent1">
+              <a:lumMod val="75000"/>
+            </a:schemeClr>
+          </a:lnRef>
+          <a:fillRef idx="1">
+            <a:schemeClr val="accent1"/>
+          </a:fillRef>
+          <a:effectRef idx="0">
+            <a:srgbClr val="FFFFFF"/>
+          </a:effectRef>
+          <a:fontRef idx="minor">
+            <a:schemeClr val="lt1"/>
+          </a:fontRef>
+        </p:style>
+        <p:txBody>
+          <a:bodyPr rtlCol="0" anchor="ctr"/>
+          <a:p>
+            <a:pPr algn="ctr"/>
+            <a:endParaRPr lang="zh-CN" altLang="en-US"/>
+          </a:p>
+        </p:txBody>
+      </p:sp>
+      <p:sp>
+        <p:nvSpPr>
+          <p:cNvPr id="17" name="文本框 16"/>
+          <p:cNvSpPr txBox="1"/>
+          <p:nvPr/>
+        </p:nvSpPr>
+        <p:spPr>
+          <a:xfrm>
+            <a:off x="4311015" y="4046220"/>
+            <a:ext cx="4237990" cy="368300"/>
+          </a:xfrm>
+          <a:prstGeom prst="rect">
+            <a:avLst/>
+          </a:prstGeom>
+          <a:noFill/>
+        </p:spPr>
+        <p:txBody>
+          <a:bodyPr wrap="square" rtlCol="0">
+            <a:spAutoFit/>
+          </a:bodyPr>
+          <a:p>
+            <a:r>
+              <a:rPr lang="zh-CN" altLang="en-US"/>
+              <a:t>根据任务编号转发到对应的</a:t>
+            </a:r>
+            <a:r>
+              <a:rPr lang="en-US" altLang="zh-CN"/>
+              <a:t>session</a:t>
+            </a:r>
+            <a:r>
+              <a:rPr lang="zh-CN" altLang="en-US"/>
+              <a:t>上</a:t>
+            </a:r>
+            <a:endParaRPr lang="zh-CN" altLang="en-US"/>
+          </a:p>
+        </p:txBody>
+      </p:sp>
+    </p:spTree>
+    <p:custDataLst>
+      <p:tags r:id="rId1"/>
+    </p:custDataLst>
+  </p:cSld>
+  <p:clrMapOvr>
+    <a:masterClrMapping/>
+  </p:clrMapOvr>
+</p:sld>
+</file>
+
+<file path=ppt/slides/slide6.xml><?xml version="1.0" encoding="utf-8"?>
+<p:sld xmlns:a="http://schemas.openxmlformats.org/drawingml/2006/main" xmlns:r="http://schemas.openxmlformats.org/officeDocument/2006/relationships" xmlns:p="http://schemas.openxmlformats.org/presentationml/2006/main">
+  <p:cSld>
+    <p:spTree>
+      <p:nvGrpSpPr>
+        <p:cNvPr id="1" name=""/>
+        <p:cNvGrpSpPr/>
+        <p:nvPr/>
+      </p:nvGrpSpPr>
+      <p:grpSpPr/>
+      <p:sp>
+        <p:nvSpPr>
+          <p:cNvPr id="4" name="矩形 3"/>
+          <p:cNvSpPr/>
+          <p:nvPr/>
+        </p:nvSpPr>
+        <p:spPr>
+          <a:xfrm>
+            <a:off x="744855" y="1134110"/>
+            <a:ext cx="1276985" cy="1137920"/>
+          </a:xfrm>
+          <a:prstGeom prst="rect">
+            <a:avLst/>
+          </a:prstGeom>
+        </p:spPr>
+        <p:style>
+          <a:lnRef idx="2">
+            <a:schemeClr val="accent1">
+              <a:lumMod val="75000"/>
+            </a:schemeClr>
+          </a:lnRef>
+          <a:fillRef idx="1">
+            <a:schemeClr val="accent1"/>
+          </a:fillRef>
+          <a:effectRef idx="0">
+            <a:srgbClr val="FFFFFF"/>
+          </a:effectRef>
+          <a:fontRef idx="minor">
+            <a:schemeClr val="lt1"/>
+          </a:fontRef>
+        </p:style>
+        <p:txBody>
+          <a:bodyPr rtlCol="0" anchor="ctr"/>
+          <a:p>
+            <a:pPr algn="ctr"/>
+            <a:r>
+              <a:rPr lang="zh-CN" altLang="en-US"/>
+              <a:t>普通用户</a:t>
+            </a:r>
+            <a:r>
+              <a:rPr lang="en-US" altLang="zh-CN"/>
+              <a:t>1</a:t>
+            </a:r>
+            <a:endParaRPr lang="en-US" altLang="zh-CN"/>
+          </a:p>
+        </p:txBody>
+      </p:sp>
+      <p:sp>
+        <p:nvSpPr>
+          <p:cNvPr id="5" name="矩形 4"/>
+          <p:cNvSpPr/>
+          <p:nvPr/>
+        </p:nvSpPr>
+        <p:spPr>
+          <a:xfrm>
+            <a:off x="826135" y="3869690"/>
+            <a:ext cx="1276985" cy="1137920"/>
+          </a:xfrm>
+          <a:prstGeom prst="rect">
+            <a:avLst/>
+          </a:prstGeom>
+        </p:spPr>
+        <p:style>
+          <a:lnRef idx="2">
+            <a:schemeClr val="accent1">
+              <a:lumMod val="75000"/>
+            </a:schemeClr>
+          </a:lnRef>
+          <a:fillRef idx="1">
+            <a:schemeClr val="accent1"/>
+          </a:fillRef>
+          <a:effectRef idx="0">
+            <a:srgbClr val="FFFFFF"/>
+          </a:effectRef>
+          <a:fontRef idx="minor">
+            <a:schemeClr val="lt1"/>
+          </a:fontRef>
+        </p:style>
+        <p:txBody>
+          <a:bodyPr rtlCol="0" anchor="ctr"/>
+          <a:p>
+            <a:pPr algn="ctr"/>
+            <a:r>
+              <a:rPr lang="zh-CN" altLang="en-US"/>
+              <a:t>客服</a:t>
+            </a:r>
+            <a:r>
+              <a:rPr lang="en-US" altLang="zh-CN"/>
+              <a:t>1</a:t>
+            </a:r>
+            <a:endParaRPr lang="en-US" altLang="zh-CN"/>
+          </a:p>
+        </p:txBody>
+      </p:sp>
+      <p:sp>
+        <p:nvSpPr>
+          <p:cNvPr id="6" name="矩形 5"/>
+          <p:cNvSpPr/>
+          <p:nvPr/>
+        </p:nvSpPr>
+        <p:spPr>
+          <a:xfrm>
+            <a:off x="9861550" y="1181100"/>
+            <a:ext cx="1276985" cy="1137920"/>
+          </a:xfrm>
+          <a:prstGeom prst="rect">
+            <a:avLst/>
+          </a:prstGeom>
+        </p:spPr>
+        <p:style>
+          <a:lnRef idx="2">
+            <a:schemeClr val="accent1">
+              <a:lumMod val="75000"/>
+            </a:schemeClr>
+          </a:lnRef>
+          <a:fillRef idx="1">
+            <a:schemeClr val="accent1"/>
+          </a:fillRef>
+          <a:effectRef idx="0">
+            <a:srgbClr val="FFFFFF"/>
+          </a:effectRef>
+          <a:fontRef idx="minor">
+            <a:schemeClr val="lt1"/>
+          </a:fontRef>
+        </p:style>
+        <p:txBody>
+          <a:bodyPr rtlCol="0" anchor="ctr"/>
+          <a:p>
+            <a:pPr algn="ctr"/>
+            <a:r>
+              <a:rPr lang="zh-CN" altLang="en-US"/>
+              <a:t>服务器</a:t>
+            </a:r>
+            <a:endParaRPr lang="zh-CN" altLang="en-US"/>
+          </a:p>
+        </p:txBody>
+      </p:sp>
+      <p:sp>
+        <p:nvSpPr>
+          <p:cNvPr id="13" name="文本框 12"/>
+          <p:cNvSpPr txBox="1"/>
+          <p:nvPr/>
+        </p:nvSpPr>
+        <p:spPr>
+          <a:xfrm>
+            <a:off x="452755" y="268605"/>
+            <a:ext cx="4064000" cy="368300"/>
+          </a:xfrm>
+          <a:prstGeom prst="rect">
+            <a:avLst/>
+          </a:prstGeom>
+          <a:noFill/>
+        </p:spPr>
+        <p:txBody>
+          <a:bodyPr wrap="square" rtlCol="0">
+            <a:spAutoFit/>
+          </a:bodyPr>
+          <a:p>
+            <a:r>
+              <a:rPr lang="zh-CN" altLang="en-US">
+                <a:sym typeface="+mn-ea"/>
+              </a:rPr>
+              <a:t>假设</a:t>
+            </a:r>
+            <a:r>
+              <a:rPr lang="en-US" altLang="zh-CN">
+                <a:sym typeface="+mn-ea"/>
+              </a:rPr>
+              <a:t>websocket</a:t>
+            </a:r>
+            <a:r>
+              <a:rPr lang="zh-CN" altLang="en-US">
+                <a:sym typeface="+mn-ea"/>
+              </a:rPr>
+              <a:t>连接已建立</a:t>
+            </a:r>
+            <a:endParaRPr lang="zh-CN" altLang="en-US"/>
+          </a:p>
+        </p:txBody>
+      </p:sp>
+      <p:sp>
+        <p:nvSpPr>
+          <p:cNvPr id="22" name="右箭头 21"/>
+          <p:cNvSpPr/>
+          <p:nvPr/>
+        </p:nvSpPr>
+        <p:spPr>
+          <a:xfrm>
+            <a:off x="2356485" y="1658620"/>
+            <a:ext cx="7266940" cy="319405"/>
+          </a:xfrm>
+          <a:prstGeom prst="rightArrow">
+            <a:avLst/>
+          </a:prstGeom>
+        </p:spPr>
+        <p:style>
+          <a:lnRef idx="2">
+            <a:schemeClr val="accent1">
+              <a:lumMod val="75000"/>
+            </a:schemeClr>
+          </a:lnRef>
+          <a:fillRef idx="1">
+            <a:schemeClr val="accent1"/>
+          </a:fillRef>
+          <a:effectRef idx="0">
+            <a:srgbClr val="FFFFFF"/>
+          </a:effectRef>
+          <a:fontRef idx="minor">
+            <a:schemeClr val="lt1"/>
+          </a:fontRef>
+        </p:style>
+        <p:txBody>
+          <a:bodyPr rtlCol="0" anchor="ctr"/>
+          <a:p>
+            <a:pPr algn="ctr"/>
+            <a:endParaRPr lang="zh-CN" altLang="en-US"/>
+          </a:p>
+        </p:txBody>
+      </p:sp>
+      <p:sp>
+        <p:nvSpPr>
+          <p:cNvPr id="23" name="文本框 22"/>
+          <p:cNvSpPr txBox="1"/>
+          <p:nvPr/>
+        </p:nvSpPr>
+        <p:spPr>
+          <a:xfrm>
+            <a:off x="2214880" y="1134110"/>
+            <a:ext cx="7408545" cy="645160"/>
+          </a:xfrm>
+          <a:prstGeom prst="rect">
+            <a:avLst/>
+          </a:prstGeom>
+          <a:noFill/>
+        </p:spPr>
+        <p:txBody>
+          <a:bodyPr wrap="square" rtlCol="0">
+            <a:spAutoFit/>
+          </a:bodyPr>
+          <a:p>
+            <a:r>
+              <a:rPr lang="en-US" altLang="zh-CN"/>
+              <a:t>message</a:t>
+            </a:r>
+            <a:r>
+              <a:rPr lang="zh-CN" altLang="en-US"/>
+              <a:t>：</a:t>
+            </a:r>
+            <a:r>
+              <a:rPr lang="en-US" altLang="zh-CN"/>
+              <a:t>token(</a:t>
+            </a:r>
+            <a:r>
+              <a:rPr lang="zh-CN" altLang="en-US"/>
+              <a:t>存储个人信息</a:t>
+            </a:r>
+            <a:r>
+              <a:rPr lang="en-US" altLang="zh-CN"/>
+              <a:t>)+</a:t>
+            </a:r>
+            <a:r>
+              <a:rPr lang="zh-CN" altLang="en-US"/>
+              <a:t>发送的群聊类型</a:t>
+            </a:r>
+            <a:r>
+              <a:rPr lang="en-US" altLang="zh-CN"/>
+              <a:t>:”C”+</a:t>
+            </a:r>
+            <a:r>
+              <a:rPr lang="zh-CN" altLang="en-US"/>
+              <a:t>内容</a:t>
+            </a:r>
+            <a:r>
+              <a:rPr lang="en-US" altLang="zh-CN"/>
+              <a:t>+</a:t>
+            </a:r>
+            <a:r>
+              <a:rPr lang="zh-CN" altLang="en-US"/>
+              <a:t>客服对应的</a:t>
+            </a:r>
+            <a:r>
+              <a:rPr lang="en-US" altLang="zh-CN"/>
+              <a:t>session</a:t>
+            </a:r>
+            <a:r>
+              <a:rPr lang="zh-CN" altLang="en-US"/>
+              <a:t>编号</a:t>
+            </a:r>
+            <a:endParaRPr lang="zh-CN" altLang="en-US"/>
+          </a:p>
+        </p:txBody>
+      </p:sp>
+      <p:sp>
+        <p:nvSpPr>
+          <p:cNvPr id="14" name="上下箭头 13"/>
+          <p:cNvSpPr/>
+          <p:nvPr/>
+        </p:nvSpPr>
+        <p:spPr>
+          <a:xfrm>
+            <a:off x="1218565" y="2461260"/>
+            <a:ext cx="387350" cy="1219200"/>
+          </a:xfrm>
+          <a:prstGeom prst="upDownArrow">
+            <a:avLst/>
+          </a:prstGeom>
+        </p:spPr>
+        <p:style>
+          <a:lnRef idx="2">
+            <a:schemeClr val="accent1">
+              <a:lumMod val="75000"/>
+            </a:schemeClr>
+          </a:lnRef>
+          <a:fillRef idx="1">
+            <a:schemeClr val="accent1"/>
+          </a:fillRef>
+          <a:effectRef idx="0">
+            <a:srgbClr val="FFFFFF"/>
+          </a:effectRef>
+          <a:fontRef idx="minor">
+            <a:schemeClr val="lt1"/>
+          </a:fontRef>
+        </p:style>
+        <p:txBody>
+          <a:bodyPr rtlCol="0" anchor="ctr"/>
+          <a:p>
+            <a:pPr algn="ctr"/>
+            <a:endParaRPr lang="zh-CN" altLang="en-US"/>
+          </a:p>
+        </p:txBody>
+      </p:sp>
+      <p:sp>
+        <p:nvSpPr>
+          <p:cNvPr id="15" name="文本框 14"/>
+          <p:cNvSpPr txBox="1"/>
+          <p:nvPr/>
+        </p:nvSpPr>
+        <p:spPr>
+          <a:xfrm>
+            <a:off x="1704340" y="2999740"/>
+            <a:ext cx="1226820" cy="368300"/>
+          </a:xfrm>
+          <a:prstGeom prst="rect">
+            <a:avLst/>
+          </a:prstGeom>
+          <a:noFill/>
+        </p:spPr>
+        <p:txBody>
+          <a:bodyPr wrap="square" rtlCol="0">
+            <a:spAutoFit/>
+          </a:bodyPr>
+          <a:p>
+            <a:r>
+              <a:rPr lang="zh-CN" altLang="en-US"/>
+              <a:t>反馈双方</a:t>
+            </a:r>
+            <a:endParaRPr lang="zh-CN" altLang="en-US"/>
+          </a:p>
+        </p:txBody>
+      </p:sp>
+      <p:sp>
+        <p:nvSpPr>
+          <p:cNvPr id="16" name="右箭头 15"/>
+          <p:cNvSpPr/>
+          <p:nvPr/>
+        </p:nvSpPr>
+        <p:spPr>
+          <a:xfrm rot="9840000">
+            <a:off x="2348865" y="3314065"/>
+            <a:ext cx="7266940" cy="319405"/>
+          </a:xfrm>
+          <a:prstGeom prst="rightArrow">
+            <a:avLst/>
+          </a:prstGeom>
+        </p:spPr>
+        <p:style>
+          <a:lnRef idx="2">
+            <a:schemeClr val="accent1">
+              <a:lumMod val="75000"/>
+            </a:schemeClr>
+          </a:lnRef>
+          <a:fillRef idx="1">
+            <a:schemeClr val="accent1"/>
+          </a:fillRef>
+          <a:effectRef idx="0">
+            <a:srgbClr val="FFFFFF"/>
+          </a:effectRef>
+          <a:fontRef idx="minor">
+            <a:schemeClr val="lt1"/>
+          </a:fontRef>
+        </p:style>
+        <p:txBody>
+          <a:bodyPr rtlCol="0" anchor="ctr"/>
+          <a:p>
+            <a:pPr algn="ctr"/>
+            <a:endParaRPr lang="zh-CN" altLang="en-US"/>
+          </a:p>
+        </p:txBody>
+      </p:sp>
+      <p:sp>
+        <p:nvSpPr>
+          <p:cNvPr id="17" name="文本框 16"/>
+          <p:cNvSpPr txBox="1"/>
+          <p:nvPr/>
+        </p:nvSpPr>
+        <p:spPr>
+          <a:xfrm>
+            <a:off x="4311015" y="4046220"/>
+            <a:ext cx="4237990" cy="368300"/>
+          </a:xfrm>
+          <a:prstGeom prst="rect">
+            <a:avLst/>
+          </a:prstGeom>
+          <a:noFill/>
+        </p:spPr>
+        <p:txBody>
+          <a:bodyPr wrap="square" rtlCol="0">
+            <a:spAutoFit/>
+          </a:bodyPr>
+          <a:p>
+            <a:r>
+              <a:rPr lang="zh-CN" altLang="en-US"/>
+              <a:t>根据任务编号转发到对应的</a:t>
+            </a:r>
+            <a:r>
+              <a:rPr lang="en-US" altLang="zh-CN"/>
+              <a:t>session</a:t>
+            </a:r>
+            <a:r>
+              <a:rPr lang="zh-CN" altLang="en-US"/>
+              <a:t>上</a:t>
+            </a:r>
+            <a:endParaRPr lang="zh-CN" altLang="en-US"/>
+          </a:p>
+        </p:txBody>
+      </p:sp>
+    </p:spTree>
+    <p:custDataLst>
+      <p:tags r:id="rId1"/>
+    </p:custDataLst>
+  </p:cSld>
+  <p:clrMapOvr>
+    <a:masterClrMapping/>
+  </p:clrMapOvr>
+</p:sld>
+</file>
+
+<file path=ppt/slides/slide7.xml><?xml version="1.0" encoding="utf-8"?>
+<p:sld xmlns:a="http://schemas.openxmlformats.org/drawingml/2006/main" xmlns:r="http://schemas.openxmlformats.org/officeDocument/2006/relationships" xmlns:p="http://schemas.openxmlformats.org/presentationml/2006/main">
+  <p:cSld>
+    <p:spTree>
+      <p:nvGrpSpPr>
+        <p:cNvPr id="1" name=""/>
+        <p:cNvGrpSpPr/>
+        <p:nvPr/>
+      </p:nvGrpSpPr>
+      <p:grpSpPr/>
+      <p:sp>
+        <p:nvSpPr>
+          <p:cNvPr id="4" name="文本框 3"/>
+          <p:cNvSpPr txBox="1"/>
+          <p:nvPr/>
+        </p:nvSpPr>
+        <p:spPr>
+          <a:xfrm>
+            <a:off x="273685" y="199390"/>
+            <a:ext cx="1831340" cy="368300"/>
+          </a:xfrm>
+          <a:prstGeom prst="rect">
+            <a:avLst/>
+          </a:prstGeom>
+          <a:noFill/>
+        </p:spPr>
+        <p:txBody>
+          <a:bodyPr wrap="square" rtlCol="0">
+            <a:spAutoFit/>
+          </a:bodyPr>
+          <a:p>
+            <a:r>
+              <a:rPr lang="zh-CN" altLang="en-US" i="1" u="sng"/>
+              <a:t>任务状态</a:t>
+            </a:r>
+            <a:r>
+              <a:rPr lang="zh-CN" altLang="en-US" i="1" u="sng"/>
+              <a:t>转移图</a:t>
+            </a:r>
+            <a:endParaRPr lang="zh-CN" altLang="en-US" i="1" u="sng"/>
+          </a:p>
+        </p:txBody>
+      </p:sp>
+      <p:sp>
+        <p:nvSpPr>
+          <p:cNvPr id="12" name="椭圆 11"/>
+          <p:cNvSpPr/>
+          <p:nvPr/>
+        </p:nvSpPr>
+        <p:spPr>
+          <a:xfrm>
+            <a:off x="0" y="2083435"/>
+            <a:ext cx="1485265" cy="538480"/>
+          </a:xfrm>
+          <a:prstGeom prst="ellipse">
+            <a:avLst/>
+          </a:prstGeom>
+        </p:spPr>
+        <p:style>
+          <a:lnRef idx="2">
+            <a:schemeClr val="accent1"/>
+          </a:lnRef>
+          <a:fillRef idx="0">
+            <a:srgbClr val="FFFFFF"/>
+          </a:fillRef>
+          <a:effectRef idx="0">
+            <a:srgbClr val="FFFFFF"/>
+          </a:effectRef>
+          <a:fontRef idx="minor">
+            <a:schemeClr val="tx1"/>
+          </a:fontRef>
+        </p:style>
+        <p:txBody>
+          <a:bodyPr rtlCol="0" anchor="ctr"/>
+          <a:p>
+            <a:pPr algn="ctr"/>
+            <a:r>
+              <a:rPr lang="en-US" altLang="zh-CN" sz="1600"/>
+              <a:t>0000-00</a:t>
+            </a:r>
+            <a:endParaRPr lang="en-US" altLang="zh-CN" sz="1600"/>
+          </a:p>
+        </p:txBody>
+      </p:sp>
+      <p:sp>
+        <p:nvSpPr>
+          <p:cNvPr id="17" name="椭圆 16"/>
+          <p:cNvSpPr/>
+          <p:nvPr/>
+        </p:nvSpPr>
+        <p:spPr>
+          <a:xfrm>
+            <a:off x="1821815" y="2168525"/>
+            <a:ext cx="1368425" cy="538480"/>
+          </a:xfrm>
+          <a:prstGeom prst="ellipse">
+            <a:avLst/>
+          </a:prstGeom>
+        </p:spPr>
+        <p:style>
+          <a:lnRef idx="2">
+            <a:schemeClr val="accent1"/>
+          </a:lnRef>
+          <a:fillRef idx="0">
+            <a:srgbClr val="FFFFFF"/>
+          </a:fillRef>
+          <a:effectRef idx="0">
+            <a:srgbClr val="FFFFFF"/>
+          </a:effectRef>
+          <a:fontRef idx="minor">
+            <a:schemeClr val="tx1"/>
+          </a:fontRef>
+        </p:style>
+        <p:txBody>
+          <a:bodyPr rtlCol="0" anchor="ctr"/>
+          <a:p>
+            <a:pPr algn="ctr"/>
+            <a:r>
+              <a:rPr lang="en-US" altLang="zh-CN" sz="1600"/>
+              <a:t>2000-00</a:t>
+            </a:r>
+            <a:endParaRPr lang="en-US" altLang="zh-CN" sz="1600"/>
+          </a:p>
+        </p:txBody>
+      </p:sp>
+      <p:sp>
+        <p:nvSpPr>
+          <p:cNvPr id="18" name="椭圆 17"/>
+          <p:cNvSpPr/>
+          <p:nvPr/>
+        </p:nvSpPr>
+        <p:spPr>
+          <a:xfrm>
+            <a:off x="1712595" y="567690"/>
+            <a:ext cx="1478280" cy="538480"/>
+          </a:xfrm>
+          <a:prstGeom prst="ellipse">
+            <a:avLst/>
+          </a:prstGeom>
+        </p:spPr>
+        <p:style>
+          <a:lnRef idx="2">
+            <a:schemeClr val="accent1"/>
+          </a:lnRef>
+          <a:fillRef idx="0">
+            <a:srgbClr val="FFFFFF"/>
+          </a:fillRef>
+          <a:effectRef idx="0">
+            <a:srgbClr val="FFFFFF"/>
+          </a:effectRef>
+          <a:fontRef idx="minor">
+            <a:schemeClr val="tx1"/>
+          </a:fontRef>
+        </p:style>
+        <p:txBody>
+          <a:bodyPr rtlCol="0" anchor="ctr"/>
+          <a:p>
+            <a:pPr algn="ctr"/>
+            <a:r>
+              <a:rPr lang="en-US" altLang="zh-CN" sz="1600"/>
+              <a:t>1000-00</a:t>
+            </a:r>
+            <a:endParaRPr lang="en-US" altLang="zh-CN" sz="1600"/>
+          </a:p>
+        </p:txBody>
+      </p:sp>
+      <p:sp>
+        <p:nvSpPr>
+          <p:cNvPr id="19" name="椭圆 18"/>
+          <p:cNvSpPr/>
+          <p:nvPr/>
+        </p:nvSpPr>
+        <p:spPr>
+          <a:xfrm>
+            <a:off x="7846695" y="1544955"/>
+            <a:ext cx="1515745" cy="538480"/>
+          </a:xfrm>
+          <a:prstGeom prst="ellipse">
+            <a:avLst/>
+          </a:prstGeom>
+        </p:spPr>
+        <p:style>
+          <a:lnRef idx="2">
+            <a:schemeClr val="accent1"/>
+          </a:lnRef>
+          <a:fillRef idx="0">
+            <a:srgbClr val="FFFFFF"/>
+          </a:fillRef>
+          <a:effectRef idx="0">
+            <a:srgbClr val="FFFFFF"/>
+          </a:effectRef>
+          <a:fontRef idx="minor">
+            <a:schemeClr val="tx1"/>
+          </a:fontRef>
+        </p:style>
+        <p:txBody>
+          <a:bodyPr rtlCol="0" anchor="ctr"/>
+          <a:p>
+            <a:pPr algn="ctr"/>
+            <a:r>
+              <a:rPr lang="en-US" altLang="zh-CN" sz="1600"/>
+              <a:t>2100-20</a:t>
+            </a:r>
+            <a:endParaRPr lang="en-US" altLang="zh-CN" sz="1600"/>
+          </a:p>
+        </p:txBody>
+      </p:sp>
+      <p:sp>
+        <p:nvSpPr>
+          <p:cNvPr id="21" name="椭圆 20"/>
+          <p:cNvSpPr/>
+          <p:nvPr/>
+        </p:nvSpPr>
+        <p:spPr>
+          <a:xfrm>
+            <a:off x="1765935" y="4055745"/>
+            <a:ext cx="1414145" cy="538480"/>
+          </a:xfrm>
+          <a:prstGeom prst="ellipse">
+            <a:avLst/>
+          </a:prstGeom>
+        </p:spPr>
+        <p:style>
+          <a:lnRef idx="2">
+            <a:schemeClr val="accent1"/>
+          </a:lnRef>
+          <a:fillRef idx="0">
+            <a:srgbClr val="FFFFFF"/>
+          </a:fillRef>
+          <a:effectRef idx="0">
+            <a:srgbClr val="FFFFFF"/>
+          </a:effectRef>
+          <a:fontRef idx="minor">
+            <a:schemeClr val="tx1"/>
+          </a:fontRef>
+        </p:style>
+        <p:txBody>
+          <a:bodyPr rtlCol="0" anchor="ctr"/>
+          <a:p>
+            <a:pPr algn="ctr"/>
+            <a:r>
+              <a:rPr lang="en-US" altLang="zh-CN" sz="1600"/>
+              <a:t>0000-10</a:t>
+            </a:r>
+            <a:endParaRPr lang="en-US" altLang="zh-CN" sz="1600"/>
+          </a:p>
+        </p:txBody>
+      </p:sp>
+      <p:sp>
+        <p:nvSpPr>
+          <p:cNvPr id="22" name="椭圆 21"/>
+          <p:cNvSpPr/>
+          <p:nvPr/>
+        </p:nvSpPr>
+        <p:spPr>
+          <a:xfrm>
+            <a:off x="3653790" y="1423035"/>
+            <a:ext cx="1489075" cy="538480"/>
+          </a:xfrm>
+          <a:prstGeom prst="ellipse">
+            <a:avLst/>
+          </a:prstGeom>
+        </p:spPr>
+        <p:style>
+          <a:lnRef idx="2">
+            <a:schemeClr val="accent1"/>
+          </a:lnRef>
+          <a:fillRef idx="0">
+            <a:srgbClr val="FFFFFF"/>
+          </a:fillRef>
+          <a:effectRef idx="0">
+            <a:srgbClr val="FFFFFF"/>
+          </a:effectRef>
+          <a:fontRef idx="minor">
+            <a:schemeClr val="tx1"/>
+          </a:fontRef>
+        </p:style>
+        <p:txBody>
+          <a:bodyPr rtlCol="0" anchor="ctr"/>
+          <a:p>
+            <a:pPr algn="ctr"/>
+            <a:r>
+              <a:rPr lang="en-US" altLang="zh-CN" sz="1600"/>
+              <a:t>2100-00</a:t>
+            </a:r>
+            <a:endParaRPr lang="en-US" altLang="zh-CN" sz="1600"/>
+          </a:p>
+        </p:txBody>
+      </p:sp>
+      <p:sp>
+        <p:nvSpPr>
+          <p:cNvPr id="23" name="椭圆 22"/>
+          <p:cNvSpPr/>
+          <p:nvPr/>
+        </p:nvSpPr>
+        <p:spPr>
+          <a:xfrm>
+            <a:off x="5870575" y="904875"/>
+            <a:ext cx="1393190" cy="538480"/>
+          </a:xfrm>
+          <a:prstGeom prst="ellipse">
+            <a:avLst/>
+          </a:prstGeom>
+        </p:spPr>
+        <p:style>
+          <a:lnRef idx="2">
+            <a:schemeClr val="accent1"/>
+          </a:lnRef>
+          <a:fillRef idx="0">
+            <a:srgbClr val="FFFFFF"/>
+          </a:fillRef>
+          <a:effectRef idx="0">
+            <a:srgbClr val="FFFFFF"/>
+          </a:effectRef>
+          <a:fontRef idx="minor">
+            <a:schemeClr val="tx1"/>
+          </a:fontRef>
+        </p:style>
+        <p:txBody>
+          <a:bodyPr rtlCol="0" anchor="ctr"/>
+          <a:p>
+            <a:pPr algn="ctr"/>
+            <a:r>
+              <a:rPr lang="en-US" altLang="zh-CN" sz="1600"/>
+              <a:t>2110-00</a:t>
+            </a:r>
+            <a:endParaRPr lang="en-US" altLang="zh-CN" sz="1600"/>
+          </a:p>
+        </p:txBody>
+      </p:sp>
+      <p:sp>
+        <p:nvSpPr>
+          <p:cNvPr id="24" name="椭圆 23"/>
+          <p:cNvSpPr/>
+          <p:nvPr/>
+        </p:nvSpPr>
+        <p:spPr>
+          <a:xfrm>
+            <a:off x="5870575" y="2305050"/>
+            <a:ext cx="1393190" cy="538480"/>
+          </a:xfrm>
+          <a:prstGeom prst="ellipse">
+            <a:avLst/>
+          </a:prstGeom>
+        </p:spPr>
+        <p:style>
+          <a:lnRef idx="2">
+            <a:schemeClr val="accent1"/>
+          </a:lnRef>
+          <a:fillRef idx="0">
+            <a:srgbClr val="FFFFFF"/>
+          </a:fillRef>
+          <a:effectRef idx="0">
+            <a:srgbClr val="FFFFFF"/>
+          </a:effectRef>
+          <a:fontRef idx="minor">
+            <a:schemeClr val="tx1"/>
+          </a:fontRef>
+        </p:style>
+        <p:txBody>
+          <a:bodyPr rtlCol="0" anchor="ctr"/>
+          <a:p>
+            <a:pPr algn="ctr"/>
+            <a:r>
+              <a:rPr lang="en-US" altLang="zh-CN" sz="1600"/>
+              <a:t>2100-10</a:t>
+            </a:r>
+            <a:endParaRPr lang="en-US" altLang="zh-CN" sz="1600"/>
+          </a:p>
+        </p:txBody>
+      </p:sp>
+      <p:sp>
+        <p:nvSpPr>
+          <p:cNvPr id="25" name="椭圆 24"/>
+          <p:cNvSpPr/>
+          <p:nvPr/>
+        </p:nvSpPr>
+        <p:spPr>
+          <a:xfrm>
+            <a:off x="7979410" y="3124200"/>
+            <a:ext cx="1438275" cy="538480"/>
+          </a:xfrm>
+          <a:prstGeom prst="ellipse">
+            <a:avLst/>
+          </a:prstGeom>
+        </p:spPr>
+        <p:style>
+          <a:lnRef idx="2">
+            <a:schemeClr val="accent1"/>
+          </a:lnRef>
+          <a:fillRef idx="0">
+            <a:srgbClr val="FFFFFF"/>
+          </a:fillRef>
+          <a:effectRef idx="0">
+            <a:srgbClr val="FFFFFF"/>
+          </a:effectRef>
+          <a:fontRef idx="minor">
+            <a:schemeClr val="tx1"/>
+          </a:fontRef>
+        </p:style>
+        <p:txBody>
+          <a:bodyPr rtlCol="0" anchor="ctr"/>
+          <a:p>
+            <a:pPr algn="ctr"/>
+            <a:r>
+              <a:rPr lang="en-US" altLang="zh-CN" sz="1600"/>
+              <a:t>2110-10</a:t>
+            </a:r>
+            <a:endParaRPr lang="en-US" altLang="zh-CN" sz="1600"/>
+          </a:p>
+        </p:txBody>
+      </p:sp>
+      <p:sp>
+        <p:nvSpPr>
+          <p:cNvPr id="26" name="椭圆 25"/>
+          <p:cNvSpPr/>
+          <p:nvPr/>
+        </p:nvSpPr>
+        <p:spPr>
+          <a:xfrm>
+            <a:off x="7923530" y="65405"/>
+            <a:ext cx="1339850" cy="538480"/>
+          </a:xfrm>
+          <a:prstGeom prst="ellipse">
+            <a:avLst/>
+          </a:prstGeom>
+        </p:spPr>
+        <p:style>
+          <a:lnRef idx="2">
+            <a:schemeClr val="accent1"/>
+          </a:lnRef>
+          <a:fillRef idx="0">
+            <a:srgbClr val="FFFFFF"/>
+          </a:fillRef>
+          <a:effectRef idx="0">
+            <a:srgbClr val="FFFFFF"/>
+          </a:effectRef>
+          <a:fontRef idx="minor">
+            <a:schemeClr val="tx1"/>
+          </a:fontRef>
+        </p:style>
+        <p:txBody>
+          <a:bodyPr rtlCol="0" anchor="ctr"/>
+          <a:p>
+            <a:pPr algn="ctr"/>
+            <a:r>
+              <a:rPr lang="en-US" altLang="zh-CN" sz="1600"/>
+              <a:t>2111-00</a:t>
+            </a:r>
+            <a:endParaRPr lang="en-US" altLang="zh-CN" sz="1600"/>
+          </a:p>
+        </p:txBody>
+      </p:sp>
+      <p:sp>
+        <p:nvSpPr>
+          <p:cNvPr id="27" name="椭圆 26"/>
+          <p:cNvSpPr/>
+          <p:nvPr/>
+        </p:nvSpPr>
+        <p:spPr>
+          <a:xfrm>
+            <a:off x="3756660" y="2984500"/>
+            <a:ext cx="1386205" cy="538480"/>
+          </a:xfrm>
+          <a:prstGeom prst="ellipse">
+            <a:avLst/>
+          </a:prstGeom>
+        </p:spPr>
+        <p:style>
+          <a:lnRef idx="2">
+            <a:schemeClr val="accent1"/>
+          </a:lnRef>
+          <a:fillRef idx="0">
+            <a:srgbClr val="FFFFFF"/>
+          </a:fillRef>
+          <a:effectRef idx="0">
+            <a:srgbClr val="FFFFFF"/>
+          </a:effectRef>
+          <a:fontRef idx="minor">
+            <a:schemeClr val="tx1"/>
+          </a:fontRef>
+        </p:style>
+        <p:txBody>
+          <a:bodyPr rtlCol="0" anchor="ctr"/>
+          <a:p>
+            <a:pPr algn="ctr"/>
+            <a:r>
+              <a:rPr lang="en-US" altLang="zh-CN" sz="1600"/>
+              <a:t>2000-10</a:t>
+            </a:r>
+            <a:endParaRPr lang="en-US" altLang="zh-CN" sz="1600"/>
+          </a:p>
+        </p:txBody>
+      </p:sp>
+      <p:sp>
+        <p:nvSpPr>
+          <p:cNvPr id="28" name="椭圆 27"/>
+          <p:cNvSpPr/>
+          <p:nvPr/>
+        </p:nvSpPr>
+        <p:spPr>
+          <a:xfrm>
+            <a:off x="10434320" y="2168525"/>
+            <a:ext cx="1546860" cy="538480"/>
+          </a:xfrm>
+          <a:prstGeom prst="ellipse">
+            <a:avLst/>
+          </a:prstGeom>
+        </p:spPr>
+        <p:style>
+          <a:lnRef idx="2">
+            <a:schemeClr val="accent1"/>
+          </a:lnRef>
+          <a:fillRef idx="0">
+            <a:srgbClr val="FFFFFF"/>
+          </a:fillRef>
+          <a:effectRef idx="0">
+            <a:srgbClr val="FFFFFF"/>
+          </a:effectRef>
+          <a:fontRef idx="minor">
+            <a:schemeClr val="tx1"/>
+          </a:fontRef>
+        </p:style>
+        <p:txBody>
+          <a:bodyPr rtlCol="0" anchor="ctr"/>
+          <a:p>
+            <a:pPr algn="ctr"/>
+            <a:r>
+              <a:rPr lang="en-US" altLang="zh-CN" sz="1600"/>
+              <a:t>2111-11</a:t>
+            </a:r>
+            <a:endParaRPr lang="en-US" altLang="zh-CN" sz="1600"/>
+          </a:p>
+        </p:txBody>
+      </p:sp>
+      <p:sp>
+        <p:nvSpPr>
+          <p:cNvPr id="30" name="文本框 29"/>
+          <p:cNvSpPr txBox="1"/>
+          <p:nvPr/>
+        </p:nvSpPr>
+        <p:spPr>
+          <a:xfrm>
+            <a:off x="150495" y="2647315"/>
+            <a:ext cx="937260" cy="337185"/>
+          </a:xfrm>
+          <a:prstGeom prst="rect">
+            <a:avLst/>
+          </a:prstGeom>
+          <a:noFill/>
+        </p:spPr>
+        <p:txBody>
+          <a:bodyPr wrap="square" rtlCol="0">
+            <a:spAutoFit/>
+          </a:bodyPr>
+          <a:p>
+            <a:r>
+              <a:rPr lang="zh-CN" altLang="en-US" sz="1600"/>
+              <a:t>待审核</a:t>
+            </a:r>
+            <a:endParaRPr lang="zh-CN" altLang="en-US" sz="1600"/>
+          </a:p>
+        </p:txBody>
+      </p:sp>
+      <p:sp>
+        <p:nvSpPr>
+          <p:cNvPr id="31" name="文本框 30"/>
+          <p:cNvSpPr txBox="1"/>
+          <p:nvPr/>
+        </p:nvSpPr>
+        <p:spPr>
+          <a:xfrm>
+            <a:off x="1821815" y="1106170"/>
+            <a:ext cx="1427480" cy="337185"/>
+          </a:xfrm>
+          <a:prstGeom prst="rect">
+            <a:avLst/>
+          </a:prstGeom>
+          <a:noFill/>
+        </p:spPr>
+        <p:txBody>
+          <a:bodyPr wrap="square" rtlCol="0">
+            <a:spAutoFit/>
+          </a:bodyPr>
+          <a:p>
+            <a:r>
+              <a:rPr lang="zh-CN" altLang="en-US" sz="1600"/>
+              <a:t>审核未通过</a:t>
+            </a:r>
+            <a:endParaRPr lang="zh-CN" altLang="en-US" sz="1600"/>
+          </a:p>
+        </p:txBody>
+      </p:sp>
+      <p:sp>
+        <p:nvSpPr>
+          <p:cNvPr id="32" name="文本框 31"/>
+          <p:cNvSpPr txBox="1"/>
+          <p:nvPr/>
+        </p:nvSpPr>
+        <p:spPr>
+          <a:xfrm>
+            <a:off x="1981835" y="2772410"/>
+            <a:ext cx="1144905" cy="337185"/>
+          </a:xfrm>
+          <a:prstGeom prst="rect">
+            <a:avLst/>
+          </a:prstGeom>
+          <a:noFill/>
+        </p:spPr>
+        <p:txBody>
+          <a:bodyPr wrap="square" rtlCol="0">
+            <a:spAutoFit/>
+          </a:bodyPr>
+          <a:p>
+            <a:r>
+              <a:rPr lang="zh-CN" altLang="en-US" sz="1600"/>
+              <a:t>待</a:t>
+            </a:r>
+            <a:r>
+              <a:rPr lang="zh-CN" altLang="en-US" sz="1600"/>
+              <a:t>领取</a:t>
+            </a:r>
+            <a:endParaRPr lang="zh-CN" altLang="en-US" sz="1600"/>
+          </a:p>
+        </p:txBody>
+      </p:sp>
+      <p:sp>
+        <p:nvSpPr>
+          <p:cNvPr id="33" name="文本框 32"/>
+          <p:cNvSpPr txBox="1"/>
+          <p:nvPr/>
+        </p:nvSpPr>
+        <p:spPr>
+          <a:xfrm>
+            <a:off x="1867535" y="4594225"/>
+            <a:ext cx="1536065" cy="337185"/>
+          </a:xfrm>
+          <a:prstGeom prst="rect">
+            <a:avLst/>
+          </a:prstGeom>
+          <a:noFill/>
+        </p:spPr>
+        <p:txBody>
+          <a:bodyPr wrap="square" rtlCol="0">
+            <a:spAutoFit/>
+          </a:bodyPr>
+          <a:p>
+            <a:r>
+              <a:rPr lang="zh-CN" altLang="en-US" sz="1600"/>
+              <a:t>未审核</a:t>
+            </a:r>
+            <a:r>
+              <a:rPr lang="zh-CN" altLang="en-US" sz="1600"/>
+              <a:t>已超时</a:t>
+            </a:r>
+            <a:endParaRPr lang="zh-CN" altLang="en-US" sz="1600"/>
+          </a:p>
+        </p:txBody>
+      </p:sp>
+      <p:sp>
+        <p:nvSpPr>
+          <p:cNvPr id="36" name="文本框 35"/>
+          <p:cNvSpPr txBox="1"/>
+          <p:nvPr/>
+        </p:nvSpPr>
+        <p:spPr>
+          <a:xfrm flipH="1">
+            <a:off x="4065905" y="2045970"/>
+            <a:ext cx="941070" cy="337185"/>
+          </a:xfrm>
+          <a:prstGeom prst="rect">
+            <a:avLst/>
+          </a:prstGeom>
+          <a:noFill/>
+        </p:spPr>
+        <p:txBody>
+          <a:bodyPr wrap="square" rtlCol="0">
+            <a:spAutoFit/>
+          </a:bodyPr>
+          <a:p>
+            <a:r>
+              <a:rPr lang="zh-CN" altLang="en-US" sz="1600"/>
+              <a:t>待</a:t>
+            </a:r>
+            <a:r>
+              <a:rPr lang="zh-CN" altLang="en-US" sz="1600"/>
+              <a:t>完成</a:t>
+            </a:r>
+            <a:endParaRPr lang="zh-CN" altLang="en-US" sz="1600"/>
+          </a:p>
+        </p:txBody>
+      </p:sp>
+      <p:sp>
+        <p:nvSpPr>
+          <p:cNvPr id="37" name="文本框 36"/>
+          <p:cNvSpPr txBox="1"/>
+          <p:nvPr/>
+        </p:nvSpPr>
+        <p:spPr>
+          <a:xfrm flipH="1">
+            <a:off x="3756660" y="3568065"/>
+            <a:ext cx="1522730" cy="337185"/>
+          </a:xfrm>
+          <a:prstGeom prst="rect">
+            <a:avLst/>
+          </a:prstGeom>
+          <a:noFill/>
+        </p:spPr>
+        <p:txBody>
+          <a:bodyPr wrap="square" rtlCol="0">
+            <a:spAutoFit/>
+          </a:bodyPr>
+          <a:p>
+            <a:r>
+              <a:rPr lang="zh-CN" altLang="en-US" sz="1600"/>
+              <a:t>未领取</a:t>
+            </a:r>
+            <a:r>
+              <a:rPr lang="zh-CN" altLang="en-US" sz="1600"/>
+              <a:t>已超时</a:t>
+            </a:r>
+            <a:endParaRPr lang="zh-CN" altLang="en-US" sz="1600"/>
+          </a:p>
+        </p:txBody>
+      </p:sp>
+      <p:sp>
+        <p:nvSpPr>
+          <p:cNvPr id="38" name="文本框 37"/>
+          <p:cNvSpPr txBox="1"/>
+          <p:nvPr/>
+        </p:nvSpPr>
+        <p:spPr>
+          <a:xfrm flipH="1">
+            <a:off x="5746750" y="1423035"/>
+            <a:ext cx="2002155" cy="337185"/>
+          </a:xfrm>
+          <a:prstGeom prst="rect">
+            <a:avLst/>
+          </a:prstGeom>
+          <a:noFill/>
+        </p:spPr>
+        <p:txBody>
+          <a:bodyPr wrap="square" rtlCol="0">
+            <a:spAutoFit/>
+          </a:bodyPr>
+          <a:p>
+            <a:r>
+              <a:rPr lang="zh-CN" altLang="en-US" sz="1600"/>
+              <a:t>准时</a:t>
+            </a:r>
+            <a:r>
+              <a:rPr lang="zh-CN" altLang="en-US" sz="1600"/>
+              <a:t>完成，待</a:t>
+            </a:r>
+            <a:r>
+              <a:rPr lang="zh-CN" altLang="en-US" sz="1600"/>
+              <a:t>评价</a:t>
+            </a:r>
+            <a:endParaRPr lang="zh-CN" altLang="en-US" sz="1600"/>
+          </a:p>
+        </p:txBody>
+      </p:sp>
+      <p:sp>
+        <p:nvSpPr>
+          <p:cNvPr id="40" name="文本框 39"/>
+          <p:cNvSpPr txBox="1"/>
+          <p:nvPr/>
+        </p:nvSpPr>
+        <p:spPr>
+          <a:xfrm flipH="1">
+            <a:off x="5958840" y="2843530"/>
+            <a:ext cx="1557020" cy="337185"/>
+          </a:xfrm>
+          <a:prstGeom prst="rect">
+            <a:avLst/>
+          </a:prstGeom>
+          <a:noFill/>
+        </p:spPr>
+        <p:txBody>
+          <a:bodyPr wrap="square" rtlCol="0">
+            <a:spAutoFit/>
+          </a:bodyPr>
+          <a:p>
+            <a:r>
+              <a:rPr lang="zh-CN" altLang="en-US" sz="1600"/>
+              <a:t>未完成</a:t>
+            </a:r>
+            <a:r>
+              <a:rPr lang="zh-CN" altLang="en-US" sz="1600"/>
+              <a:t>已超时</a:t>
+            </a:r>
+            <a:endParaRPr lang="zh-CN" altLang="en-US" sz="1600"/>
+          </a:p>
+        </p:txBody>
+      </p:sp>
+      <p:sp>
+        <p:nvSpPr>
+          <p:cNvPr id="41" name="文本框 40"/>
+          <p:cNvSpPr txBox="1"/>
+          <p:nvPr/>
+        </p:nvSpPr>
+        <p:spPr>
+          <a:xfrm flipH="1">
+            <a:off x="8164830" y="631825"/>
+            <a:ext cx="1164590" cy="337185"/>
+          </a:xfrm>
+          <a:prstGeom prst="rect">
+            <a:avLst/>
+          </a:prstGeom>
+          <a:noFill/>
+        </p:spPr>
+        <p:txBody>
+          <a:bodyPr wrap="square" rtlCol="0">
+            <a:spAutoFit/>
+          </a:bodyPr>
+          <a:p>
+            <a:r>
+              <a:rPr lang="zh-CN" altLang="en-US" sz="1600"/>
+              <a:t>成功</a:t>
+            </a:r>
+            <a:r>
+              <a:rPr lang="zh-CN" altLang="en-US" sz="1600"/>
+              <a:t>评价</a:t>
+            </a:r>
+            <a:endParaRPr lang="zh-CN" altLang="en-US" sz="1600"/>
+          </a:p>
+        </p:txBody>
+      </p:sp>
+      <p:sp>
+        <p:nvSpPr>
+          <p:cNvPr id="43" name="文本框 42"/>
+          <p:cNvSpPr txBox="1"/>
+          <p:nvPr/>
+        </p:nvSpPr>
+        <p:spPr>
+          <a:xfrm flipH="1">
+            <a:off x="7724775" y="3707765"/>
+            <a:ext cx="2221865" cy="583565"/>
+          </a:xfrm>
+          <a:prstGeom prst="rect">
+            <a:avLst/>
+          </a:prstGeom>
+          <a:noFill/>
+        </p:spPr>
+        <p:txBody>
+          <a:bodyPr wrap="square" rtlCol="0">
+            <a:spAutoFit/>
+          </a:bodyPr>
+          <a:p>
+            <a:r>
+              <a:rPr lang="zh-CN" altLang="en-US" sz="1600"/>
+              <a:t>超时后一段时间内完成，</a:t>
+            </a:r>
+            <a:r>
+              <a:rPr lang="zh-CN" altLang="en-US" sz="1600"/>
+              <a:t>待评价</a:t>
+            </a:r>
+            <a:endParaRPr lang="zh-CN" altLang="en-US" sz="1600"/>
+          </a:p>
+        </p:txBody>
+      </p:sp>
+      <p:sp>
+        <p:nvSpPr>
+          <p:cNvPr id="47" name="文本框 46"/>
+          <p:cNvSpPr txBox="1"/>
+          <p:nvPr/>
+        </p:nvSpPr>
+        <p:spPr>
+          <a:xfrm flipH="1">
+            <a:off x="7846060" y="2123440"/>
+            <a:ext cx="2065020" cy="583565"/>
+          </a:xfrm>
+          <a:prstGeom prst="rect">
+            <a:avLst/>
+          </a:prstGeom>
+          <a:noFill/>
+        </p:spPr>
+        <p:txBody>
+          <a:bodyPr wrap="square" rtlCol="0">
+            <a:spAutoFit/>
+          </a:bodyPr>
+          <a:p>
+            <a:r>
+              <a:rPr lang="zh-CN" altLang="en-US" sz="1600"/>
+              <a:t>在截止日期</a:t>
+            </a:r>
+            <a:r>
+              <a:rPr lang="en-US" altLang="zh-CN" sz="1600"/>
+              <a:t>+</a:t>
+            </a:r>
+            <a:r>
+              <a:rPr lang="zh-CN" altLang="en-US" sz="1600"/>
+              <a:t>宽限内依然没完成</a:t>
+            </a:r>
+            <a:endParaRPr lang="zh-CN" altLang="en-US" sz="1600"/>
+          </a:p>
+        </p:txBody>
+      </p:sp>
+      <p:sp>
+        <p:nvSpPr>
+          <p:cNvPr id="49" name="文本框 48"/>
+          <p:cNvSpPr txBox="1"/>
+          <p:nvPr/>
+        </p:nvSpPr>
+        <p:spPr>
+          <a:xfrm>
+            <a:off x="610235" y="5573395"/>
+            <a:ext cx="11164570" cy="1168400"/>
+          </a:xfrm>
+          <a:prstGeom prst="rect">
+            <a:avLst/>
+          </a:prstGeom>
+          <a:noFill/>
+        </p:spPr>
+        <p:txBody>
+          <a:bodyPr wrap="square" rtlCol="0">
+            <a:spAutoFit/>
+          </a:bodyPr>
+          <a:p>
+            <a:r>
+              <a:rPr lang="zh-CN" altLang="en-US" sz="1400"/>
+              <a:t>规则</a:t>
+            </a:r>
+            <a:endParaRPr lang="zh-CN" altLang="en-US" sz="1400"/>
+          </a:p>
+          <a:p>
+            <a:r>
+              <a:rPr lang="en-US" altLang="zh-CN" sz="1400"/>
+              <a:t>1</a:t>
+            </a:r>
+            <a:r>
+              <a:rPr lang="zh-CN" altLang="en-US" sz="1400"/>
+              <a:t>、接收方：</a:t>
+            </a:r>
+            <a:r>
+              <a:rPr lang="zh-CN" altLang="en-US" sz="1400">
+                <a:highlight>
+                  <a:srgbClr val="FFFF00"/>
+                </a:highlight>
+              </a:rPr>
+              <a:t>任务超时后可以完成</a:t>
+            </a:r>
+            <a:r>
+              <a:rPr lang="zh-CN" altLang="en-US" sz="1400"/>
+              <a:t>（为鼓励接收者完成任务）</a:t>
+            </a:r>
+            <a:endParaRPr lang="zh-CN" altLang="en-US" sz="1400"/>
+          </a:p>
+          <a:p>
+            <a:r>
+              <a:rPr lang="en-US" altLang="zh-CN" sz="1400"/>
+              <a:t>2</a:t>
+            </a:r>
+            <a:r>
+              <a:rPr lang="zh-CN" altLang="en-US" sz="1400"/>
+              <a:t>、要接收方和发布方都确认任务完成才算完成，这里修改为：</a:t>
+            </a:r>
+            <a:endParaRPr lang="zh-CN" altLang="en-US" sz="1400"/>
+          </a:p>
+          <a:p>
+            <a:r>
+              <a:rPr lang="zh-CN" altLang="en-US" sz="1400" strike="sngStrike"/>
+              <a:t>任务由接收方单方面确认即可，</a:t>
+            </a:r>
+            <a:r>
+              <a:rPr lang="zh-CN" altLang="en-US" sz="1400"/>
+              <a:t>确认完成任务同时要提交图片证据，有问题找客服</a:t>
+            </a:r>
+            <a:endParaRPr lang="zh-CN" altLang="en-US" sz="1400"/>
+          </a:p>
+          <a:p>
+            <a:r>
+              <a:rPr lang="en-US" altLang="zh-CN" sz="1400"/>
+              <a:t>3</a:t>
+            </a:r>
+            <a:r>
+              <a:rPr lang="zh-CN" altLang="en-US" sz="1400"/>
+              <a:t>、任务完成</a:t>
+            </a:r>
+            <a:r>
+              <a:rPr lang="en-US" altLang="zh-CN" sz="1400"/>
+              <a:t>n</a:t>
+            </a:r>
+            <a:r>
+              <a:rPr lang="zh-CN" altLang="en-US" sz="1400"/>
+              <a:t>天后未评价默认好评，</a:t>
+            </a:r>
+            <a:r>
+              <a:rPr lang="zh-CN" altLang="en-US" sz="1400">
+                <a:highlight>
+                  <a:srgbClr val="FFFF00"/>
+                </a:highlight>
+              </a:rPr>
+              <a:t>只有完成后才能评价</a:t>
+            </a:r>
+            <a:endParaRPr lang="zh-CN" altLang="en-US" sz="1400">
+              <a:highlight>
+                <a:srgbClr val="FFFF00"/>
+              </a:highlight>
+            </a:endParaRPr>
+          </a:p>
+        </p:txBody>
+      </p:sp>
+      <p:sp>
+        <p:nvSpPr>
+          <p:cNvPr id="51" name="文本框 50"/>
+          <p:cNvSpPr txBox="1"/>
+          <p:nvPr/>
+        </p:nvSpPr>
+        <p:spPr>
+          <a:xfrm flipH="1">
+            <a:off x="10434320" y="2772410"/>
+            <a:ext cx="1652905" cy="583565"/>
+          </a:xfrm>
+          <a:prstGeom prst="rect">
+            <a:avLst/>
+          </a:prstGeom>
+          <a:noFill/>
+        </p:spPr>
+        <p:txBody>
+          <a:bodyPr wrap="square" rtlCol="0">
+            <a:spAutoFit/>
+          </a:bodyPr>
+          <a:p>
+            <a:r>
+              <a:rPr lang="zh-CN" altLang="en-US" sz="1600">
+                <a:sym typeface="+mn-ea"/>
+              </a:rPr>
+              <a:t>补完成后超时未评价，默认好评</a:t>
+            </a:r>
+            <a:endParaRPr lang="zh-CN" altLang="en-US" sz="1600"/>
+          </a:p>
+        </p:txBody>
+      </p:sp>
+      <p:cxnSp>
+        <p:nvCxnSpPr>
+          <p:cNvPr id="5" name="直接箭头连接符 4"/>
+          <p:cNvCxnSpPr/>
+          <p:nvPr/>
+        </p:nvCxnSpPr>
+        <p:spPr>
+          <a:xfrm flipV="1">
+            <a:off x="818515" y="987425"/>
+            <a:ext cx="770890" cy="1096010"/>
+          </a:xfrm>
+          <a:prstGeom prst="straightConnector1">
+            <a:avLst/>
+          </a:prstGeom>
+          <a:ln>
+            <a:tailEnd type="arrow"/>
+          </a:ln>
+        </p:spPr>
+        <p:style>
+          <a:lnRef idx="2">
+            <a:schemeClr val="accent1"/>
+          </a:lnRef>
+          <a:fillRef idx="0">
+            <a:srgbClr val="FFFFFF"/>
+          </a:fillRef>
+          <a:effectRef idx="0">
+            <a:srgbClr val="FFFFFF"/>
+          </a:effectRef>
+          <a:fontRef idx="minor">
+            <a:schemeClr val="tx1"/>
+          </a:fontRef>
+        </p:style>
+      </p:cxnSp>
+      <p:cxnSp>
+        <p:nvCxnSpPr>
+          <p:cNvPr id="6" name="直接箭头连接符 5"/>
+          <p:cNvCxnSpPr>
+            <a:endCxn id="17" idx="2"/>
+          </p:cNvCxnSpPr>
+          <p:nvPr/>
+        </p:nvCxnSpPr>
+        <p:spPr>
+          <a:xfrm flipV="1">
+            <a:off x="1499235" y="2437765"/>
+            <a:ext cx="322580" cy="33655"/>
+          </a:xfrm>
+          <a:prstGeom prst="straightConnector1">
+            <a:avLst/>
+          </a:prstGeom>
+          <a:ln>
+            <a:tailEnd type="arrow"/>
+          </a:ln>
+        </p:spPr>
+        <p:style>
+          <a:lnRef idx="2">
+            <a:schemeClr val="accent1"/>
+          </a:lnRef>
+          <a:fillRef idx="0">
+            <a:srgbClr val="FFFFFF"/>
+          </a:fillRef>
+          <a:effectRef idx="0">
+            <a:srgbClr val="FFFFFF"/>
+          </a:effectRef>
+          <a:fontRef idx="minor">
+            <a:schemeClr val="tx1"/>
+          </a:fontRef>
+        </p:style>
+      </p:cxnSp>
+      <p:cxnSp>
+        <p:nvCxnSpPr>
+          <p:cNvPr id="7" name="直接箭头连接符 6"/>
+          <p:cNvCxnSpPr/>
+          <p:nvPr/>
+        </p:nvCxnSpPr>
+        <p:spPr>
+          <a:xfrm>
+            <a:off x="962025" y="2668270"/>
+            <a:ext cx="803910" cy="1510030"/>
+          </a:xfrm>
+          <a:prstGeom prst="straightConnector1">
+            <a:avLst/>
+          </a:prstGeom>
+          <a:ln>
+            <a:tailEnd type="arrow"/>
+          </a:ln>
+        </p:spPr>
+        <p:style>
+          <a:lnRef idx="2">
+            <a:schemeClr val="accent1"/>
+          </a:lnRef>
+          <a:fillRef idx="0">
+            <a:srgbClr val="FFFFFF"/>
+          </a:fillRef>
+          <a:effectRef idx="0">
+            <a:srgbClr val="FFFFFF"/>
+          </a:effectRef>
+          <a:fontRef idx="minor">
+            <a:schemeClr val="tx1"/>
+          </a:fontRef>
+        </p:style>
+      </p:cxnSp>
+      <p:cxnSp>
+        <p:nvCxnSpPr>
+          <p:cNvPr id="8" name="直接箭头连接符 7"/>
+          <p:cNvCxnSpPr/>
+          <p:nvPr/>
+        </p:nvCxnSpPr>
+        <p:spPr>
+          <a:xfrm flipV="1">
+            <a:off x="2938145" y="1740535"/>
+            <a:ext cx="597535" cy="452120"/>
+          </a:xfrm>
+          <a:prstGeom prst="straightConnector1">
+            <a:avLst/>
+          </a:prstGeom>
+          <a:ln>
+            <a:tailEnd type="arrow"/>
+          </a:ln>
+        </p:spPr>
+        <p:style>
+          <a:lnRef idx="2">
+            <a:schemeClr val="accent1"/>
+          </a:lnRef>
+          <a:fillRef idx="0">
+            <a:srgbClr val="FFFFFF"/>
+          </a:fillRef>
+          <a:effectRef idx="0">
+            <a:srgbClr val="FFFFFF"/>
+          </a:effectRef>
+          <a:fontRef idx="minor">
+            <a:schemeClr val="tx1"/>
+          </a:fontRef>
+        </p:style>
+      </p:cxnSp>
+      <p:cxnSp>
+        <p:nvCxnSpPr>
+          <p:cNvPr id="9" name="直接箭头连接符 8"/>
+          <p:cNvCxnSpPr/>
+          <p:nvPr/>
+        </p:nvCxnSpPr>
+        <p:spPr>
+          <a:xfrm>
+            <a:off x="3129280" y="2687320"/>
+            <a:ext cx="633730" cy="441325"/>
+          </a:xfrm>
+          <a:prstGeom prst="straightConnector1">
+            <a:avLst/>
+          </a:prstGeom>
+          <a:ln>
+            <a:tailEnd type="arrow"/>
+          </a:ln>
+        </p:spPr>
+        <p:style>
+          <a:lnRef idx="2">
+            <a:schemeClr val="accent1"/>
+          </a:lnRef>
+          <a:fillRef idx="0">
+            <a:srgbClr val="FFFFFF"/>
+          </a:fillRef>
+          <a:effectRef idx="0">
+            <a:srgbClr val="FFFFFF"/>
+          </a:effectRef>
+          <a:fontRef idx="minor">
+            <a:schemeClr val="tx1"/>
+          </a:fontRef>
+        </p:style>
+      </p:cxnSp>
+      <p:cxnSp>
+        <p:nvCxnSpPr>
+          <p:cNvPr id="10" name="直接箭头连接符 9"/>
+          <p:cNvCxnSpPr/>
+          <p:nvPr/>
+        </p:nvCxnSpPr>
+        <p:spPr>
+          <a:xfrm flipV="1">
+            <a:off x="5052695" y="1138555"/>
+            <a:ext cx="692785" cy="283210"/>
+          </a:xfrm>
+          <a:prstGeom prst="straightConnector1">
+            <a:avLst/>
+          </a:prstGeom>
+          <a:ln>
+            <a:tailEnd type="arrow"/>
+          </a:ln>
+        </p:spPr>
+        <p:style>
+          <a:lnRef idx="2">
+            <a:schemeClr val="accent1"/>
+          </a:lnRef>
+          <a:fillRef idx="0">
+            <a:srgbClr val="FFFFFF"/>
+          </a:fillRef>
+          <a:effectRef idx="0">
+            <a:srgbClr val="FFFFFF"/>
+          </a:effectRef>
+          <a:fontRef idx="minor">
+            <a:schemeClr val="tx1"/>
+          </a:fontRef>
+        </p:style>
+      </p:cxnSp>
+      <p:cxnSp>
+        <p:nvCxnSpPr>
+          <p:cNvPr id="11" name="直接箭头连接符 10"/>
+          <p:cNvCxnSpPr/>
+          <p:nvPr/>
+        </p:nvCxnSpPr>
+        <p:spPr>
+          <a:xfrm>
+            <a:off x="5130165" y="1924050"/>
+            <a:ext cx="573405" cy="424180"/>
+          </a:xfrm>
+          <a:prstGeom prst="straightConnector1">
+            <a:avLst/>
+          </a:prstGeom>
+          <a:ln>
+            <a:tailEnd type="arrow"/>
+          </a:ln>
+        </p:spPr>
+        <p:style>
+          <a:lnRef idx="2">
+            <a:schemeClr val="accent1"/>
+          </a:lnRef>
+          <a:fillRef idx="0">
+            <a:srgbClr val="FFFFFF"/>
+          </a:fillRef>
+          <a:effectRef idx="0">
+            <a:srgbClr val="FFFFFF"/>
+          </a:effectRef>
+          <a:fontRef idx="minor">
+            <a:schemeClr val="tx1"/>
+          </a:fontRef>
+        </p:style>
+      </p:cxnSp>
+      <p:cxnSp>
+        <p:nvCxnSpPr>
+          <p:cNvPr id="13" name="直接箭头连接符 12"/>
+          <p:cNvCxnSpPr/>
+          <p:nvPr/>
+        </p:nvCxnSpPr>
+        <p:spPr>
+          <a:xfrm flipV="1">
+            <a:off x="6913245" y="403225"/>
+            <a:ext cx="798195" cy="420370"/>
+          </a:xfrm>
+          <a:prstGeom prst="straightConnector1">
+            <a:avLst/>
+          </a:prstGeom>
+          <a:ln>
+            <a:tailEnd type="arrow"/>
+          </a:ln>
+        </p:spPr>
+        <p:style>
+          <a:lnRef idx="2">
+            <a:schemeClr val="accent1"/>
+          </a:lnRef>
+          <a:fillRef idx="0">
+            <a:srgbClr val="FFFFFF"/>
+          </a:fillRef>
+          <a:effectRef idx="0">
+            <a:srgbClr val="FFFFFF"/>
+          </a:effectRef>
+          <a:fontRef idx="minor">
+            <a:schemeClr val="tx1"/>
+          </a:fontRef>
+        </p:style>
+      </p:cxnSp>
+      <p:cxnSp>
+        <p:nvCxnSpPr>
+          <p:cNvPr id="14" name="直接箭头连接符 13"/>
+          <p:cNvCxnSpPr/>
+          <p:nvPr/>
+        </p:nvCxnSpPr>
+        <p:spPr>
+          <a:xfrm flipV="1">
+            <a:off x="7280275" y="1932305"/>
+            <a:ext cx="461010" cy="443865"/>
+          </a:xfrm>
+          <a:prstGeom prst="straightConnector1">
+            <a:avLst/>
+          </a:prstGeom>
+          <a:ln>
+            <a:tailEnd type="arrow"/>
+          </a:ln>
+        </p:spPr>
+        <p:style>
+          <a:lnRef idx="2">
+            <a:schemeClr val="accent1"/>
+          </a:lnRef>
+          <a:fillRef idx="0">
+            <a:srgbClr val="FFFFFF"/>
+          </a:fillRef>
+          <a:effectRef idx="0">
+            <a:srgbClr val="FFFFFF"/>
+          </a:effectRef>
+          <a:fontRef idx="minor">
+            <a:schemeClr val="tx1"/>
+          </a:fontRef>
+        </p:style>
+      </p:cxnSp>
+      <p:cxnSp>
+        <p:nvCxnSpPr>
+          <p:cNvPr id="15" name="直接箭头连接符 14"/>
+          <p:cNvCxnSpPr/>
+          <p:nvPr/>
+        </p:nvCxnSpPr>
+        <p:spPr>
+          <a:xfrm>
+            <a:off x="7336790" y="2786380"/>
+            <a:ext cx="544830" cy="481330"/>
+          </a:xfrm>
+          <a:prstGeom prst="straightConnector1">
+            <a:avLst/>
+          </a:prstGeom>
+          <a:ln>
+            <a:tailEnd type="arrow"/>
+          </a:ln>
+        </p:spPr>
+        <p:style>
+          <a:lnRef idx="2">
+            <a:schemeClr val="accent1"/>
+          </a:lnRef>
+          <a:fillRef idx="0">
+            <a:srgbClr val="FFFFFF"/>
+          </a:fillRef>
+          <a:effectRef idx="0">
+            <a:srgbClr val="FFFFFF"/>
+          </a:effectRef>
+          <a:fontRef idx="minor">
+            <a:schemeClr val="tx1"/>
+          </a:fontRef>
+        </p:style>
+      </p:cxnSp>
+      <p:cxnSp>
+        <p:nvCxnSpPr>
+          <p:cNvPr id="29" name="直接箭头连接符 28"/>
+          <p:cNvCxnSpPr/>
+          <p:nvPr/>
+        </p:nvCxnSpPr>
+        <p:spPr>
+          <a:xfrm flipV="1">
+            <a:off x="9572625" y="2596515"/>
+            <a:ext cx="802005" cy="843915"/>
+          </a:xfrm>
+          <a:prstGeom prst="straightConnector1">
+            <a:avLst/>
+          </a:prstGeom>
+          <a:ln>
+            <a:tailEnd type="arrow"/>
+          </a:ln>
+        </p:spPr>
+        <p:style>
+          <a:lnRef idx="2">
+            <a:schemeClr val="accent1"/>
+          </a:lnRef>
+          <a:fillRef idx="0">
+            <a:srgbClr val="FFFFFF"/>
+          </a:fillRef>
+          <a:effectRef idx="0">
+            <a:srgbClr val="FFFFFF"/>
+          </a:effectRef>
+          <a:fontRef idx="minor">
+            <a:schemeClr val="tx1"/>
+          </a:fontRef>
+        </p:style>
+      </p:cxnSp>
+      <p:sp>
+        <p:nvSpPr>
+          <p:cNvPr id="35" name="椭圆 34"/>
+          <p:cNvSpPr/>
+          <p:nvPr/>
+        </p:nvSpPr>
+        <p:spPr>
+          <a:xfrm>
+            <a:off x="10434320" y="3752850"/>
+            <a:ext cx="1546860" cy="538480"/>
+          </a:xfrm>
+          <a:prstGeom prst="ellipse">
+            <a:avLst/>
+          </a:prstGeom>
+        </p:spPr>
+        <p:style>
+          <a:lnRef idx="2">
+            <a:schemeClr val="accent1"/>
+          </a:lnRef>
+          <a:fillRef idx="0">
+            <a:srgbClr val="FFFFFF"/>
+          </a:fillRef>
+          <a:effectRef idx="0">
+            <a:srgbClr val="FFFFFF"/>
+          </a:effectRef>
+          <a:fontRef idx="minor">
+            <a:schemeClr val="tx1"/>
+          </a:fontRef>
+        </p:style>
+        <p:txBody>
+          <a:bodyPr rtlCol="0" anchor="ctr"/>
+          <a:p>
+            <a:pPr algn="ctr"/>
+            <a:r>
+              <a:rPr lang="en-US" altLang="zh-CN" sz="1600"/>
+              <a:t>2111-10</a:t>
+            </a:r>
+            <a:endParaRPr lang="en-US" altLang="zh-CN" sz="1600"/>
+          </a:p>
+        </p:txBody>
+      </p:sp>
+      <p:sp>
+        <p:nvSpPr>
+          <p:cNvPr id="39" name="文本框 38"/>
+          <p:cNvSpPr txBox="1"/>
+          <p:nvPr/>
+        </p:nvSpPr>
+        <p:spPr>
+          <a:xfrm>
+            <a:off x="10332085" y="4354195"/>
+            <a:ext cx="1755140" cy="337185"/>
+          </a:xfrm>
+          <a:prstGeom prst="rect">
+            <a:avLst/>
+          </a:prstGeom>
+          <a:noFill/>
+        </p:spPr>
+        <p:txBody>
+          <a:bodyPr wrap="square" rtlCol="0">
+            <a:spAutoFit/>
+          </a:bodyPr>
+          <a:p>
+            <a:r>
+              <a:rPr lang="zh-CN" altLang="en-US" sz="1600"/>
+              <a:t>补时中完成</a:t>
+            </a:r>
+            <a:r>
+              <a:rPr lang="en-US" altLang="zh-CN" sz="1600"/>
+              <a:t>+</a:t>
+            </a:r>
+            <a:r>
+              <a:rPr lang="zh-CN" altLang="en-US" sz="1600"/>
+              <a:t>评价</a:t>
+            </a:r>
+            <a:endParaRPr lang="zh-CN" altLang="en-US" sz="1600"/>
+          </a:p>
+        </p:txBody>
+      </p:sp>
+      <p:cxnSp>
+        <p:nvCxnSpPr>
+          <p:cNvPr id="42" name="直接箭头连接符 41"/>
+          <p:cNvCxnSpPr/>
+          <p:nvPr/>
+        </p:nvCxnSpPr>
+        <p:spPr>
+          <a:xfrm>
+            <a:off x="9620250" y="3505835"/>
+            <a:ext cx="729615" cy="389255"/>
+          </a:xfrm>
+          <a:prstGeom prst="straightConnector1">
+            <a:avLst/>
+          </a:prstGeom>
+          <a:ln>
+            <a:tailEnd type="arrow"/>
+          </a:ln>
+        </p:spPr>
+        <p:style>
+          <a:lnRef idx="2">
+            <a:schemeClr val="accent1"/>
+          </a:lnRef>
+          <a:fillRef idx="0">
+            <a:srgbClr val="FFFFFF"/>
+          </a:fillRef>
+          <a:effectRef idx="0">
+            <a:srgbClr val="FFFFFF"/>
+          </a:effectRef>
+          <a:fontRef idx="minor">
+            <a:schemeClr val="tx1"/>
+          </a:fontRef>
+        </p:style>
+      </p:cxnSp>
+      <p:sp>
+        <p:nvSpPr>
+          <p:cNvPr id="3" name="椭圆 2"/>
+          <p:cNvSpPr/>
+          <p:nvPr/>
+        </p:nvSpPr>
+        <p:spPr>
+          <a:xfrm>
+            <a:off x="9911080" y="763270"/>
+            <a:ext cx="1546860" cy="538480"/>
+          </a:xfrm>
+          <a:prstGeom prst="ellipse">
+            <a:avLst/>
+          </a:prstGeom>
+        </p:spPr>
+        <p:style>
+          <a:lnRef idx="2">
+            <a:schemeClr val="accent1"/>
+          </a:lnRef>
+          <a:fillRef idx="0">
+            <a:srgbClr val="FFFFFF"/>
+          </a:fillRef>
+          <a:effectRef idx="0">
+            <a:srgbClr val="FFFFFF"/>
+          </a:effectRef>
+          <a:fontRef idx="minor">
+            <a:schemeClr val="tx1"/>
+          </a:fontRef>
+        </p:style>
+        <p:txBody>
+          <a:bodyPr rtlCol="0" anchor="ctr"/>
+          <a:p>
+            <a:pPr algn="ctr"/>
+            <a:r>
+              <a:rPr lang="en-US" altLang="zh-CN" sz="1600"/>
+              <a:t>2111-01</a:t>
+            </a:r>
+            <a:endParaRPr lang="en-US" altLang="zh-CN" sz="1600"/>
+          </a:p>
+        </p:txBody>
+      </p:sp>
+      <p:cxnSp>
+        <p:nvCxnSpPr>
+          <p:cNvPr id="16" name="直接箭头连接符 15"/>
+          <p:cNvCxnSpPr/>
+          <p:nvPr/>
+        </p:nvCxnSpPr>
+        <p:spPr>
+          <a:xfrm flipV="1">
+            <a:off x="7336790" y="1070610"/>
+            <a:ext cx="2408555" cy="135890"/>
+          </a:xfrm>
+          <a:prstGeom prst="straightConnector1">
+            <a:avLst/>
+          </a:prstGeom>
+          <a:ln>
+            <a:tailEnd type="arrow"/>
+          </a:ln>
+        </p:spPr>
+        <p:style>
+          <a:lnRef idx="2">
+            <a:schemeClr val="accent1"/>
+          </a:lnRef>
+          <a:fillRef idx="0">
+            <a:srgbClr val="FFFFFF"/>
+          </a:fillRef>
+          <a:effectRef idx="0">
+            <a:srgbClr val="FFFFFF"/>
+          </a:effectRef>
+          <a:fontRef idx="minor">
+            <a:schemeClr val="tx1"/>
+          </a:fontRef>
+        </p:style>
+      </p:cxnSp>
+      <p:sp>
+        <p:nvSpPr>
+          <p:cNvPr id="20" name="文本框 19"/>
+          <p:cNvSpPr txBox="1"/>
+          <p:nvPr/>
+        </p:nvSpPr>
+        <p:spPr>
+          <a:xfrm>
+            <a:off x="4133215" y="4450715"/>
+            <a:ext cx="5248275" cy="306705"/>
+          </a:xfrm>
+          <a:prstGeom prst="rect">
+            <a:avLst/>
+          </a:prstGeom>
+          <a:noFill/>
+        </p:spPr>
+        <p:txBody>
+          <a:bodyPr wrap="square" rtlCol="0">
+            <a:spAutoFit/>
+          </a:bodyPr>
+          <a:p>
+            <a:r>
+              <a:rPr lang="zh-CN" altLang="en-US" sz="1400">
+                <a:highlight>
+                  <a:srgbClr val="FFFF00"/>
+                </a:highlight>
+              </a:rPr>
+              <a:t>完成多一个状态</a:t>
+            </a:r>
+            <a:r>
+              <a:rPr lang="en-US" altLang="zh-CN" sz="1400">
+                <a:highlight>
+                  <a:srgbClr val="FFFF00"/>
+                </a:highlight>
+              </a:rPr>
+              <a:t>2</a:t>
+            </a:r>
+            <a:r>
+              <a:rPr lang="zh-CN" altLang="en-US" sz="1400">
+                <a:highlight>
+                  <a:srgbClr val="FFFF00"/>
+                </a:highlight>
+              </a:rPr>
+              <a:t>，必须先</a:t>
+            </a:r>
+            <a:r>
+              <a:rPr lang="en-US" altLang="zh-CN" sz="1400">
+                <a:highlight>
+                  <a:srgbClr val="FFFF00"/>
+                </a:highlight>
+              </a:rPr>
+              <a:t>1</a:t>
+            </a:r>
+            <a:r>
+              <a:rPr lang="zh-CN" altLang="en-US" sz="1400">
+                <a:highlight>
+                  <a:srgbClr val="FFFF00"/>
+                </a:highlight>
+              </a:rPr>
+              <a:t>再</a:t>
+            </a:r>
+            <a:r>
+              <a:rPr lang="en-US" altLang="zh-CN" sz="1400">
+                <a:highlight>
+                  <a:srgbClr val="FFFF00"/>
+                </a:highlight>
+              </a:rPr>
+              <a:t>2,</a:t>
+            </a:r>
+            <a:r>
+              <a:rPr lang="zh-CN" altLang="en-US" sz="1400">
+                <a:highlight>
+                  <a:srgbClr val="FFFF00"/>
+                </a:highlight>
+              </a:rPr>
+              <a:t>不涉及超时，只涉及发放时间币</a:t>
+            </a:r>
+            <a:endParaRPr lang="zh-CN" altLang="en-US" sz="1400">
+              <a:highlight>
+                <a:srgbClr val="FFFF00"/>
+              </a:highlight>
+            </a:endParaRPr>
+          </a:p>
+        </p:txBody>
+      </p:sp>
+      <p:sp>
+        <p:nvSpPr>
+          <p:cNvPr id="46" name="文本框 45"/>
+          <p:cNvSpPr txBox="1"/>
+          <p:nvPr/>
+        </p:nvSpPr>
+        <p:spPr>
+          <a:xfrm flipH="1">
+            <a:off x="9745345" y="1332865"/>
+            <a:ext cx="2343150" cy="583565"/>
+          </a:xfrm>
+          <a:prstGeom prst="rect">
+            <a:avLst/>
+          </a:prstGeom>
+          <a:noFill/>
+        </p:spPr>
+        <p:txBody>
+          <a:bodyPr wrap="square" rtlCol="0">
+            <a:spAutoFit/>
+          </a:bodyPr>
+          <a:p>
+            <a:r>
+              <a:rPr lang="zh-CN" altLang="en-US" sz="1600">
+                <a:sym typeface="+mn-ea"/>
+              </a:rPr>
+              <a:t>准时完成后超时未评价，默认好评</a:t>
+            </a:r>
+            <a:endParaRPr lang="zh-CN" altLang="en-US" sz="1600"/>
+          </a:p>
+        </p:txBody>
+      </p:sp>
+      <p:sp>
+        <p:nvSpPr>
+          <p:cNvPr id="52" name="文本框 51"/>
+          <p:cNvSpPr txBox="1"/>
+          <p:nvPr/>
+        </p:nvSpPr>
+        <p:spPr>
+          <a:xfrm>
+            <a:off x="4133215" y="4820920"/>
+            <a:ext cx="7193280" cy="836295"/>
+          </a:xfrm>
+          <a:prstGeom prst="rect">
+            <a:avLst/>
+          </a:prstGeom>
+          <a:noFill/>
+        </p:spPr>
+        <p:txBody>
+          <a:bodyPr wrap="square" rtlCol="0">
+            <a:noAutofit/>
+          </a:bodyPr>
+          <a:p>
+            <a:r>
+              <a:rPr lang="zh-CN" altLang="en-US"/>
+              <a:t>新增加的状态：完成为</a:t>
+            </a:r>
+            <a:r>
+              <a:rPr lang="en-US" altLang="zh-CN"/>
+              <a:t>1 </a:t>
+            </a:r>
+            <a:r>
+              <a:rPr lang="zh-CN" altLang="en-US"/>
+              <a:t>随时</a:t>
+            </a:r>
+            <a:r>
+              <a:rPr lang="en-US" altLang="zh-CN"/>
+              <a:t> </a:t>
+            </a:r>
+            <a:r>
+              <a:rPr lang="zh-CN" altLang="en-US"/>
+              <a:t>变为</a:t>
+            </a:r>
+            <a:r>
+              <a:rPr lang="en-US" altLang="zh-CN"/>
+              <a:t>2 </a:t>
+            </a:r>
+            <a:r>
+              <a:rPr lang="zh-CN" altLang="en-US"/>
+              <a:t>，变</a:t>
+            </a:r>
+            <a:r>
+              <a:rPr lang="en-US" altLang="zh-CN"/>
+              <a:t>2</a:t>
+            </a:r>
+            <a:r>
+              <a:rPr lang="zh-CN" altLang="en-US"/>
+              <a:t>时发放时间币</a:t>
+            </a:r>
+            <a:r>
+              <a:rPr lang="en-US" altLang="zh-CN"/>
+              <a:t>    </a:t>
+            </a:r>
+            <a:r>
+              <a:rPr lang="zh-CN" altLang="en-US"/>
+              <a:t>：</a:t>
+            </a:r>
+            <a:endParaRPr lang="zh-CN" altLang="en-US"/>
+          </a:p>
+          <a:p>
+            <a:r>
+              <a:rPr lang="zh-CN" altLang="en-US"/>
+              <a:t>有</a:t>
+            </a:r>
+            <a:r>
+              <a:rPr lang="en-US" altLang="zh-CN"/>
+              <a:t> </a:t>
+            </a:r>
+            <a:r>
+              <a:rPr lang="en-US" altLang="zh-CN">
+                <a:highlight>
+                  <a:srgbClr val="FFFF00"/>
+                </a:highlight>
+              </a:rPr>
+              <a:t>2120-00</a:t>
+            </a:r>
+            <a:r>
+              <a:rPr lang="en-US" altLang="zh-CN"/>
+              <a:t> </a:t>
+            </a:r>
+            <a:r>
+              <a:rPr lang="en-US" altLang="zh-CN">
+                <a:highlight>
+                  <a:srgbClr val="FFFF00"/>
+                </a:highlight>
+              </a:rPr>
+              <a:t>2121-00</a:t>
+            </a:r>
+            <a:r>
+              <a:rPr lang="en-US" altLang="zh-CN"/>
+              <a:t> </a:t>
+            </a:r>
+            <a:r>
+              <a:rPr lang="en-US" altLang="zh-CN">
+                <a:highlight>
+                  <a:srgbClr val="FFFF00"/>
+                </a:highlight>
+              </a:rPr>
+              <a:t>2121-01</a:t>
+            </a:r>
+            <a:r>
+              <a:rPr lang="en-US" altLang="zh-CN"/>
+              <a:t> </a:t>
+            </a:r>
+            <a:r>
+              <a:rPr lang="en-US" altLang="zh-CN">
+                <a:highlight>
+                  <a:srgbClr val="FFFF00"/>
+                </a:highlight>
+              </a:rPr>
+              <a:t>2120-20</a:t>
+            </a:r>
+            <a:r>
+              <a:rPr lang="en-US" altLang="zh-CN"/>
+              <a:t> </a:t>
+            </a:r>
+            <a:r>
+              <a:rPr lang="en-US" altLang="zh-CN">
+                <a:highlight>
+                  <a:srgbClr val="FFFF00"/>
+                </a:highlight>
+              </a:rPr>
+              <a:t>2120-10</a:t>
+            </a:r>
+            <a:r>
+              <a:rPr lang="en-US" altLang="zh-CN"/>
+              <a:t> </a:t>
+            </a:r>
+            <a:r>
+              <a:rPr lang="en-US" altLang="zh-CN">
+                <a:highlight>
+                  <a:srgbClr val="FFFF00"/>
+                </a:highlight>
+              </a:rPr>
+              <a:t>2121-11</a:t>
+            </a:r>
+            <a:r>
+              <a:rPr lang="en-US" altLang="zh-CN"/>
+              <a:t> </a:t>
+            </a:r>
+            <a:r>
+              <a:rPr lang="en-US" altLang="zh-CN">
+                <a:highlight>
+                  <a:srgbClr val="FFFF00"/>
+                </a:highlight>
+              </a:rPr>
+              <a:t>2121-10</a:t>
+            </a:r>
+            <a:endParaRPr lang="en-US" altLang="zh-CN">
+              <a:highlight>
+                <a:srgbClr val="FFFF00"/>
+              </a:highlight>
+            </a:endParaRPr>
+          </a:p>
+        </p:txBody>
+      </p:sp>
+    </p:spTree>
+  </p:cSld>
+  <p:clrMapOvr>
+    <a:masterClrMapping/>
+  </p:clrMapOvr>
+</p:sld>
+</file>
+
+<file path=ppt/slides/slide8.xml><?xml version="1.0" encoding="utf-8"?>
+<p:sld xmlns:a="http://schemas.openxmlformats.org/drawingml/2006/main" xmlns:r="http://schemas.openxmlformats.org/officeDocument/2006/relationships" xmlns:p="http://schemas.openxmlformats.org/presentationml/2006/main">
+  <p:cSld>
+    <p:spTree>
+      <p:nvGrpSpPr>
+        <p:cNvPr id="1" name=""/>
+        <p:cNvGrpSpPr/>
+        <p:nvPr/>
+      </p:nvGrpSpPr>
+      <p:grpSpPr/>
+      <p:sp>
+        <p:nvSpPr>
+          <p:cNvPr id="4" name="文本框 3"/>
+          <p:cNvSpPr txBox="1"/>
+          <p:nvPr/>
+        </p:nvSpPr>
+        <p:spPr>
+          <a:xfrm>
+            <a:off x="150495" y="107950"/>
+            <a:ext cx="4064000" cy="368300"/>
+          </a:xfrm>
+          <a:prstGeom prst="rect">
+            <a:avLst/>
+          </a:prstGeom>
+          <a:noFill/>
+        </p:spPr>
+        <p:txBody>
+          <a:bodyPr wrap="square" rtlCol="0">
+            <a:spAutoFit/>
+          </a:bodyPr>
+          <a:p>
+            <a:r>
+              <a:rPr lang="zh-CN" altLang="en-US"/>
+              <a:t>棘手的</a:t>
+            </a:r>
+            <a:r>
+              <a:rPr lang="zh-CN" altLang="en-US"/>
+              <a:t>时间</a:t>
+            </a:r>
+            <a:endParaRPr lang="zh-CN" altLang="en-US"/>
+          </a:p>
+        </p:txBody>
+      </p:sp>
+      <p:sp>
+        <p:nvSpPr>
+          <p:cNvPr id="5" name="文本框 4"/>
+          <p:cNvSpPr txBox="1"/>
+          <p:nvPr/>
+        </p:nvSpPr>
+        <p:spPr>
+          <a:xfrm>
+            <a:off x="150495" y="476250"/>
+            <a:ext cx="4064000" cy="368300"/>
+          </a:xfrm>
+          <a:prstGeom prst="rect">
+            <a:avLst/>
+          </a:prstGeom>
+          <a:noFill/>
+        </p:spPr>
+        <p:txBody>
+          <a:bodyPr wrap="square" rtlCol="0">
+            <a:spAutoFit/>
+          </a:bodyPr>
+          <a:p>
+            <a:r>
+              <a:rPr lang="en-US" altLang="zh-CN"/>
+              <a:t>1</a:t>
+            </a:r>
+            <a:r>
+              <a:rPr lang="zh-CN" altLang="en-US"/>
+              <a:t>、发布任务者指定的截止时间</a:t>
+            </a:r>
+            <a:endParaRPr lang="en-US" altLang="zh-CN"/>
+          </a:p>
+        </p:txBody>
+      </p:sp>
+      <p:sp>
+        <p:nvSpPr>
+          <p:cNvPr id="7" name="文本框 6"/>
+          <p:cNvSpPr txBox="1"/>
+          <p:nvPr/>
+        </p:nvSpPr>
+        <p:spPr>
+          <a:xfrm>
+            <a:off x="150495" y="962660"/>
+            <a:ext cx="5492115" cy="368300"/>
+          </a:xfrm>
+          <a:prstGeom prst="rect">
+            <a:avLst/>
+          </a:prstGeom>
+          <a:noFill/>
+        </p:spPr>
+        <p:txBody>
+          <a:bodyPr wrap="square" rtlCol="0">
+            <a:spAutoFit/>
+          </a:bodyPr>
+          <a:p>
+            <a:r>
+              <a:rPr lang="en-US" altLang="zh-CN"/>
+              <a:t>2</a:t>
+            </a:r>
+            <a:r>
+              <a:rPr lang="zh-CN" altLang="en-US"/>
+              <a:t>、任务超出第一个时间后的</a:t>
+            </a:r>
+            <a:r>
+              <a:rPr lang="en-US" altLang="zh-CN"/>
+              <a:t>0.5</a:t>
+            </a:r>
+            <a:r>
+              <a:rPr lang="zh-CN" altLang="en-US"/>
+              <a:t>小时，可</a:t>
+            </a:r>
+            <a:r>
+              <a:rPr lang="zh-CN" altLang="en-US"/>
+              <a:t>完成的时间</a:t>
+            </a:r>
+            <a:endParaRPr lang="zh-CN" altLang="en-US"/>
+          </a:p>
+        </p:txBody>
+      </p:sp>
+      <p:sp>
+        <p:nvSpPr>
+          <p:cNvPr id="8" name="文本框 7"/>
+          <p:cNvSpPr txBox="1"/>
+          <p:nvPr/>
+        </p:nvSpPr>
+        <p:spPr>
+          <a:xfrm>
+            <a:off x="150495" y="1474470"/>
+            <a:ext cx="4064000" cy="368300"/>
+          </a:xfrm>
+          <a:prstGeom prst="rect">
+            <a:avLst/>
+          </a:prstGeom>
+          <a:noFill/>
+        </p:spPr>
+        <p:txBody>
+          <a:bodyPr wrap="square" rtlCol="0">
+            <a:spAutoFit/>
+          </a:bodyPr>
+          <a:p>
+            <a:r>
+              <a:rPr lang="en-US" altLang="zh-CN"/>
+              <a:t>3</a:t>
+            </a:r>
+            <a:r>
+              <a:rPr lang="zh-CN" altLang="en-US"/>
+              <a:t>、任务超出确认完成时间后的</a:t>
+            </a:r>
+            <a:r>
+              <a:rPr lang="en-US" altLang="zh-CN"/>
+              <a:t>3</a:t>
+            </a:r>
+            <a:r>
+              <a:rPr lang="zh-CN" altLang="en-US"/>
+              <a:t>天</a:t>
+            </a:r>
+            <a:endParaRPr lang="zh-CN" altLang="en-US"/>
+          </a:p>
+        </p:txBody>
+      </p:sp>
+      <p:sp>
+        <p:nvSpPr>
+          <p:cNvPr id="9" name="文本框 8"/>
+          <p:cNvSpPr txBox="1"/>
+          <p:nvPr/>
+        </p:nvSpPr>
+        <p:spPr>
+          <a:xfrm>
+            <a:off x="150495" y="1866900"/>
+            <a:ext cx="11485880" cy="368300"/>
+          </a:xfrm>
+          <a:prstGeom prst="rect">
+            <a:avLst/>
+          </a:prstGeom>
+          <a:noFill/>
+        </p:spPr>
+        <p:txBody>
+          <a:bodyPr wrap="square" rtlCol="0">
+            <a:spAutoFit/>
+          </a:bodyPr>
+          <a:p>
+            <a:r>
+              <a:rPr lang="zh-CN" altLang="en-US"/>
+              <a:t>有个问题：是不是对方完成了任务才可以评价，是，但是评价不是硬性要求，只是会调低领取者的信用评</a:t>
+            </a:r>
+            <a:r>
+              <a:rPr lang="zh-CN" altLang="en-US"/>
+              <a:t>分</a:t>
+            </a:r>
+            <a:endParaRPr lang="zh-CN" altLang="en-US"/>
+          </a:p>
+        </p:txBody>
+      </p:sp>
+      <p:sp>
+        <p:nvSpPr>
+          <p:cNvPr id="10" name="文本框 9"/>
+          <p:cNvSpPr txBox="1"/>
+          <p:nvPr/>
+        </p:nvSpPr>
+        <p:spPr>
+          <a:xfrm>
+            <a:off x="191135" y="2235835"/>
+            <a:ext cx="5932805" cy="368300"/>
+          </a:xfrm>
+          <a:prstGeom prst="rect">
+            <a:avLst/>
+          </a:prstGeom>
+          <a:noFill/>
+        </p:spPr>
+        <p:txBody>
+          <a:bodyPr wrap="square" rtlCol="0">
+            <a:spAutoFit/>
+          </a:bodyPr>
+          <a:p>
+            <a:r>
+              <a:rPr lang="zh-CN" altLang="en-US"/>
+              <a:t>延时队列能不能指定延时的一些内容，来标识是哪个</a:t>
+            </a:r>
+            <a:r>
+              <a:rPr lang="zh-CN" altLang="en-US"/>
+              <a:t>延时</a:t>
+            </a:r>
+            <a:endParaRPr lang="zh-CN" altLang="en-US"/>
+          </a:p>
+        </p:txBody>
+      </p:sp>
+      <p:cxnSp>
+        <p:nvCxnSpPr>
+          <p:cNvPr id="2" name="直接箭头连接符 1"/>
+          <p:cNvCxnSpPr/>
+          <p:nvPr/>
+        </p:nvCxnSpPr>
+        <p:spPr>
+          <a:xfrm flipV="1">
+            <a:off x="831850" y="5742940"/>
+            <a:ext cx="11050905" cy="13335"/>
+          </a:xfrm>
+          <a:prstGeom prst="straightConnector1">
+            <a:avLst/>
+          </a:prstGeom>
+          <a:ln>
+            <a:tailEnd type="arrow"/>
+          </a:ln>
+        </p:spPr>
+        <p:style>
+          <a:lnRef idx="2">
+            <a:schemeClr val="accent1"/>
+          </a:lnRef>
+          <a:fillRef idx="0">
+            <a:srgbClr val="FFFFFF"/>
+          </a:fillRef>
+          <a:effectRef idx="0">
+            <a:srgbClr val="FFFFFF"/>
+          </a:effectRef>
+          <a:fontRef idx="minor">
+            <a:schemeClr val="tx1"/>
+          </a:fontRef>
+        </p:style>
+      </p:cxnSp>
+      <p:sp>
+        <p:nvSpPr>
+          <p:cNvPr id="3" name="文本框 2"/>
+          <p:cNvSpPr txBox="1"/>
+          <p:nvPr/>
+        </p:nvSpPr>
+        <p:spPr>
+          <a:xfrm>
+            <a:off x="2082165" y="6144895"/>
+            <a:ext cx="514350" cy="368300"/>
+          </a:xfrm>
+          <a:prstGeom prst="rect">
+            <a:avLst/>
+          </a:prstGeom>
+          <a:noFill/>
+        </p:spPr>
+        <p:txBody>
+          <a:bodyPr wrap="square" rtlCol="0">
+            <a:spAutoFit/>
+          </a:bodyPr>
+          <a:p>
+            <a:r>
+              <a:rPr lang="en-US" altLang="zh-CN">
+                <a:solidFill>
+                  <a:srgbClr val="FF0000"/>
+                </a:solidFill>
+              </a:rPr>
+              <a:t>0</a:t>
+            </a:r>
+            <a:r>
+              <a:rPr lang="en-US" altLang="zh-CN"/>
+              <a:t>X</a:t>
+            </a:r>
+            <a:endParaRPr lang="en-US" altLang="zh-CN"/>
+          </a:p>
+        </p:txBody>
+      </p:sp>
+      <p:sp>
+        <p:nvSpPr>
+          <p:cNvPr id="6" name="文本框 5"/>
+          <p:cNvSpPr txBox="1"/>
+          <p:nvPr/>
+        </p:nvSpPr>
+        <p:spPr>
+          <a:xfrm>
+            <a:off x="5940425" y="6144895"/>
+            <a:ext cx="553720" cy="368300"/>
+          </a:xfrm>
+          <a:prstGeom prst="rect">
+            <a:avLst/>
+          </a:prstGeom>
+          <a:noFill/>
+        </p:spPr>
+        <p:txBody>
+          <a:bodyPr wrap="square" rtlCol="0">
+            <a:spAutoFit/>
+          </a:bodyPr>
+          <a:p>
+            <a:r>
+              <a:rPr lang="en-US" altLang="zh-CN">
+                <a:solidFill>
+                  <a:srgbClr val="FF0000"/>
+                </a:solidFill>
+              </a:rPr>
+              <a:t>1</a:t>
+            </a:r>
+            <a:r>
+              <a:rPr lang="en-US" altLang="zh-CN"/>
+              <a:t>X</a:t>
+            </a:r>
+            <a:endParaRPr lang="en-US" altLang="zh-CN"/>
+          </a:p>
+        </p:txBody>
+      </p:sp>
+      <p:sp>
+        <p:nvSpPr>
+          <p:cNvPr id="11" name="文本框 10"/>
+          <p:cNvSpPr txBox="1"/>
+          <p:nvPr/>
+        </p:nvSpPr>
+        <p:spPr>
+          <a:xfrm>
+            <a:off x="8672830" y="6144895"/>
+            <a:ext cx="513080" cy="374650"/>
+          </a:xfrm>
+          <a:prstGeom prst="rect">
+            <a:avLst/>
+          </a:prstGeom>
+          <a:noFill/>
+        </p:spPr>
+        <p:txBody>
+          <a:bodyPr wrap="square" rtlCol="0">
+            <a:noAutofit/>
+          </a:bodyPr>
+          <a:p>
+            <a:r>
+              <a:rPr lang="en-US" altLang="zh-CN">
+                <a:solidFill>
+                  <a:srgbClr val="FF0000"/>
+                </a:solidFill>
+              </a:rPr>
+              <a:t>2</a:t>
+            </a:r>
+            <a:r>
+              <a:rPr lang="en-US" altLang="zh-CN"/>
+              <a:t>X</a:t>
+            </a:r>
+            <a:endParaRPr lang="en-US" altLang="zh-CN"/>
+          </a:p>
+        </p:txBody>
+      </p:sp>
+      <p:sp>
+        <p:nvSpPr>
+          <p:cNvPr id="14" name="文本框 13"/>
+          <p:cNvSpPr txBox="1"/>
+          <p:nvPr/>
+        </p:nvSpPr>
+        <p:spPr>
+          <a:xfrm>
+            <a:off x="829945" y="5381625"/>
+            <a:ext cx="1174750" cy="368300"/>
+          </a:xfrm>
+          <a:prstGeom prst="rect">
+            <a:avLst/>
+          </a:prstGeom>
+          <a:noFill/>
+        </p:spPr>
+        <p:txBody>
+          <a:bodyPr wrap="square" rtlCol="0">
+            <a:spAutoFit/>
+          </a:bodyPr>
+          <a:p>
+            <a:r>
+              <a:rPr lang="zh-CN" altLang="en-US"/>
+              <a:t>任务</a:t>
+            </a:r>
+            <a:r>
+              <a:rPr lang="zh-CN" altLang="en-US"/>
+              <a:t>发布</a:t>
+            </a:r>
+            <a:endParaRPr lang="zh-CN" altLang="en-US"/>
+          </a:p>
+        </p:txBody>
+      </p:sp>
+      <p:sp>
+        <p:nvSpPr>
+          <p:cNvPr id="15" name="文本框 14"/>
+          <p:cNvSpPr txBox="1"/>
+          <p:nvPr/>
+        </p:nvSpPr>
+        <p:spPr>
+          <a:xfrm>
+            <a:off x="2715260" y="5381625"/>
+            <a:ext cx="3002915" cy="368300"/>
+          </a:xfrm>
+          <a:prstGeom prst="rect">
+            <a:avLst/>
+          </a:prstGeom>
+          <a:noFill/>
+        </p:spPr>
+        <p:txBody>
+          <a:bodyPr wrap="square" rtlCol="0">
+            <a:spAutoFit/>
+          </a:bodyPr>
+          <a:p>
+            <a:r>
+              <a:rPr lang="zh-CN" altLang="en-US"/>
+              <a:t>任务发布方设定的截止</a:t>
+            </a:r>
+            <a:r>
+              <a:rPr lang="zh-CN" altLang="en-US"/>
+              <a:t>时间</a:t>
+            </a:r>
+            <a:endParaRPr lang="zh-CN" altLang="en-US"/>
+          </a:p>
+        </p:txBody>
+      </p:sp>
+      <p:sp>
+        <p:nvSpPr>
+          <p:cNvPr id="16" name="文本框 15"/>
+          <p:cNvSpPr txBox="1"/>
+          <p:nvPr/>
+        </p:nvSpPr>
+        <p:spPr>
+          <a:xfrm>
+            <a:off x="6603365" y="5381625"/>
+            <a:ext cx="2033905" cy="368300"/>
+          </a:xfrm>
+          <a:prstGeom prst="rect">
+            <a:avLst/>
+          </a:prstGeom>
+          <a:noFill/>
+        </p:spPr>
+        <p:txBody>
+          <a:bodyPr wrap="square" rtlCol="0">
+            <a:spAutoFit/>
+          </a:bodyPr>
+          <a:p>
+            <a:r>
+              <a:rPr lang="zh-CN" altLang="en-US"/>
+              <a:t>截止时间</a:t>
+            </a:r>
+            <a:r>
+              <a:rPr lang="en-US" altLang="zh-CN"/>
+              <a:t>+0.5</a:t>
+            </a:r>
+            <a:r>
+              <a:rPr lang="zh-CN" altLang="en-US"/>
+              <a:t>小时</a:t>
+            </a:r>
+            <a:endParaRPr lang="zh-CN" altLang="en-US"/>
+          </a:p>
+        </p:txBody>
+      </p:sp>
+      <p:sp>
+        <p:nvSpPr>
+          <p:cNvPr id="17" name="文本框 16"/>
+          <p:cNvSpPr txBox="1"/>
+          <p:nvPr/>
+        </p:nvSpPr>
+        <p:spPr>
+          <a:xfrm>
+            <a:off x="9230995" y="5374640"/>
+            <a:ext cx="1633855" cy="368300"/>
+          </a:xfrm>
+          <a:prstGeom prst="rect">
+            <a:avLst/>
+          </a:prstGeom>
+          <a:noFill/>
+        </p:spPr>
+        <p:txBody>
+          <a:bodyPr wrap="square" rtlCol="0">
+            <a:spAutoFit/>
+          </a:bodyPr>
+          <a:p>
+            <a:r>
+              <a:rPr lang="zh-CN" altLang="en-US"/>
+              <a:t>完成时间</a:t>
+            </a:r>
+            <a:r>
+              <a:rPr lang="en-US" altLang="zh-CN"/>
+              <a:t>+3</a:t>
+            </a:r>
+            <a:r>
+              <a:rPr lang="zh-CN" altLang="en-US"/>
+              <a:t>天</a:t>
+            </a:r>
+            <a:endParaRPr lang="zh-CN" altLang="en-US"/>
+          </a:p>
+        </p:txBody>
+      </p:sp>
+      <p:sp>
+        <p:nvSpPr>
+          <p:cNvPr id="18" name="左大括号 17"/>
+          <p:cNvSpPr/>
+          <p:nvPr/>
+        </p:nvSpPr>
+        <p:spPr>
+          <a:xfrm rot="16200000">
+            <a:off x="6009005" y="4975225"/>
+            <a:ext cx="266700" cy="2036445"/>
+          </a:xfrm>
+          <a:prstGeom prst="leftBrace">
+            <a:avLst/>
+          </a:prstGeom>
+        </p:spPr>
+        <p:style>
+          <a:lnRef idx="2">
+            <a:schemeClr val="accent1"/>
+          </a:lnRef>
+          <a:fillRef idx="0">
+            <a:srgbClr val="FFFFFF"/>
+          </a:fillRef>
+          <a:effectRef idx="0">
+            <a:srgbClr val="FFFFFF"/>
+          </a:effectRef>
+          <a:fontRef idx="minor">
+            <a:schemeClr val="tx1"/>
+          </a:fontRef>
+        </p:style>
+        <p:txBody>
+          <a:bodyPr rtlCol="0" anchor="ctr"/>
+          <a:p>
+            <a:pPr algn="ctr"/>
+            <a:endParaRPr lang="zh-CN" altLang="en-US"/>
+          </a:p>
+        </p:txBody>
+      </p:sp>
+      <p:sp>
+        <p:nvSpPr>
+          <p:cNvPr id="19" name="左大括号 18"/>
+          <p:cNvSpPr/>
+          <p:nvPr/>
+        </p:nvSpPr>
+        <p:spPr>
+          <a:xfrm rot="16200000">
+            <a:off x="2193925" y="5080000"/>
+            <a:ext cx="266700" cy="1734820"/>
+          </a:xfrm>
+          <a:prstGeom prst="leftBrace">
+            <a:avLst/>
+          </a:prstGeom>
+        </p:spPr>
+        <p:style>
+          <a:lnRef idx="2">
+            <a:schemeClr val="accent1"/>
+          </a:lnRef>
+          <a:fillRef idx="0">
+            <a:srgbClr val="FFFFFF"/>
+          </a:fillRef>
+          <a:effectRef idx="0">
+            <a:srgbClr val="FFFFFF"/>
+          </a:effectRef>
+          <a:fontRef idx="minor">
+            <a:schemeClr val="tx1"/>
+          </a:fontRef>
+        </p:style>
+        <p:txBody>
+          <a:bodyPr rtlCol="0" anchor="ctr"/>
+          <a:p>
+            <a:pPr algn="ctr"/>
+            <a:endParaRPr lang="zh-CN" altLang="en-US"/>
+          </a:p>
+        </p:txBody>
+      </p:sp>
+      <p:sp>
+        <p:nvSpPr>
+          <p:cNvPr id="20" name="左大括号 19"/>
+          <p:cNvSpPr/>
+          <p:nvPr/>
+        </p:nvSpPr>
+        <p:spPr>
+          <a:xfrm rot="16200000">
+            <a:off x="8747760" y="4962525"/>
+            <a:ext cx="241300" cy="2036445"/>
+          </a:xfrm>
+          <a:prstGeom prst="leftBrace">
+            <a:avLst/>
+          </a:prstGeom>
+        </p:spPr>
+        <p:style>
+          <a:lnRef idx="2">
+            <a:schemeClr val="accent1"/>
+          </a:lnRef>
+          <a:fillRef idx="0">
+            <a:srgbClr val="FFFFFF"/>
+          </a:fillRef>
+          <a:effectRef idx="0">
+            <a:srgbClr val="FFFFFF"/>
+          </a:effectRef>
+          <a:fontRef idx="minor">
+            <a:schemeClr val="tx1"/>
+          </a:fontRef>
+        </p:style>
+        <p:txBody>
+          <a:bodyPr rtlCol="0" anchor="ctr"/>
+          <a:p>
+            <a:pPr algn="ctr"/>
+            <a:endParaRPr lang="zh-CN" altLang="en-US"/>
+          </a:p>
+        </p:txBody>
+      </p:sp>
+      <p:sp>
+        <p:nvSpPr>
+          <p:cNvPr id="21" name="左大括号 20"/>
+          <p:cNvSpPr/>
+          <p:nvPr/>
+        </p:nvSpPr>
+        <p:spPr>
+          <a:xfrm rot="16200000">
+            <a:off x="10988675" y="5233035"/>
+            <a:ext cx="266700" cy="1520825"/>
+          </a:xfrm>
+          <a:prstGeom prst="leftBrace">
+            <a:avLst/>
+          </a:prstGeom>
+        </p:spPr>
+        <p:style>
+          <a:lnRef idx="2">
+            <a:schemeClr val="accent1"/>
+          </a:lnRef>
+          <a:fillRef idx="0">
+            <a:srgbClr val="FFFFFF"/>
+          </a:fillRef>
+          <a:effectRef idx="0">
+            <a:srgbClr val="FFFFFF"/>
+          </a:effectRef>
+          <a:fontRef idx="minor">
+            <a:schemeClr val="tx1"/>
+          </a:fontRef>
+        </p:style>
+        <p:txBody>
+          <a:bodyPr rtlCol="0" anchor="ctr"/>
+          <a:p>
+            <a:pPr algn="ctr"/>
+            <a:endParaRPr lang="zh-CN" altLang="en-US"/>
+          </a:p>
+        </p:txBody>
+      </p:sp>
+      <p:sp>
+        <p:nvSpPr>
+          <p:cNvPr id="22" name="文本框 21"/>
+          <p:cNvSpPr txBox="1"/>
+          <p:nvPr/>
+        </p:nvSpPr>
+        <p:spPr>
+          <a:xfrm>
+            <a:off x="10911840" y="6151245"/>
+            <a:ext cx="521335" cy="368300"/>
+          </a:xfrm>
+          <a:prstGeom prst="rect">
+            <a:avLst/>
+          </a:prstGeom>
+          <a:noFill/>
+        </p:spPr>
+        <p:txBody>
+          <a:bodyPr wrap="square" rtlCol="0">
+            <a:spAutoFit/>
+          </a:bodyPr>
+          <a:p>
+            <a:r>
+              <a:rPr lang="en-US" altLang="zh-CN"/>
+              <a:t>X</a:t>
+            </a:r>
+            <a:r>
+              <a:rPr lang="en-US" altLang="zh-CN">
+                <a:solidFill>
+                  <a:srgbClr val="FF0000"/>
+                </a:solidFill>
+              </a:rPr>
+              <a:t>1</a:t>
+            </a:r>
+            <a:endParaRPr lang="en-US" altLang="zh-CN">
+              <a:solidFill>
+                <a:srgbClr val="FF0000"/>
+              </a:solidFill>
+            </a:endParaRPr>
+          </a:p>
+        </p:txBody>
+      </p:sp>
+      <p:sp>
+        <p:nvSpPr>
+          <p:cNvPr id="23" name="文本框 22"/>
+          <p:cNvSpPr txBox="1"/>
+          <p:nvPr/>
+        </p:nvSpPr>
+        <p:spPr>
+          <a:xfrm>
+            <a:off x="166370" y="2604135"/>
+            <a:ext cx="9907905" cy="922020"/>
+          </a:xfrm>
+          <a:prstGeom prst="rect">
+            <a:avLst/>
+          </a:prstGeom>
+          <a:noFill/>
+        </p:spPr>
+        <p:txBody>
+          <a:bodyPr wrap="square" rtlCol="0">
+            <a:spAutoFit/>
+          </a:bodyPr>
+          <a:p>
+            <a:r>
+              <a:rPr lang="zh-CN" altLang="en-US">
+                <a:solidFill>
+                  <a:srgbClr val="FF0000"/>
+                </a:solidFill>
+              </a:rPr>
+              <a:t>这个时间状态码，不是绝对地表示现实时间与截止时间的关系，而是与任务完成状态有关系</a:t>
+            </a:r>
+            <a:endParaRPr lang="zh-CN" altLang="en-US">
+              <a:solidFill>
+                <a:srgbClr val="FF0000"/>
+              </a:solidFill>
+            </a:endParaRPr>
+          </a:p>
+          <a:p>
+            <a:r>
+              <a:rPr lang="zh-CN" altLang="en-US">
+                <a:solidFill>
+                  <a:srgbClr val="FF0000"/>
+                </a:solidFill>
+              </a:rPr>
+              <a:t>任务状态停止了，即使超时了，也不会往后改变时间状态了。</a:t>
+            </a:r>
+            <a:endParaRPr lang="zh-CN" altLang="en-US">
+              <a:solidFill>
+                <a:srgbClr val="FF0000"/>
+              </a:solidFill>
+            </a:endParaRPr>
+          </a:p>
+          <a:p>
+            <a:r>
+              <a:rPr lang="zh-CN" altLang="en-US">
+                <a:solidFill>
+                  <a:srgbClr val="FF0000"/>
+                </a:solidFill>
+              </a:rPr>
+              <a:t>如：已经</a:t>
+            </a:r>
+            <a:r>
+              <a:rPr lang="zh-CN" altLang="en-US">
+                <a:solidFill>
+                  <a:srgbClr val="FF0000"/>
+                </a:solidFill>
+                <a:highlight>
+                  <a:srgbClr val="FFFF00"/>
+                </a:highlight>
+              </a:rPr>
+              <a:t>完成</a:t>
+            </a:r>
+            <a:r>
+              <a:rPr lang="zh-CN" altLang="en-US">
+                <a:solidFill>
+                  <a:srgbClr val="FF0000"/>
+                </a:solidFill>
+              </a:rPr>
+              <a:t>的任务，时间状态码第一位就停留在当前状态，不会往</a:t>
+            </a:r>
+            <a:r>
+              <a:rPr lang="en-US" altLang="zh-CN">
+                <a:solidFill>
+                  <a:srgbClr val="FF0000"/>
+                </a:solidFill>
+              </a:rPr>
+              <a:t> 2 </a:t>
+            </a:r>
+            <a:r>
+              <a:rPr lang="zh-CN" altLang="en-US">
+                <a:solidFill>
+                  <a:srgbClr val="FF0000"/>
+                </a:solidFill>
+              </a:rPr>
+              <a:t>变了</a:t>
+            </a:r>
+            <a:r>
+              <a:rPr lang="en-US" altLang="zh-CN"/>
+              <a:t> </a:t>
+            </a:r>
+            <a:endParaRPr lang="en-US" altLang="zh-CN"/>
+          </a:p>
+        </p:txBody>
+      </p:sp>
+      <p:sp>
+        <p:nvSpPr>
+          <p:cNvPr id="24" name="文本框 23"/>
+          <p:cNvSpPr txBox="1"/>
+          <p:nvPr/>
+        </p:nvSpPr>
+        <p:spPr>
+          <a:xfrm>
+            <a:off x="166370" y="3574415"/>
+            <a:ext cx="11946890" cy="1476375"/>
+          </a:xfrm>
+          <a:prstGeom prst="rect">
+            <a:avLst/>
+          </a:prstGeom>
+          <a:noFill/>
+        </p:spPr>
+        <p:txBody>
+          <a:bodyPr wrap="square" rtlCol="0">
+            <a:spAutoFit/>
+          </a:bodyPr>
+          <a:p>
+            <a:r>
+              <a:rPr lang="en-US" altLang="zh-CN"/>
+              <a:t>Q</a:t>
+            </a:r>
+            <a:r>
+              <a:rPr lang="zh-CN" altLang="en-US"/>
+              <a:t>：为什么设计成两位，而不是一位</a:t>
+            </a:r>
+            <a:r>
+              <a:rPr lang="en-US" altLang="zh-CN"/>
+              <a:t>/</a:t>
+            </a:r>
+            <a:r>
+              <a:rPr lang="zh-CN" altLang="en-US"/>
+              <a:t>三位？</a:t>
+            </a:r>
+            <a:endParaRPr lang="en-US" altLang="zh-CN"/>
+          </a:p>
+          <a:p>
+            <a:r>
+              <a:rPr lang="en-US" altLang="zh-CN"/>
+              <a:t>A</a:t>
+            </a:r>
+            <a:r>
+              <a:rPr lang="zh-CN" altLang="en-US"/>
+              <a:t>：</a:t>
+            </a:r>
+            <a:endParaRPr lang="zh-CN" altLang="en-US"/>
+          </a:p>
+          <a:p>
+            <a:r>
+              <a:rPr lang="zh-CN" altLang="en-US"/>
+              <a:t>一位：用</a:t>
+            </a:r>
+            <a:r>
+              <a:rPr lang="en-US" altLang="zh-CN"/>
+              <a:t>0 1 2 3 </a:t>
+            </a:r>
+            <a:r>
+              <a:rPr lang="zh-CN" altLang="en-US"/>
+              <a:t>来表示</a:t>
+            </a:r>
+            <a:r>
+              <a:rPr lang="en-US" altLang="zh-CN"/>
+              <a:t> </a:t>
+            </a:r>
+            <a:r>
+              <a:rPr lang="zh-CN" altLang="en-US"/>
+              <a:t>会覆盖时间状态，区分不了补时完成任务然后默认好评</a:t>
+            </a:r>
+            <a:r>
+              <a:rPr lang="en-US" altLang="zh-CN"/>
+              <a:t> </a:t>
+            </a:r>
+            <a:r>
+              <a:rPr lang="zh-CN" altLang="en-US"/>
+              <a:t>和</a:t>
+            </a:r>
+            <a:r>
+              <a:rPr lang="en-US" altLang="zh-CN"/>
+              <a:t> </a:t>
+            </a:r>
+            <a:r>
+              <a:rPr lang="zh-CN" altLang="en-US"/>
+              <a:t>准时完成任务然后默认好评</a:t>
+            </a:r>
+            <a:r>
+              <a:rPr lang="en-US" altLang="zh-CN"/>
+              <a:t> </a:t>
+            </a:r>
+            <a:r>
+              <a:rPr lang="zh-CN" altLang="en-US"/>
+              <a:t>这两者，（都是</a:t>
+            </a:r>
+            <a:r>
+              <a:rPr lang="en-US" altLang="zh-CN"/>
+              <a:t> 2111-3</a:t>
+            </a:r>
+            <a:r>
+              <a:rPr lang="zh-CN" altLang="en-US"/>
+              <a:t>）</a:t>
+            </a:r>
+            <a:endParaRPr lang="zh-CN" altLang="en-US"/>
+          </a:p>
+          <a:p>
+            <a:r>
+              <a:rPr lang="zh-CN" altLang="en-US"/>
+              <a:t>三位</a:t>
+            </a:r>
+            <a:r>
+              <a:rPr lang="en-US" altLang="zh-CN"/>
+              <a:t> </a:t>
+            </a:r>
+            <a:r>
+              <a:rPr lang="zh-CN" altLang="en-US"/>
+              <a:t>：用</a:t>
+            </a:r>
+            <a:r>
+              <a:rPr lang="en-US" altLang="zh-CN"/>
+              <a:t>000 110 111 </a:t>
+            </a:r>
+            <a:r>
+              <a:rPr lang="zh-CN" altLang="en-US"/>
+              <a:t>这样来表示，也可以，只不过</a:t>
+            </a:r>
+            <a:r>
+              <a:rPr lang="en-US" altLang="zh-CN"/>
+              <a:t> </a:t>
+            </a:r>
+            <a:r>
+              <a:rPr lang="zh-CN" altLang="en-US"/>
+              <a:t>超出了补时仍然未完成任务，一定超出了原截止时间未完成</a:t>
+            </a:r>
+            <a:r>
+              <a:rPr lang="zh-CN" altLang="en-US"/>
+              <a:t>任务</a:t>
+            </a:r>
+            <a:endParaRPr lang="zh-CN" altLang="en-US"/>
+          </a:p>
+        </p:txBody>
+      </p:sp>
+    </p:spTree>
+  </p:cSld>
+  <p:clrMapOvr>
+    <a:masterClrMapping/>
+  </p:clrMapOvr>
+</p:sld>
+</file>
+
+<file path=ppt/slides/slide9.xml><?xml version="1.0" encoding="utf-8"?>
+<p:sld xmlns:a="http://schemas.openxmlformats.org/drawingml/2006/main" xmlns:r="http://schemas.openxmlformats.org/officeDocument/2006/relationships" xmlns:p="http://schemas.openxmlformats.org/presentationml/2006/main">
+  <p:cSld>
+    <p:spTree>
+      <p:nvGrpSpPr>
+        <p:cNvPr id="1" name=""/>
+        <p:cNvGrpSpPr/>
+        <p:nvPr/>
+      </p:nvGrpSpPr>
+      <p:grpSpPr/>
+      <p:sp>
+        <p:nvSpPr>
+          <p:cNvPr id="5" name="文本框 4"/>
+          <p:cNvSpPr txBox="1"/>
+          <p:nvPr/>
+        </p:nvSpPr>
+        <p:spPr>
+          <a:xfrm>
+            <a:off x="723265" y="173355"/>
+            <a:ext cx="1823720" cy="368300"/>
+          </a:xfrm>
+          <a:prstGeom prst="rect">
+            <a:avLst/>
+          </a:prstGeom>
+          <a:noFill/>
+        </p:spPr>
+        <p:txBody>
+          <a:bodyPr wrap="square" rtlCol="0">
+            <a:spAutoFit/>
+          </a:bodyPr>
+          <a:p>
+            <a:r>
+              <a:rPr lang="zh-CN" altLang="en-US"/>
+              <a:t>任务前后端</a:t>
+            </a:r>
+            <a:r>
+              <a:rPr lang="zh-CN" altLang="en-US"/>
+              <a:t>交互</a:t>
+            </a:r>
+            <a:endParaRPr lang="zh-CN" altLang="en-US"/>
+          </a:p>
+        </p:txBody>
+      </p:sp>
+      <p:sp>
+        <p:nvSpPr>
+          <p:cNvPr id="6" name="文本框 5"/>
+          <p:cNvSpPr txBox="1"/>
+          <p:nvPr/>
+        </p:nvSpPr>
+        <p:spPr>
+          <a:xfrm>
+            <a:off x="386080" y="857885"/>
+            <a:ext cx="2125980" cy="368300"/>
+          </a:xfrm>
+          <a:prstGeom prst="rect">
+            <a:avLst/>
+          </a:prstGeom>
+          <a:noFill/>
+        </p:spPr>
+        <p:txBody>
+          <a:bodyPr wrap="square" rtlCol="0">
+            <a:spAutoFit/>
+          </a:bodyPr>
+          <a:p>
+            <a:r>
+              <a:rPr lang="en-US" altLang="zh-CN"/>
+              <a:t>1</a:t>
+            </a:r>
+            <a:r>
+              <a:rPr lang="zh-CN" altLang="en-US"/>
+              <a:t>、领取任务</a:t>
+            </a:r>
+            <a:r>
+              <a:rPr lang="zh-CN" altLang="en-US"/>
+              <a:t>界面</a:t>
+            </a:r>
+            <a:endParaRPr lang="zh-CN" altLang="en-US"/>
+          </a:p>
+        </p:txBody>
+      </p:sp>
+      <p:sp>
+        <p:nvSpPr>
+          <p:cNvPr id="13" name="矩形 12"/>
+          <p:cNvSpPr/>
+          <p:nvPr/>
+        </p:nvSpPr>
+        <p:spPr>
+          <a:xfrm>
+            <a:off x="11128375" y="3154045"/>
+            <a:ext cx="950595" cy="915035"/>
+          </a:xfrm>
+          <a:prstGeom prst="rect">
+            <a:avLst/>
+          </a:prstGeom>
+        </p:spPr>
+        <p:style>
+          <a:lnRef idx="2">
+            <a:schemeClr val="accent1">
+              <a:lumMod val="75000"/>
+            </a:schemeClr>
+          </a:lnRef>
+          <a:fillRef idx="1">
+            <a:schemeClr val="accent1"/>
+          </a:fillRef>
+          <a:effectRef idx="0">
+            <a:srgbClr val="FFFFFF"/>
+          </a:effectRef>
+          <a:fontRef idx="minor">
+            <a:schemeClr val="lt1"/>
+          </a:fontRef>
+        </p:style>
+        <p:txBody>
+          <a:bodyPr rtlCol="0" anchor="ctr"/>
+          <a:p>
+            <a:pPr algn="ctr"/>
+            <a:r>
+              <a:rPr lang="zh-CN" altLang="en-US"/>
+              <a:t>后端</a:t>
+            </a:r>
+            <a:endParaRPr lang="zh-CN" altLang="en-US"/>
+          </a:p>
+        </p:txBody>
+      </p:sp>
+      <p:cxnSp>
+        <p:nvCxnSpPr>
+          <p:cNvPr id="14" name="直接箭头连接符 13"/>
+          <p:cNvCxnSpPr/>
+          <p:nvPr/>
+        </p:nvCxnSpPr>
+        <p:spPr>
+          <a:xfrm flipV="1">
+            <a:off x="1674495" y="1145540"/>
+            <a:ext cx="5785485" cy="878840"/>
+          </a:xfrm>
+          <a:prstGeom prst="straightConnector1">
+            <a:avLst/>
+          </a:prstGeom>
+          <a:ln>
+            <a:tailEnd type="arrow"/>
+          </a:ln>
+        </p:spPr>
+        <p:style>
+          <a:lnRef idx="2">
+            <a:schemeClr val="accent1"/>
+          </a:lnRef>
+          <a:fillRef idx="0">
+            <a:srgbClr val="FFFFFF"/>
+          </a:fillRef>
+          <a:effectRef idx="0">
+            <a:srgbClr val="FFFFFF"/>
+          </a:effectRef>
+          <a:fontRef idx="minor">
+            <a:schemeClr val="tx1"/>
+          </a:fontRef>
+        </p:style>
+      </p:cxnSp>
+      <p:cxnSp>
+        <p:nvCxnSpPr>
+          <p:cNvPr id="15" name="直接箭头连接符 14"/>
+          <p:cNvCxnSpPr/>
+          <p:nvPr/>
+        </p:nvCxnSpPr>
+        <p:spPr>
+          <a:xfrm flipH="1">
+            <a:off x="1779270" y="1449705"/>
+            <a:ext cx="5587365" cy="934085"/>
+          </a:xfrm>
+          <a:prstGeom prst="straightConnector1">
+            <a:avLst/>
+          </a:prstGeom>
+          <a:ln>
+            <a:tailEnd type="arrow"/>
+          </a:ln>
+        </p:spPr>
+        <p:style>
+          <a:lnRef idx="2">
+            <a:schemeClr val="accent1"/>
+          </a:lnRef>
+          <a:fillRef idx="0">
+            <a:srgbClr val="FFFFFF"/>
+          </a:fillRef>
+          <a:effectRef idx="0">
+            <a:srgbClr val="FFFFFF"/>
+          </a:effectRef>
+          <a:fontRef idx="minor">
+            <a:schemeClr val="tx1"/>
+          </a:fontRef>
+        </p:style>
+      </p:cxnSp>
+      <p:sp>
+        <p:nvSpPr>
+          <p:cNvPr id="16" name="文本框 15"/>
+          <p:cNvSpPr txBox="1"/>
+          <p:nvPr/>
+        </p:nvSpPr>
+        <p:spPr>
+          <a:xfrm rot="21000000">
+            <a:off x="2625090" y="652145"/>
+            <a:ext cx="5640070" cy="368300"/>
+          </a:xfrm>
+          <a:prstGeom prst="rect">
+            <a:avLst/>
+          </a:prstGeom>
+          <a:noFill/>
+        </p:spPr>
+        <p:txBody>
+          <a:bodyPr wrap="square" rtlCol="0">
+            <a:spAutoFit/>
+          </a:bodyPr>
+          <a:p>
+            <a:r>
+              <a:rPr lang="zh-CN" altLang="en-US"/>
+              <a:t>慢轮询（包含初次加载，刷新，每</a:t>
+            </a:r>
+            <a:r>
+              <a:rPr lang="en-US" altLang="zh-CN"/>
+              <a:t>1</a:t>
+            </a:r>
+            <a:r>
+              <a:rPr lang="zh-CN" altLang="en-US"/>
+              <a:t>分钟自动刷新</a:t>
+            </a:r>
+            <a:r>
+              <a:rPr lang="zh-CN" altLang="en-US"/>
+              <a:t>等等）</a:t>
+            </a:r>
+            <a:endParaRPr lang="zh-CN" altLang="en-US"/>
+          </a:p>
+        </p:txBody>
+      </p:sp>
+      <p:sp>
+        <p:nvSpPr>
+          <p:cNvPr id="17" name="文本框 16"/>
+          <p:cNvSpPr txBox="1"/>
+          <p:nvPr/>
+        </p:nvSpPr>
+        <p:spPr>
+          <a:xfrm rot="21060000">
+            <a:off x="3865880" y="1797685"/>
+            <a:ext cx="4079240" cy="368300"/>
+          </a:xfrm>
+          <a:prstGeom prst="rect">
+            <a:avLst/>
+          </a:prstGeom>
+          <a:noFill/>
+        </p:spPr>
+        <p:txBody>
+          <a:bodyPr wrap="square" rtlCol="0">
+            <a:spAutoFit/>
+          </a:bodyPr>
+          <a:p>
+            <a:r>
+              <a:rPr lang="zh-CN" altLang="en-US">
+                <a:highlight>
+                  <a:srgbClr val="FFFF00"/>
+                </a:highlight>
+              </a:rPr>
+              <a:t>完整</a:t>
+            </a:r>
+            <a:r>
+              <a:rPr lang="zh-CN" altLang="en-US"/>
+              <a:t>任务数据，</a:t>
+            </a:r>
+            <a:r>
+              <a:rPr lang="zh-CN" altLang="en-US"/>
+              <a:t>较消耗</a:t>
+            </a:r>
+            <a:r>
+              <a:rPr lang="zh-CN" altLang="en-US"/>
+              <a:t>性能</a:t>
+            </a:r>
+            <a:endParaRPr lang="zh-CN" altLang="en-US"/>
+          </a:p>
+        </p:txBody>
+      </p:sp>
+      <p:sp>
+        <p:nvSpPr>
+          <p:cNvPr id="19" name="文本框 18"/>
+          <p:cNvSpPr txBox="1"/>
+          <p:nvPr/>
+        </p:nvSpPr>
+        <p:spPr>
+          <a:xfrm>
+            <a:off x="7537450" y="1037590"/>
+            <a:ext cx="1803400" cy="645160"/>
+          </a:xfrm>
+          <a:prstGeom prst="rect">
+            <a:avLst/>
+          </a:prstGeom>
+          <a:noFill/>
+        </p:spPr>
+        <p:txBody>
+          <a:bodyPr wrap="square" rtlCol="0">
+            <a:spAutoFit/>
+          </a:bodyPr>
+          <a:p>
+            <a:r>
+              <a:rPr lang="en-US" altLang="zh-CN"/>
+              <a:t>servlet api1 /task/select</a:t>
+            </a:r>
+            <a:r>
+              <a:rPr lang="zh-CN" altLang="en-US"/>
+              <a:t>。。。</a:t>
+            </a:r>
+            <a:endParaRPr lang="zh-CN" altLang="en-US"/>
+          </a:p>
+        </p:txBody>
+      </p:sp>
+      <p:sp>
+        <p:nvSpPr>
+          <p:cNvPr id="20" name="文本框 19"/>
+          <p:cNvSpPr txBox="1"/>
+          <p:nvPr/>
+        </p:nvSpPr>
+        <p:spPr>
+          <a:xfrm rot="20760000">
+            <a:off x="5099685" y="1365250"/>
+            <a:ext cx="1010285" cy="368300"/>
+          </a:xfrm>
+          <a:prstGeom prst="rect">
+            <a:avLst/>
+          </a:prstGeom>
+          <a:noFill/>
+        </p:spPr>
+        <p:txBody>
+          <a:bodyPr wrap="square" rtlCol="0">
+            <a:spAutoFit/>
+          </a:bodyPr>
+          <a:p>
+            <a:r>
+              <a:rPr lang="en-US" altLang="zh-CN"/>
+              <a:t>axios</a:t>
+            </a:r>
+            <a:endParaRPr lang="en-US" altLang="zh-CN"/>
+          </a:p>
+        </p:txBody>
+      </p:sp>
+      <p:sp>
+        <p:nvSpPr>
+          <p:cNvPr id="21" name="文本框 20"/>
+          <p:cNvSpPr txBox="1"/>
+          <p:nvPr/>
+        </p:nvSpPr>
+        <p:spPr>
+          <a:xfrm>
+            <a:off x="7809230" y="2971165"/>
+            <a:ext cx="1378585" cy="368300"/>
+          </a:xfrm>
+          <a:prstGeom prst="rect">
+            <a:avLst/>
+          </a:prstGeom>
+          <a:noFill/>
+        </p:spPr>
+        <p:txBody>
+          <a:bodyPr wrap="square" rtlCol="0">
+            <a:spAutoFit/>
+          </a:bodyPr>
+          <a:p>
+            <a:r>
+              <a:rPr lang="en-US" altLang="zh-CN"/>
+              <a:t>endto</a:t>
+            </a:r>
+            <a:r>
+              <a:rPr lang="en-US" altLang="zh-CN"/>
+              <a:t>point</a:t>
+            </a:r>
+            <a:endParaRPr lang="en-US" altLang="zh-CN"/>
+          </a:p>
+        </p:txBody>
+      </p:sp>
+      <p:sp>
+        <p:nvSpPr>
+          <p:cNvPr id="23" name="矩形 22"/>
+          <p:cNvSpPr/>
+          <p:nvPr/>
+        </p:nvSpPr>
+        <p:spPr>
+          <a:xfrm>
+            <a:off x="427355" y="1651000"/>
+            <a:ext cx="950595" cy="915035"/>
+          </a:xfrm>
+          <a:prstGeom prst="rect">
+            <a:avLst/>
+          </a:prstGeom>
+        </p:spPr>
+        <p:style>
+          <a:lnRef idx="2">
+            <a:schemeClr val="accent1">
+              <a:lumMod val="75000"/>
+            </a:schemeClr>
+          </a:lnRef>
+          <a:fillRef idx="1">
+            <a:schemeClr val="accent1"/>
+          </a:fillRef>
+          <a:effectRef idx="0">
+            <a:srgbClr val="FFFFFF"/>
+          </a:effectRef>
+          <a:fontRef idx="minor">
+            <a:schemeClr val="lt1"/>
+          </a:fontRef>
+        </p:style>
+        <p:txBody>
+          <a:bodyPr rtlCol="0" anchor="ctr"/>
+          <a:p>
+            <a:pPr algn="ctr"/>
+            <a:r>
+              <a:rPr lang="zh-CN" altLang="en-US"/>
+              <a:t>前端</a:t>
+            </a:r>
+            <a:r>
+              <a:rPr lang="en-US" altLang="zh-CN"/>
+              <a:t>1</a:t>
+            </a:r>
+            <a:endParaRPr lang="en-US" altLang="zh-CN"/>
+          </a:p>
+        </p:txBody>
+      </p:sp>
+      <p:sp>
+        <p:nvSpPr>
+          <p:cNvPr id="26" name="右大括号 25"/>
+          <p:cNvSpPr/>
+          <p:nvPr/>
+        </p:nvSpPr>
+        <p:spPr>
+          <a:xfrm>
+            <a:off x="10433050" y="1037590"/>
+            <a:ext cx="575945" cy="5323840"/>
+          </a:xfrm>
+          <a:prstGeom prst="rightBrace">
+            <a:avLst/>
+          </a:prstGeom>
+        </p:spPr>
+        <p:style>
+          <a:lnRef idx="2">
+            <a:schemeClr val="accent1"/>
+          </a:lnRef>
+          <a:fillRef idx="0">
+            <a:srgbClr val="FFFFFF"/>
+          </a:fillRef>
+          <a:effectRef idx="0">
+            <a:srgbClr val="FFFFFF"/>
+          </a:effectRef>
+          <a:fontRef idx="minor">
+            <a:schemeClr val="tx1"/>
+          </a:fontRef>
+        </p:style>
+        <p:txBody>
+          <a:bodyPr rtlCol="0" anchor="ctr"/>
+          <a:p>
+            <a:pPr algn="ctr"/>
+            <a:endParaRPr lang="zh-CN" altLang="en-US"/>
+          </a:p>
+        </p:txBody>
+      </p:sp>
+      <p:cxnSp>
+        <p:nvCxnSpPr>
+          <p:cNvPr id="27" name="直接箭头连接符 26"/>
+          <p:cNvCxnSpPr/>
+          <p:nvPr/>
+        </p:nvCxnSpPr>
+        <p:spPr>
+          <a:xfrm flipH="1" flipV="1">
+            <a:off x="1889760" y="2598420"/>
+            <a:ext cx="5767070" cy="394970"/>
+          </a:xfrm>
+          <a:prstGeom prst="straightConnector1">
+            <a:avLst/>
+          </a:prstGeom>
+          <a:ln>
+            <a:tailEnd type="arrow"/>
+          </a:ln>
+        </p:spPr>
+        <p:style>
+          <a:lnRef idx="2">
+            <a:schemeClr val="accent1"/>
+          </a:lnRef>
+          <a:fillRef idx="0">
+            <a:srgbClr val="FFFFFF"/>
+          </a:fillRef>
+          <a:effectRef idx="0">
+            <a:srgbClr val="FFFFFF"/>
+          </a:effectRef>
+          <a:fontRef idx="minor">
+            <a:schemeClr val="tx1"/>
+          </a:fontRef>
+        </p:style>
+      </p:cxnSp>
+      <p:sp>
+        <p:nvSpPr>
+          <p:cNvPr id="28" name="文本框 27"/>
+          <p:cNvSpPr txBox="1"/>
+          <p:nvPr/>
+        </p:nvSpPr>
+        <p:spPr>
+          <a:xfrm rot="180000">
+            <a:off x="2037715" y="2849245"/>
+            <a:ext cx="5681980" cy="645160"/>
+          </a:xfrm>
+          <a:prstGeom prst="rect">
+            <a:avLst/>
+          </a:prstGeom>
+          <a:noFill/>
+        </p:spPr>
+        <p:txBody>
+          <a:bodyPr wrap="square" rtlCol="0">
+            <a:spAutoFit/>
+          </a:bodyPr>
+          <a:p>
+            <a:r>
+              <a:rPr lang="en-US" altLang="zh-CN"/>
+              <a:t>websocket message “</a:t>
+            </a:r>
+            <a:r>
+              <a:rPr lang="zh-CN" altLang="en-US"/>
+              <a:t>这个任务在</a:t>
+            </a:r>
+            <a:r>
+              <a:rPr lang="en-US" altLang="zh-CN"/>
+              <a:t>1s</a:t>
+            </a:r>
+            <a:r>
+              <a:rPr lang="zh-CN" altLang="en-US"/>
+              <a:t>前被别人领取了，你现在在</a:t>
+            </a:r>
+            <a:r>
+              <a:rPr lang="en-US" altLang="zh-CN"/>
+              <a:t>data</a:t>
+            </a:r>
+            <a:r>
+              <a:rPr lang="zh-CN" altLang="en-US"/>
+              <a:t>里删除这个待领取的任务</a:t>
+            </a:r>
+            <a:r>
+              <a:rPr lang="en-US" altLang="zh-CN"/>
+              <a:t>”</a:t>
+            </a:r>
+            <a:endParaRPr lang="zh-CN" altLang="en-US"/>
+          </a:p>
+        </p:txBody>
+      </p:sp>
+      <p:sp>
+        <p:nvSpPr>
+          <p:cNvPr id="31" name="文本框 30"/>
+          <p:cNvSpPr txBox="1"/>
+          <p:nvPr/>
+        </p:nvSpPr>
+        <p:spPr>
+          <a:xfrm>
+            <a:off x="7847965" y="2569210"/>
+            <a:ext cx="1492885" cy="368300"/>
+          </a:xfrm>
+          <a:prstGeom prst="rect">
+            <a:avLst/>
+          </a:prstGeom>
+          <a:noFill/>
+        </p:spPr>
+        <p:txBody>
+          <a:bodyPr wrap="square" rtlCol="0">
+            <a:spAutoFit/>
+          </a:bodyPr>
+          <a:p>
+            <a:r>
+              <a:rPr lang="zh-CN" altLang="en-US">
+                <a:highlight>
+                  <a:srgbClr val="FFFF00"/>
+                </a:highlight>
+              </a:rPr>
+              <a:t>全双工连接</a:t>
+            </a:r>
+            <a:endParaRPr lang="zh-CN" altLang="en-US">
+              <a:highlight>
+                <a:srgbClr val="FFFF00"/>
+              </a:highlight>
+            </a:endParaRPr>
+          </a:p>
+        </p:txBody>
+      </p:sp>
+      <p:sp>
+        <p:nvSpPr>
+          <p:cNvPr id="33" name="矩形 32"/>
+          <p:cNvSpPr/>
+          <p:nvPr/>
+        </p:nvSpPr>
+        <p:spPr>
+          <a:xfrm>
+            <a:off x="427355" y="5036185"/>
+            <a:ext cx="950595" cy="915035"/>
+          </a:xfrm>
+          <a:prstGeom prst="rect">
+            <a:avLst/>
+          </a:prstGeom>
+        </p:spPr>
+        <p:style>
+          <a:lnRef idx="2">
+            <a:schemeClr val="accent1">
+              <a:lumMod val="75000"/>
+            </a:schemeClr>
+          </a:lnRef>
+          <a:fillRef idx="1">
+            <a:schemeClr val="accent1"/>
+          </a:fillRef>
+          <a:effectRef idx="0">
+            <a:srgbClr val="FFFFFF"/>
+          </a:effectRef>
+          <a:fontRef idx="minor">
+            <a:schemeClr val="lt1"/>
+          </a:fontRef>
+        </p:style>
+        <p:txBody>
+          <a:bodyPr rtlCol="0" anchor="ctr"/>
+          <a:p>
+            <a:pPr algn="ctr"/>
+            <a:r>
+              <a:rPr lang="zh-CN" altLang="en-US"/>
+              <a:t>前端</a:t>
+            </a:r>
+            <a:r>
+              <a:rPr lang="en-US" altLang="zh-CN"/>
+              <a:t>2</a:t>
+            </a:r>
+            <a:endParaRPr lang="en-US" altLang="zh-CN"/>
+          </a:p>
+        </p:txBody>
+      </p:sp>
+      <p:cxnSp>
+        <p:nvCxnSpPr>
+          <p:cNvPr id="34" name="直接箭头连接符 33"/>
+          <p:cNvCxnSpPr/>
+          <p:nvPr/>
+        </p:nvCxnSpPr>
+        <p:spPr>
+          <a:xfrm rot="420000" flipV="1">
+            <a:off x="1524000" y="4620895"/>
+            <a:ext cx="6002655" cy="1023620"/>
+          </a:xfrm>
+          <a:prstGeom prst="straightConnector1">
+            <a:avLst/>
+          </a:prstGeom>
+          <a:ln>
+            <a:tailEnd type="arrow"/>
+          </a:ln>
+        </p:spPr>
+        <p:style>
+          <a:lnRef idx="2">
+            <a:schemeClr val="accent1"/>
+          </a:lnRef>
+          <a:fillRef idx="0">
+            <a:srgbClr val="FFFFFF"/>
+          </a:fillRef>
+          <a:effectRef idx="0">
+            <a:srgbClr val="FFFFFF"/>
+          </a:effectRef>
+          <a:fontRef idx="minor">
+            <a:schemeClr val="tx1"/>
+          </a:fontRef>
+        </p:style>
+      </p:cxnSp>
+      <p:cxnSp>
+        <p:nvCxnSpPr>
+          <p:cNvPr id="36" name="直接箭头连接符 35"/>
+          <p:cNvCxnSpPr/>
+          <p:nvPr/>
+        </p:nvCxnSpPr>
+        <p:spPr>
+          <a:xfrm rot="420000" flipH="1">
+            <a:off x="1697990" y="4935220"/>
+            <a:ext cx="5841365" cy="970280"/>
+          </a:xfrm>
+          <a:prstGeom prst="straightConnector1">
+            <a:avLst/>
+          </a:prstGeom>
+          <a:ln>
+            <a:tailEnd type="arrow"/>
+          </a:ln>
+        </p:spPr>
+        <p:style>
+          <a:lnRef idx="2">
+            <a:schemeClr val="accent1"/>
+          </a:lnRef>
+          <a:fillRef idx="0">
+            <a:srgbClr val="FFFFFF"/>
+          </a:fillRef>
+          <a:effectRef idx="0">
+            <a:srgbClr val="FFFFFF"/>
+          </a:effectRef>
+          <a:fontRef idx="minor">
+            <a:schemeClr val="tx1"/>
+          </a:fontRef>
+        </p:style>
+      </p:cxnSp>
+      <p:sp>
+        <p:nvSpPr>
+          <p:cNvPr id="38" name="文本框 37"/>
+          <p:cNvSpPr txBox="1"/>
+          <p:nvPr/>
+        </p:nvSpPr>
+        <p:spPr>
+          <a:xfrm>
+            <a:off x="7732395" y="4726940"/>
+            <a:ext cx="1855470" cy="810895"/>
+          </a:xfrm>
+          <a:prstGeom prst="rect">
+            <a:avLst/>
+          </a:prstGeom>
+          <a:noFill/>
+        </p:spPr>
+        <p:txBody>
+          <a:bodyPr wrap="square" rtlCol="0">
+            <a:noAutofit/>
+          </a:bodyPr>
+          <a:p>
+            <a:r>
+              <a:rPr lang="en-US" altLang="zh-CN"/>
+              <a:t>servlet   api2</a:t>
+            </a:r>
+            <a:endParaRPr lang="en-US" altLang="zh-CN"/>
+          </a:p>
+          <a:p>
+            <a:r>
+              <a:rPr lang="en-US" altLang="zh-CN"/>
+              <a:t>/task/take</a:t>
+            </a:r>
+            <a:r>
+              <a:rPr lang="zh-CN" altLang="en-US"/>
+              <a:t>。。。</a:t>
+            </a:r>
+            <a:endParaRPr lang="zh-CN" altLang="en-US"/>
+          </a:p>
+        </p:txBody>
+      </p:sp>
+      <p:sp>
+        <p:nvSpPr>
+          <p:cNvPr id="39" name="文本框 38"/>
+          <p:cNvSpPr txBox="1"/>
+          <p:nvPr/>
+        </p:nvSpPr>
+        <p:spPr>
+          <a:xfrm>
+            <a:off x="3683635" y="4615815"/>
+            <a:ext cx="2027555" cy="368300"/>
+          </a:xfrm>
+          <a:prstGeom prst="rect">
+            <a:avLst/>
+          </a:prstGeom>
+          <a:noFill/>
+        </p:spPr>
+        <p:txBody>
+          <a:bodyPr wrap="square" rtlCol="0">
+            <a:spAutoFit/>
+          </a:bodyPr>
+          <a:p>
+            <a:r>
+              <a:rPr lang="zh-CN" altLang="en-US"/>
+              <a:t>领取这个</a:t>
+            </a:r>
+            <a:r>
+              <a:rPr lang="zh-CN" altLang="en-US"/>
+              <a:t>任务</a:t>
+            </a:r>
+            <a:endParaRPr lang="zh-CN" altLang="en-US"/>
+          </a:p>
+        </p:txBody>
+      </p:sp>
+      <p:sp>
+        <p:nvSpPr>
+          <p:cNvPr id="40" name="文本框 39"/>
+          <p:cNvSpPr txBox="1"/>
+          <p:nvPr/>
+        </p:nvSpPr>
+        <p:spPr>
+          <a:xfrm rot="21420000">
+            <a:off x="4704715" y="5049520"/>
+            <a:ext cx="958850" cy="368300"/>
+          </a:xfrm>
+          <a:prstGeom prst="rect">
+            <a:avLst/>
+          </a:prstGeom>
+          <a:noFill/>
+        </p:spPr>
+        <p:txBody>
+          <a:bodyPr wrap="square" rtlCol="0">
+            <a:spAutoFit/>
+          </a:bodyPr>
+          <a:p>
+            <a:r>
+              <a:rPr lang="en-US" altLang="zh-CN"/>
+              <a:t>axios</a:t>
+            </a:r>
+            <a:endParaRPr lang="en-US" altLang="zh-CN"/>
+          </a:p>
+        </p:txBody>
+      </p:sp>
+      <p:sp>
+        <p:nvSpPr>
+          <p:cNvPr id="41" name="文本框 40"/>
+          <p:cNvSpPr txBox="1"/>
+          <p:nvPr/>
+        </p:nvSpPr>
+        <p:spPr>
+          <a:xfrm>
+            <a:off x="4605020" y="5383530"/>
+            <a:ext cx="1492885" cy="368300"/>
+          </a:xfrm>
+          <a:prstGeom prst="rect">
+            <a:avLst/>
+          </a:prstGeom>
+          <a:noFill/>
+        </p:spPr>
+        <p:txBody>
+          <a:bodyPr wrap="square" rtlCol="0">
+            <a:spAutoFit/>
+          </a:bodyPr>
+          <a:p>
+            <a:r>
+              <a:rPr lang="en-US" altLang="zh-CN"/>
+              <a:t>status</a:t>
+            </a:r>
+            <a:r>
+              <a:rPr lang="zh-CN" altLang="en-US"/>
+              <a:t>：</a:t>
+            </a:r>
+            <a:r>
+              <a:rPr lang="en-US" altLang="zh-CN"/>
+              <a:t>true</a:t>
+            </a:r>
+            <a:endParaRPr lang="en-US" altLang="zh-CN"/>
+          </a:p>
+        </p:txBody>
+      </p:sp>
+      <p:cxnSp>
+        <p:nvCxnSpPr>
+          <p:cNvPr id="42" name="直接箭头连接符 41"/>
+          <p:cNvCxnSpPr/>
+          <p:nvPr/>
+        </p:nvCxnSpPr>
+        <p:spPr>
+          <a:xfrm flipV="1">
+            <a:off x="8526145" y="3491865"/>
+            <a:ext cx="6350" cy="1136015"/>
+          </a:xfrm>
+          <a:prstGeom prst="straightConnector1">
+            <a:avLst/>
+          </a:prstGeom>
+          <a:ln>
+            <a:tailEnd type="arrow"/>
+          </a:ln>
+        </p:spPr>
+        <p:style>
+          <a:lnRef idx="2">
+            <a:schemeClr val="accent1"/>
+          </a:lnRef>
+          <a:fillRef idx="0">
+            <a:srgbClr val="FFFFFF"/>
+          </a:fillRef>
+          <a:effectRef idx="0">
+            <a:srgbClr val="FFFFFF"/>
+          </a:effectRef>
+          <a:fontRef idx="minor">
+            <a:schemeClr val="tx1"/>
+          </a:fontRef>
+        </p:style>
+      </p:cxnSp>
+      <p:sp>
+        <p:nvSpPr>
+          <p:cNvPr id="43" name="文本框 42"/>
+          <p:cNvSpPr txBox="1"/>
+          <p:nvPr/>
+        </p:nvSpPr>
+        <p:spPr>
+          <a:xfrm>
+            <a:off x="8555990" y="3565525"/>
+            <a:ext cx="749300" cy="368300"/>
+          </a:xfrm>
+          <a:prstGeom prst="rect">
+            <a:avLst/>
+          </a:prstGeom>
+          <a:noFill/>
+        </p:spPr>
+        <p:txBody>
+          <a:bodyPr wrap="square" rtlCol="0">
+            <a:spAutoFit/>
+          </a:bodyPr>
+          <a:p>
+            <a:r>
+              <a:rPr lang="zh-CN" altLang="en-US"/>
+              <a:t>转发</a:t>
+            </a:r>
+            <a:endParaRPr lang="zh-CN" altLang="en-US"/>
+          </a:p>
+        </p:txBody>
+      </p:sp>
+      <p:sp>
+        <p:nvSpPr>
+          <p:cNvPr id="45" name="矩形 44"/>
+          <p:cNvSpPr/>
+          <p:nvPr/>
+        </p:nvSpPr>
+        <p:spPr>
+          <a:xfrm>
+            <a:off x="554355" y="1778000"/>
+            <a:ext cx="950595" cy="915035"/>
+          </a:xfrm>
+          <a:prstGeom prst="rect">
+            <a:avLst/>
+          </a:prstGeom>
+        </p:spPr>
+        <p:style>
+          <a:lnRef idx="2">
+            <a:schemeClr val="accent1">
+              <a:lumMod val="75000"/>
+            </a:schemeClr>
+          </a:lnRef>
+          <a:fillRef idx="1">
+            <a:schemeClr val="accent1"/>
+          </a:fillRef>
+          <a:effectRef idx="0">
+            <a:srgbClr val="FFFFFF"/>
+          </a:effectRef>
+          <a:fontRef idx="minor">
+            <a:schemeClr val="lt1"/>
+          </a:fontRef>
+        </p:style>
+        <p:txBody>
+          <a:bodyPr rtlCol="0" anchor="ctr"/>
+          <a:p>
+            <a:pPr algn="ctr"/>
+            <a:r>
+              <a:rPr lang="zh-CN" altLang="en-US"/>
+              <a:t>前端</a:t>
+            </a:r>
+            <a:r>
+              <a:rPr lang="en-US" altLang="zh-CN"/>
+              <a:t>1</a:t>
+            </a:r>
+            <a:endParaRPr lang="en-US" altLang="zh-CN"/>
+          </a:p>
+        </p:txBody>
+      </p:sp>
+      <p:sp>
+        <p:nvSpPr>
+          <p:cNvPr id="49" name="文本框 48"/>
+          <p:cNvSpPr txBox="1"/>
+          <p:nvPr/>
+        </p:nvSpPr>
+        <p:spPr>
+          <a:xfrm>
+            <a:off x="9673590" y="3123565"/>
+            <a:ext cx="969010" cy="368300"/>
+          </a:xfrm>
+          <a:prstGeom prst="rect">
+            <a:avLst/>
+          </a:prstGeom>
+          <a:noFill/>
+        </p:spPr>
+        <p:txBody>
+          <a:bodyPr wrap="square" rtlCol="0">
+            <a:spAutoFit/>
+          </a:bodyPr>
+          <a:p>
+            <a:r>
+              <a:rPr lang="en-US" altLang="zh-CN"/>
+              <a:t>mysql</a:t>
+            </a:r>
+            <a:endParaRPr lang="en-US" altLang="zh-CN"/>
+          </a:p>
+        </p:txBody>
+      </p:sp>
+      <p:cxnSp>
+        <p:nvCxnSpPr>
+          <p:cNvPr id="52" name="直接箭头连接符 51"/>
+          <p:cNvCxnSpPr/>
+          <p:nvPr/>
+        </p:nvCxnSpPr>
+        <p:spPr>
+          <a:xfrm flipV="1">
+            <a:off x="9558655" y="3633470"/>
+            <a:ext cx="384810" cy="1231265"/>
+          </a:xfrm>
+          <a:prstGeom prst="straightConnector1">
+            <a:avLst/>
+          </a:prstGeom>
+          <a:ln>
+            <a:tailEnd type="arrow"/>
+          </a:ln>
+        </p:spPr>
+        <p:style>
+          <a:lnRef idx="2">
+            <a:schemeClr val="accent1"/>
+          </a:lnRef>
+          <a:fillRef idx="0">
+            <a:srgbClr val="FFFFFF"/>
+          </a:fillRef>
+          <a:effectRef idx="0">
+            <a:srgbClr val="FFFFFF"/>
+          </a:effectRef>
+          <a:fontRef idx="minor">
+            <a:schemeClr val="tx1"/>
+          </a:fontRef>
+        </p:style>
+      </p:cxnSp>
+      <p:cxnSp>
+        <p:nvCxnSpPr>
+          <p:cNvPr id="53" name="直接箭头连接符 52"/>
+          <p:cNvCxnSpPr/>
+          <p:nvPr/>
+        </p:nvCxnSpPr>
+        <p:spPr>
+          <a:xfrm flipH="1" flipV="1">
+            <a:off x="9025890" y="1773555"/>
+            <a:ext cx="1064895" cy="1186180"/>
+          </a:xfrm>
+          <a:prstGeom prst="straightConnector1">
+            <a:avLst/>
+          </a:prstGeom>
+          <a:ln>
+            <a:tailEnd type="arrow"/>
+          </a:ln>
+        </p:spPr>
+        <p:style>
+          <a:lnRef idx="2">
+            <a:schemeClr val="accent1"/>
+          </a:lnRef>
+          <a:fillRef idx="0">
+            <a:srgbClr val="FFFFFF"/>
+          </a:fillRef>
+          <a:effectRef idx="0">
+            <a:srgbClr val="FFFFFF"/>
+          </a:effectRef>
+          <a:fontRef idx="minor">
+            <a:schemeClr val="tx1"/>
+          </a:fontRef>
+        </p:style>
+      </p:cxnSp>
     </p:spTree>
   </p:cSld>
   <p:clrMapOvr>
@@ -6870,6 +13239,43 @@
 
 <file path=ppt/tags/tag72.xml><?xml version="1.0" encoding="utf-8"?>
 <p:tagLst xmlns:p="http://schemas.openxmlformats.org/presentationml/2006/main">
+  <p:tag name="KSO_WM_BEAUTIFY_FLAG" val="#wm#"/>
+  <p:tag name="KSO_WM_TEMPLATE_CATEGORY" val="custom"/>
+  <p:tag name="KSO_WM_TEMPLATE_INDEX" val="20205081"/>
+</p:tagLst>
+</file>
+
+<file path=ppt/tags/tag73.xml><?xml version="1.0" encoding="utf-8"?>
+<p:tagLst xmlns:p="http://schemas.openxmlformats.org/presentationml/2006/main">
+  <p:tag name="KSO_WM_SLIDE_ID" val="custom20205081_1"/>
+  <p:tag name="KSO_WM_TEMPLATE_SUBCATEGORY" val="19"/>
+  <p:tag name="KSO_WM_TEMPLATE_MASTER_TYPE" val="0"/>
+  <p:tag name="KSO_WM_TEMPLATE_COLOR_TYPE" val="1"/>
+  <p:tag name="KSO_WM_SLIDE_TYPE" val="title"/>
+  <p:tag name="KSO_WM_SLIDE_SUBTYPE" val="defaultBlank"/>
+  <p:tag name="KSO_WM_SLIDE_ITEM_CNT" val="0"/>
+  <p:tag name="KSO_WM_SLIDE_INDEX" val="1"/>
+  <p:tag name="KSO_WM_TAG_VERSION" val="1.0"/>
+  <p:tag name="KSO_WM_BEAUTIFY_FLAG" val="#wm#"/>
+  <p:tag name="KSO_WM_TEMPLATE_CATEGORY" val="custom"/>
+  <p:tag name="KSO_WM_TEMPLATE_INDEX" val="20205081"/>
+  <p:tag name="KSO_WM_SLIDE_LAYOUT" val="a_b"/>
+  <p:tag name="KSO_WM_SLIDE_LAYOUT_CNT" val="1_1"/>
+  <p:tag name="KSO_WM_UNIT_SHOW_EDIT_AREA_INDICATION" val="1"/>
+  <p:tag name="KSO_WM_TEMPLATE_THUMBS_INDEX" val="1、4、7、12、13、14、15、16、17、18、20、24、25、28、33、36、40、43、44"/>
+</p:tagLst>
+</file>
+
+<file path=ppt/tags/tag74.xml><?xml version="1.0" encoding="utf-8"?>
+<p:tagLst xmlns:p="http://schemas.openxmlformats.org/presentationml/2006/main">
+  <p:tag name="KSO_WM_BEAUTIFY_FLAG" val="#wm#"/>
+  <p:tag name="KSO_WM_TEMPLATE_CATEGORY" val="custom"/>
+  <p:tag name="KSO_WM_TEMPLATE_INDEX" val="20205081"/>
+</p:tagLst>
+</file>
+
+<file path=ppt/tags/tag75.xml><?xml version="1.0" encoding="utf-8"?>
+<p:tagLst xmlns:p="http://schemas.openxmlformats.org/presentationml/2006/main">
   <p:tag name="commondata" val="eyJoZGlkIjoiMWM4MmVkOTA1MjFjYzMwZWNmZGFhODliZDBjZWU4YWMifQ=="/>
 </p:tagLst>
 </file>
@@ -7089,4 +13495,263 @@
     </a:ext>
   </a:extLst>
 </a:theme>
+</file>
+
+<file path=ppt/theme/theme2.xml><?xml version="1.0" encoding="utf-8"?>
+<a:theme xmlns:a="http://schemas.openxmlformats.org/drawingml/2006/main" name="Office 主题">
+  <a:themeElements>
+    <a:clrScheme name="Office">
+      <a:dk1>
+        <a:sysClr val="windowText" lastClr="000000"/>
+      </a:dk1>
+      <a:lt1>
+        <a:sysClr val="window" lastClr="FFFFFF"/>
+      </a:lt1>
+      <a:dk2>
+        <a:srgbClr val="44546A"/>
+      </a:dk2>
+      <a:lt2>
+        <a:srgbClr val="E7E6E6"/>
+      </a:lt2>
+      <a:accent1>
+        <a:srgbClr val="5B9BD5"/>
+      </a:accent1>
+      <a:accent2>
+        <a:srgbClr val="ED7D31"/>
+      </a:accent2>
+      <a:accent3>
+        <a:srgbClr val="A5A5A5"/>
+      </a:accent3>
+      <a:accent4>
+        <a:srgbClr val="FFC000"/>
+      </a:accent4>
+      <a:accent5>
+        <a:srgbClr val="4472C4"/>
+      </a:accent5>
+      <a:accent6>
+        <a:srgbClr val="70AD47"/>
+      </a:accent6>
+      <a:hlink>
+        <a:srgbClr val="0563C1"/>
+      </a:hlink>
+      <a:folHlink>
+        <a:srgbClr val="954F72"/>
+      </a:folHlink>
+    </a:clrScheme>
+    <a:fontScheme name="Office">
+      <a:majorFont>
+        <a:latin typeface="Calibri Light"/>
+        <a:ea typeface=""/>
+        <a:cs typeface=""/>
+        <a:font script="Jpan" typeface="ＭＳ Ｐゴシック"/>
+        <a:font script="Hang" typeface="맑은 고딕"/>
+        <a:font script="Hans" typeface="宋体"/>
+        <a:font script="Hant" typeface="新細明體"/>
+        <a:font script="Arab" typeface="Times New Roman"/>
+        <a:font script="Hebr" typeface="Times New Roman"/>
+        <a:font script="Thai" typeface="Angsana New"/>
+        <a:font script="Ethi" typeface="Nyala"/>
+        <a:font script="Beng" typeface="Vrinda"/>
+        <a:font script="Gujr" typeface="Shruti"/>
+        <a:font script="Khmr" typeface="MoolBoran"/>
+        <a:font script="Knda" typeface="Tunga"/>
+        <a:font script="Guru" typeface="Raavi"/>
+        <a:font script="Cans" typeface="Euphemia"/>
+        <a:font script="Cher" typeface="Plantagenet Cherokee"/>
+        <a:font script="Yiii" typeface="Microsoft Yi Baiti"/>
+        <a:font script="Tibt" typeface="Microsoft Himalaya"/>
+        <a:font script="Thaa" typeface="MV Boli"/>
+        <a:font script="Deva" typeface="Mangal"/>
+        <a:font script="Telu" typeface="Gautami"/>
+        <a:font script="Taml" typeface="Latha"/>
+        <a:font script="Syrc" typeface="Estrangelo Edessa"/>
+        <a:font script="Orya" typeface="Kalinga"/>
+        <a:font script="Mlym" typeface="Kartika"/>
+        <a:font script="Laoo" typeface="DokChampa"/>
+        <a:font script="Sinh" typeface="Iskoola Pota"/>
+        <a:font script="Mong" typeface="Mongolian Baiti"/>
+        <a:font script="Viet" typeface="Times New Roman"/>
+        <a:font script="Uigh" typeface="Microsoft Uighur"/>
+        <a:font script="Geor" typeface="Sylfaen"/>
+      </a:majorFont>
+      <a:minorFont>
+        <a:latin typeface="Calibri"/>
+        <a:ea typeface=""/>
+        <a:cs typeface=""/>
+        <a:font script="Jpan" typeface="ＭＳ Ｐゴシック"/>
+        <a:font script="Hang" typeface="맑은 고딕"/>
+        <a:font script="Hans" typeface="宋体"/>
+        <a:font script="Hant" typeface="新細明體"/>
+        <a:font script="Arab" typeface="Arial"/>
+        <a:font script="Hebr" typeface="Arial"/>
+        <a:font script="Thai" typeface="Cordia New"/>
+        <a:font script="Ethi" typeface="Nyala"/>
+        <a:font script="Beng" typeface="Vrinda"/>
+        <a:font script="Gujr" typeface="Shruti"/>
+        <a:font script="Khmr" typeface="DaunPenh"/>
+        <a:font script="Knda" typeface="Tunga"/>
+        <a:font script="Guru" typeface="Raavi"/>
+        <a:font script="Cans" typeface="Euphemia"/>
+        <a:font script="Cher" typeface="Plantagenet Cherokee"/>
+        <a:font script="Yiii" typeface="Microsoft Yi Baiti"/>
+        <a:font script="Tibt" typeface="Microsoft Himalaya"/>
+        <a:font script="Thaa" typeface="MV Boli"/>
+        <a:font script="Deva" typeface="Mangal"/>
+        <a:font script="Telu" typeface="Gautami"/>
+        <a:font script="Taml" typeface="Latha"/>
+        <a:font script="Syrc" typeface="Estrangelo Edessa"/>
+        <a:font script="Orya" typeface="Kalinga"/>
+        <a:font script="Mlym" typeface="Kartika"/>
+        <a:font script="Laoo" typeface="DokChampa"/>
+        <a:font script="Sinh" typeface="Iskoola Pota"/>
+        <a:font script="Mong" typeface="Mongolian Baiti"/>
+        <a:font script="Viet" typeface="Arial"/>
+        <a:font script="Uigh" typeface="Microsoft Uighur"/>
+        <a:font script="Geor" typeface="Sylfaen"/>
+      </a:minorFont>
+    </a:fontScheme>
+    <a:fmtScheme name="Office">
+      <a:fillStyleLst>
+        <a:solidFill>
+          <a:schemeClr val="phClr"/>
+        </a:solidFill>
+        <a:gradFill rotWithShape="1">
+          <a:gsLst>
+            <a:gs pos="0">
+              <a:schemeClr val="phClr">
+                <a:lumMod val="110000"/>
+                <a:satMod val="105000"/>
+                <a:tint val="67000"/>
+              </a:schemeClr>
+            </a:gs>
+            <a:gs pos="50000">
+              <a:schemeClr val="phClr">
+                <a:lumMod val="105000"/>
+                <a:satMod val="103000"/>
+                <a:tint val="73000"/>
+              </a:schemeClr>
+            </a:gs>
+            <a:gs pos="100000">
+              <a:schemeClr val="phClr">
+                <a:lumMod val="105000"/>
+                <a:satMod val="109000"/>
+                <a:tint val="81000"/>
+              </a:schemeClr>
+            </a:gs>
+          </a:gsLst>
+          <a:lin ang="5400000" scaled="0"/>
+        </a:gradFill>
+        <a:gradFill rotWithShape="1">
+          <a:gsLst>
+            <a:gs pos="0">
+              <a:schemeClr val="phClr">
+                <a:satMod val="103000"/>
+                <a:lumMod val="102000"/>
+                <a:tint val="94000"/>
+              </a:schemeClr>
+            </a:gs>
+            <a:gs pos="50000">
+              <a:schemeClr val="phClr">
+                <a:satMod val="110000"/>
+                <a:lumMod val="100000"/>
+                <a:shade val="100000"/>
+              </a:schemeClr>
+            </a:gs>
+            <a:gs pos="100000">
+              <a:schemeClr val="phClr">
+                <a:lumMod val="99000"/>
+                <a:satMod val="120000"/>
+                <a:shade val="78000"/>
+              </a:schemeClr>
+            </a:gs>
+          </a:gsLst>
+          <a:lin ang="5400000" scaled="0"/>
+        </a:gradFill>
+      </a:fillStyleLst>
+      <a:lnStyleLst>
+        <a:ln w="6350" cap="flat" cmpd="sng" algn="ctr">
+          <a:solidFill>
+            <a:schemeClr val="phClr"/>
+          </a:solidFill>
+          <a:prstDash val="solid"/>
+          <a:miter lim="800000"/>
+        </a:ln>
+        <a:ln w="12700" cap="flat" cmpd="sng" algn="ctr">
+          <a:solidFill>
+            <a:schemeClr val="phClr"/>
+          </a:solidFill>
+          <a:prstDash val="solid"/>
+          <a:miter lim="800000"/>
+        </a:ln>
+        <a:ln w="19050" cap="flat" cmpd="sng" algn="ctr">
+          <a:solidFill>
+            <a:schemeClr val="phClr"/>
+          </a:solidFill>
+          <a:prstDash val="solid"/>
+          <a:miter lim="800000"/>
+        </a:ln>
+      </a:lnStyleLst>
+      <a:effectStyleLst>
+        <a:effectStyle>
+          <a:effectLst/>
+        </a:effectStyle>
+        <a:effectStyle>
+          <a:effectLst/>
+        </a:effectStyle>
+        <a:effectStyle>
+          <a:effectLst>
+            <a:outerShdw blurRad="57150" dist="19050" dir="5400000" algn="ctr" rotWithShape="0">
+              <a:srgbClr val="000000">
+                <a:alpha val="63000"/>
+              </a:srgbClr>
+            </a:outerShdw>
+          </a:effectLst>
+        </a:effectStyle>
+      </a:effectStyleLst>
+      <a:bgFillStyleLst>
+        <a:solidFill>
+          <a:schemeClr val="phClr"/>
+        </a:solidFill>
+        <a:solidFill>
+          <a:schemeClr val="phClr">
+            <a:tint val="95000"/>
+            <a:satMod val="170000"/>
+          </a:schemeClr>
+        </a:solidFill>
+        <a:gradFill rotWithShape="1">
+          <a:gsLst>
+            <a:gs pos="0">
+              <a:schemeClr val="phClr">
+                <a:tint val="93000"/>
+                <a:satMod val="150000"/>
+                <a:shade val="98000"/>
+                <a:lumMod val="102000"/>
+              </a:schemeClr>
+            </a:gs>
+            <a:gs pos="50000">
+              <a:schemeClr val="phClr">
+                <a:tint val="98000"/>
+                <a:satMod val="130000"/>
+                <a:shade val="90000"/>
+                <a:lumMod val="103000"/>
+              </a:schemeClr>
+            </a:gs>
+            <a:gs pos="100000">
+              <a:schemeClr val="phClr">
+                <a:shade val="63000"/>
+                <a:satMod val="120000"/>
+              </a:schemeClr>
+            </a:gs>
+          </a:gsLst>
+          <a:lin ang="5400000" scaled="0"/>
+        </a:gradFill>
+      </a:bgFillStyleLst>
+    </a:fmtScheme>
+  </a:themeElements>
+  <a:extLst>
+    <a:ext uri="{05A4C25C-085E-4340-85A3-A5531E510DB2}">
+      <thm15:themeFamily xmlns:thm15="http://schemas.microsoft.com/office/thememl/2012/main" name="Office Theme" id="{62F939B6-93AF-4DB8-9C6B-D6C7DFDC589F}" vid="{4A3C46E8-61CC-4603-A589-7422A47A8E4A}"/>
+    </a:ext>
+  </a:extLst>
+</a:theme>
 </file>
--- a/其他资料/项目架构.pptx
+++ b/其他资料/项目架构.pptx
@@ -5,7 +5,7 @@
     <p:sldMasterId id="2147483648" r:id="rId1"/>
   </p:sldMasterIdLst>
   <p:notesMasterIdLst>
-    <p:notesMasterId r:id="rId13"/>
+    <p:notesMasterId r:id="rId16"/>
   </p:notesMasterIdLst>
   <p:sldIdLst>
     <p:sldId id="256" r:id="rId3"/>
@@ -18,11 +18,14 @@
     <p:sldId id="260" r:id="rId10"/>
     <p:sldId id="262" r:id="rId11"/>
     <p:sldId id="269" r:id="rId12"/>
+    <p:sldId id="271" r:id="rId13"/>
+    <p:sldId id="272" r:id="rId14"/>
+    <p:sldId id="273" r:id="rId15"/>
   </p:sldIdLst>
   <p:sldSz cx="12192000" cy="6858000"/>
   <p:notesSz cx="6858000" cy="9144000"/>
   <p:custDataLst>
-    <p:tags r:id="rId17"/>
+    <p:tags r:id="rId20"/>
   </p:custDataLst>
   <p:defaultTextStyle>
     <a:defPPr>
@@ -127,7 +130,7 @@
             <a:srgbClr val="A4A3A4"/>
           </p15:clr>
         </p15:guide>
-        <p15:guide id="2" pos="3838" userDrawn="1">
+        <p15:guide id="2" pos="3842" userDrawn="1">
           <p15:clr>
             <a:srgbClr val="A4A3A4"/>
           </p15:clr>
@@ -5707,7 +5710,7 @@
         </p:nvSpPr>
         <p:spPr>
           <a:xfrm>
-            <a:off x="250190" y="488950"/>
+            <a:off x="250190" y="483235"/>
             <a:ext cx="11685905" cy="5059680"/>
           </a:xfrm>
           <a:prstGeom prst="rect">
@@ -6020,19 +6023,68 @@
           <a:p>
             <a:r>
               <a:rPr lang="en-US" altLang="zh-CN"/>
-              <a:t>“D” :  </a:t>
-            </a:r>
-            <a:r>
-              <a:rPr lang="zh-CN" altLang="en-US"/>
-              <a:t>任务的增删改</a:t>
-            </a:r>
-            <a:r>
-              <a:rPr lang="en-US" altLang="zh-CN"/>
-              <a:t>      //</a:t>
-            </a:r>
-            <a:r>
-              <a:rPr lang="zh-CN" altLang="en-US"/>
-              <a:t>待设计</a:t>
+              <a:t>“insert” </a:t>
+            </a:r>
+            <a:r>
+              <a:rPr lang="zh-CN" altLang="en-US"/>
+              <a:t>：任务</a:t>
+            </a:r>
+            <a:r>
+              <a:rPr lang="zh-CN" altLang="en-US"/>
+              <a:t>新增</a:t>
+            </a:r>
+            <a:endParaRPr lang="zh-CN" altLang="en-US"/>
+          </a:p>
+          <a:p>
+            <a:r>
+              <a:rPr lang="en-US" altLang="zh-CN"/>
+              <a:t>“delete” </a:t>
+            </a:r>
+            <a:r>
+              <a:rPr lang="zh-CN" altLang="en-US"/>
+              <a:t>：任务删除（任务被别人取消）</a:t>
+            </a:r>
+            <a:r>
+              <a:rPr lang="en-US" altLang="zh-CN"/>
+              <a:t>     </a:t>
+            </a:r>
+            <a:endParaRPr lang="en-US" altLang="zh-CN"/>
+          </a:p>
+          <a:p>
+            <a:r>
+              <a:rPr lang="en-US" altLang="zh-CN"/>
+              <a:t>{    Type : “delete”,ID </a:t>
+            </a:r>
+            <a:r>
+              <a:rPr lang="zh-CN" altLang="en-US"/>
+              <a:t>：</a:t>
+            </a:r>
+            <a:r>
+              <a:rPr lang="en-US" altLang="zh-CN"/>
+              <a:t> </a:t>
+            </a:r>
+            <a:r>
+              <a:rPr lang="en-US" altLang="zh-CN"/>
+              <a:t>xx}</a:t>
+            </a:r>
+            <a:endParaRPr lang="en-US" altLang="zh-CN"/>
+          </a:p>
+          <a:p>
+            <a:r>
+              <a:rPr lang="en-US" altLang="zh-CN"/>
+              <a:t>“update” </a:t>
+            </a:r>
+            <a:r>
+              <a:rPr lang="zh-CN" altLang="en-US"/>
+              <a:t>：任务更新（任务状态更新）</a:t>
+            </a:r>
+            <a:r>
+              <a:rPr lang="en-US" altLang="zh-CN"/>
+              <a:t>{ T</a:t>
+            </a:r>
+            <a:r>
+              <a:rPr lang="en-US" altLang="zh-CN"/>
+              <a:t>ype : “update” ,ID : xx , Status : xxxx-xx}</a:t>
             </a:r>
             <a:endParaRPr lang="en-US" altLang="zh-CN"/>
           </a:p>
@@ -6264,6 +6316,1573 @@
             <a:noAutofit/>
           </a:bodyPr>
           <a:p>
+            <a:endParaRPr lang="zh-CN" altLang="en-US"/>
+          </a:p>
+        </p:txBody>
+      </p:sp>
+      <p:pic>
+        <p:nvPicPr>
+          <p:cNvPr id="2" name="图片 1"/>
+          <p:cNvPicPr>
+            <a:picLocks noChangeAspect="1"/>
+          </p:cNvPicPr>
+          <p:nvPr/>
+        </p:nvPicPr>
+        <p:blipFill>
+          <a:blip r:embed="rId1"/>
+          <a:stretch>
+            <a:fillRect/>
+          </a:stretch>
+        </p:blipFill>
+        <p:spPr>
+          <a:xfrm>
+            <a:off x="8796020" y="1282065"/>
+            <a:ext cx="2989580" cy="3220085"/>
+          </a:xfrm>
+          <a:prstGeom prst="rect">
+            <a:avLst/>
+          </a:prstGeom>
+        </p:spPr>
+      </p:pic>
+      <p:cxnSp>
+        <p:nvCxnSpPr>
+          <p:cNvPr id="3" name="直接箭头连接符 2"/>
+          <p:cNvCxnSpPr/>
+          <p:nvPr/>
+        </p:nvCxnSpPr>
+        <p:spPr>
+          <a:xfrm flipV="1">
+            <a:off x="2719705" y="2279650"/>
+            <a:ext cx="5831205" cy="637540"/>
+          </a:xfrm>
+          <a:prstGeom prst="straightConnector1">
+            <a:avLst/>
+          </a:prstGeom>
+          <a:ln>
+            <a:tailEnd type="arrow"/>
+          </a:ln>
+        </p:spPr>
+        <p:style>
+          <a:lnRef idx="2">
+            <a:schemeClr val="accent1"/>
+          </a:lnRef>
+          <a:fillRef idx="0">
+            <a:srgbClr val="FFFFFF"/>
+          </a:fillRef>
+          <a:effectRef idx="0">
+            <a:srgbClr val="FFFFFF"/>
+          </a:effectRef>
+          <a:fontRef idx="minor">
+            <a:schemeClr val="tx1"/>
+          </a:fontRef>
+        </p:style>
+      </p:cxnSp>
+    </p:spTree>
+  </p:cSld>
+  <p:clrMapOvr>
+    <a:masterClrMapping/>
+  </p:clrMapOvr>
+</p:sld>
+</file>
+
+<file path=ppt/slides/slide11.xml><?xml version="1.0" encoding="utf-8"?>
+<p:sld xmlns:a="http://schemas.openxmlformats.org/drawingml/2006/main" xmlns:r="http://schemas.openxmlformats.org/officeDocument/2006/relationships" xmlns:p="http://schemas.openxmlformats.org/presentationml/2006/main">
+  <p:cSld>
+    <p:spTree>
+      <p:nvGrpSpPr>
+        <p:cNvPr id="1" name=""/>
+        <p:cNvGrpSpPr/>
+        <p:nvPr/>
+      </p:nvGrpSpPr>
+      <p:grpSpPr/>
+      <p:sp>
+        <p:nvSpPr>
+          <p:cNvPr id="5" name="文本框 4"/>
+          <p:cNvSpPr txBox="1"/>
+          <p:nvPr/>
+        </p:nvSpPr>
+        <p:spPr>
+          <a:xfrm>
+            <a:off x="218440" y="161290"/>
+            <a:ext cx="2120265" cy="368300"/>
+          </a:xfrm>
+          <a:prstGeom prst="rect">
+            <a:avLst/>
+          </a:prstGeom>
+          <a:noFill/>
+        </p:spPr>
+        <p:txBody>
+          <a:bodyPr wrap="square" rtlCol="0">
+            <a:spAutoFit/>
+          </a:bodyPr>
+          <a:p>
+            <a:r>
+              <a:rPr lang="zh-CN" altLang="en-US"/>
+              <a:t>消息的已读与</a:t>
+            </a:r>
+            <a:r>
+              <a:rPr lang="zh-CN" altLang="en-US"/>
+              <a:t>未读</a:t>
+            </a:r>
+            <a:endParaRPr lang="zh-CN" altLang="en-US"/>
+          </a:p>
+        </p:txBody>
+      </p:sp>
+      <p:sp>
+        <p:nvSpPr>
+          <p:cNvPr id="7" name="矩形 6"/>
+          <p:cNvSpPr/>
+          <p:nvPr/>
+        </p:nvSpPr>
+        <p:spPr>
+          <a:xfrm>
+            <a:off x="730250" y="2267585"/>
+            <a:ext cx="1096645" cy="1090930"/>
+          </a:xfrm>
+          <a:prstGeom prst="rect">
+            <a:avLst/>
+          </a:prstGeom>
+        </p:spPr>
+        <p:style>
+          <a:lnRef idx="2">
+            <a:schemeClr val="accent1">
+              <a:lumMod val="75000"/>
+            </a:schemeClr>
+          </a:lnRef>
+          <a:fillRef idx="1">
+            <a:schemeClr val="accent1"/>
+          </a:fillRef>
+          <a:effectRef idx="0">
+            <a:srgbClr val="FFFFFF"/>
+          </a:effectRef>
+          <a:fontRef idx="minor">
+            <a:schemeClr val="lt1"/>
+          </a:fontRef>
+        </p:style>
+        <p:txBody>
+          <a:bodyPr rtlCol="0" anchor="ctr"/>
+          <a:p>
+            <a:pPr algn="ctr"/>
+            <a:r>
+              <a:rPr lang="en-US" altLang="zh-CN"/>
+              <a:t>client2</a:t>
+            </a:r>
+            <a:endParaRPr lang="en-US" altLang="zh-CN"/>
+          </a:p>
+        </p:txBody>
+      </p:sp>
+      <p:sp>
+        <p:nvSpPr>
+          <p:cNvPr id="8" name="矩形 7"/>
+          <p:cNvSpPr/>
+          <p:nvPr/>
+        </p:nvSpPr>
+        <p:spPr>
+          <a:xfrm>
+            <a:off x="730250" y="4011930"/>
+            <a:ext cx="1096645" cy="1090930"/>
+          </a:xfrm>
+          <a:prstGeom prst="rect">
+            <a:avLst/>
+          </a:prstGeom>
+        </p:spPr>
+        <p:style>
+          <a:lnRef idx="2">
+            <a:schemeClr val="accent1">
+              <a:lumMod val="75000"/>
+            </a:schemeClr>
+          </a:lnRef>
+          <a:fillRef idx="1">
+            <a:schemeClr val="accent1"/>
+          </a:fillRef>
+          <a:effectRef idx="0">
+            <a:srgbClr val="FFFFFF"/>
+          </a:effectRef>
+          <a:fontRef idx="minor">
+            <a:schemeClr val="lt1"/>
+          </a:fontRef>
+        </p:style>
+        <p:txBody>
+          <a:bodyPr rtlCol="0" anchor="ctr"/>
+          <a:p>
+            <a:pPr algn="ctr"/>
+            <a:r>
+              <a:rPr lang="en-US" altLang="zh-CN"/>
+              <a:t>client1</a:t>
+            </a:r>
+            <a:endParaRPr lang="en-US" altLang="zh-CN"/>
+          </a:p>
+        </p:txBody>
+      </p:sp>
+      <p:sp>
+        <p:nvSpPr>
+          <p:cNvPr id="9" name="矩形 8"/>
+          <p:cNvSpPr/>
+          <p:nvPr/>
+        </p:nvSpPr>
+        <p:spPr>
+          <a:xfrm>
+            <a:off x="730250" y="588010"/>
+            <a:ext cx="1096645" cy="1090930"/>
+          </a:xfrm>
+          <a:prstGeom prst="rect">
+            <a:avLst/>
+          </a:prstGeom>
+        </p:spPr>
+        <p:style>
+          <a:lnRef idx="2">
+            <a:schemeClr val="accent1">
+              <a:lumMod val="75000"/>
+            </a:schemeClr>
+          </a:lnRef>
+          <a:fillRef idx="1">
+            <a:schemeClr val="accent1"/>
+          </a:fillRef>
+          <a:effectRef idx="0">
+            <a:srgbClr val="FFFFFF"/>
+          </a:effectRef>
+          <a:fontRef idx="minor">
+            <a:schemeClr val="lt1"/>
+          </a:fontRef>
+        </p:style>
+        <p:txBody>
+          <a:bodyPr rtlCol="0" anchor="ctr"/>
+          <a:p>
+            <a:pPr algn="ctr"/>
+            <a:r>
+              <a:rPr lang="en-US" altLang="zh-CN"/>
+              <a:t>cilent3</a:t>
+            </a:r>
+            <a:endParaRPr lang="en-US" altLang="zh-CN"/>
+          </a:p>
+        </p:txBody>
+      </p:sp>
+      <p:sp>
+        <p:nvSpPr>
+          <p:cNvPr id="10" name="矩形 9"/>
+          <p:cNvSpPr/>
+          <p:nvPr/>
+        </p:nvSpPr>
+        <p:spPr>
+          <a:xfrm>
+            <a:off x="10221595" y="1819275"/>
+            <a:ext cx="1096645" cy="1090930"/>
+          </a:xfrm>
+          <a:prstGeom prst="rect">
+            <a:avLst/>
+          </a:prstGeom>
+        </p:spPr>
+        <p:style>
+          <a:lnRef idx="2">
+            <a:schemeClr val="accent1">
+              <a:lumMod val="75000"/>
+            </a:schemeClr>
+          </a:lnRef>
+          <a:fillRef idx="1">
+            <a:schemeClr val="accent1"/>
+          </a:fillRef>
+          <a:effectRef idx="0">
+            <a:srgbClr val="FFFFFF"/>
+          </a:effectRef>
+          <a:fontRef idx="minor">
+            <a:schemeClr val="lt1"/>
+          </a:fontRef>
+        </p:style>
+        <p:txBody>
+          <a:bodyPr rtlCol="0" anchor="ctr"/>
+          <a:p>
+            <a:pPr algn="ctr"/>
+            <a:endParaRPr lang="zh-CN" altLang="en-US"/>
+          </a:p>
+        </p:txBody>
+      </p:sp>
+      <p:sp>
+        <p:nvSpPr>
+          <p:cNvPr id="11" name="文本框 10"/>
+          <p:cNvSpPr txBox="1"/>
+          <p:nvPr/>
+        </p:nvSpPr>
+        <p:spPr>
+          <a:xfrm>
+            <a:off x="2232025" y="1125855"/>
+            <a:ext cx="7195185" cy="3931920"/>
+          </a:xfrm>
+          <a:prstGeom prst="rect">
+            <a:avLst/>
+          </a:prstGeom>
+          <a:noFill/>
+        </p:spPr>
+        <p:txBody>
+          <a:bodyPr wrap="square" rtlCol="0">
+            <a:noAutofit/>
+          </a:bodyPr>
+          <a:p>
+            <a:r>
+              <a:rPr lang="zh-CN" altLang="en-US"/>
+              <a:t>发送信息的</a:t>
+            </a:r>
+            <a:r>
+              <a:rPr lang="zh-CN" altLang="en-US"/>
+              <a:t>四种</a:t>
+            </a:r>
+            <a:r>
+              <a:rPr lang="zh-CN" altLang="en-US"/>
+              <a:t>情况：</a:t>
+            </a:r>
+            <a:endParaRPr lang="zh-CN" altLang="en-US"/>
+          </a:p>
+          <a:p>
+            <a:endParaRPr lang="zh-CN" altLang="en-US"/>
+          </a:p>
+          <a:p>
+            <a:r>
+              <a:rPr lang="en-US" altLang="zh-CN"/>
+              <a:t>1</a:t>
+            </a:r>
+            <a:r>
+              <a:rPr lang="zh-CN" altLang="en-US"/>
+              <a:t>、接收者在线</a:t>
+            </a:r>
+            <a:endParaRPr lang="zh-CN" altLang="en-US"/>
+          </a:p>
+          <a:p>
+            <a:pPr indent="457200"/>
+            <a:r>
+              <a:rPr lang="en-US" altLang="zh-CN"/>
+              <a:t>1.1</a:t>
+            </a:r>
+            <a:r>
+              <a:rPr lang="zh-CN" altLang="en-US"/>
+              <a:t>但是在浏览别的</a:t>
+            </a:r>
+            <a:r>
+              <a:rPr lang="zh-CN" altLang="en-US"/>
+              <a:t>页面</a:t>
+            </a:r>
+            <a:endParaRPr lang="zh-CN" altLang="en-US"/>
+          </a:p>
+          <a:p>
+            <a:pPr indent="457200"/>
+            <a:r>
+              <a:rPr lang="en-US" altLang="zh-CN"/>
+              <a:t>1.2</a:t>
+            </a:r>
+            <a:r>
+              <a:rPr lang="zh-CN" altLang="en-US"/>
+              <a:t>在那个聊天</a:t>
+            </a:r>
+            <a:r>
+              <a:rPr lang="zh-CN" altLang="en-US"/>
+              <a:t>内</a:t>
+            </a:r>
+            <a:endParaRPr lang="zh-CN" altLang="en-US"/>
+          </a:p>
+          <a:p>
+            <a:pPr indent="457200"/>
+            <a:r>
+              <a:rPr lang="en-US" altLang="zh-CN"/>
+              <a:t>1.3</a:t>
+            </a:r>
+            <a:r>
+              <a:rPr lang="zh-CN" altLang="en-US"/>
+              <a:t>这个聊天是别人发起的第一次消息传递</a:t>
+            </a:r>
+            <a:endParaRPr lang="en-US" altLang="zh-CN"/>
+          </a:p>
+          <a:p>
+            <a:endParaRPr lang="en-US" altLang="zh-CN"/>
+          </a:p>
+          <a:p>
+            <a:r>
+              <a:rPr lang="en-US" altLang="zh-CN"/>
+              <a:t>2</a:t>
+            </a:r>
+            <a:r>
+              <a:rPr lang="zh-CN" altLang="en-US"/>
+              <a:t>、接收者不在</a:t>
+            </a:r>
+            <a:r>
+              <a:rPr lang="zh-CN" altLang="en-US"/>
+              <a:t>线</a:t>
+            </a:r>
+            <a:endParaRPr lang="zh-CN" altLang="en-US"/>
+          </a:p>
+          <a:p>
+            <a:endParaRPr lang="en-US" altLang="zh-CN"/>
+          </a:p>
+          <a:p>
+            <a:endParaRPr lang="en-US" altLang="zh-CN"/>
+          </a:p>
+          <a:p>
+            <a:r>
+              <a:rPr lang="zh-CN" altLang="en-US"/>
+              <a:t>后端发送给前端的信息是确定的在消息那多加一个</a:t>
+            </a:r>
+            <a:r>
+              <a:rPr lang="en-US" altLang="zh-CN"/>
+              <a:t>isRead</a:t>
+            </a:r>
+            <a:r>
+              <a:rPr lang="zh-CN" altLang="en-US"/>
+              <a:t>字段</a:t>
+            </a:r>
+            <a:endParaRPr lang="zh-CN" altLang="en-US"/>
+          </a:p>
+          <a:p>
+            <a:r>
+              <a:rPr lang="zh-CN" altLang="en-US"/>
+              <a:t>前端发送给后端什么，因为有多个聊天：多人聊天，两人</a:t>
+            </a:r>
+            <a:r>
+              <a:rPr lang="zh-CN" altLang="en-US"/>
+              <a:t>聊天</a:t>
+            </a:r>
+            <a:endParaRPr lang="zh-CN" altLang="en-US"/>
+          </a:p>
+          <a:p>
+            <a:r>
+              <a:rPr lang="zh-CN" altLang="en-US"/>
+              <a:t>虽然两人聊天可以在数据库设字段，但是多人聊天不能，要保证解决方案的适用性。所以在内存里设</a:t>
+            </a:r>
+            <a:r>
+              <a:rPr lang="en-US" altLang="zh-CN"/>
+              <a:t> list&lt;sessionid</a:t>
+            </a:r>
+            <a:r>
+              <a:rPr lang="zh-CN" altLang="en-US"/>
+              <a:t>，</a:t>
+            </a:r>
+            <a:r>
+              <a:rPr lang="en-US" altLang="zh-CN"/>
+              <a:t>set&lt;message_id&gt;&gt;</a:t>
+            </a:r>
+            <a:endParaRPr lang="en-US" altLang="zh-CN"/>
+          </a:p>
+        </p:txBody>
+      </p:sp>
+    </p:spTree>
+  </p:cSld>
+  <p:clrMapOvr>
+    <a:masterClrMapping/>
+  </p:clrMapOvr>
+</p:sld>
+</file>
+
+<file path=ppt/slides/slide12.xml><?xml version="1.0" encoding="utf-8"?>
+<p:sld xmlns:a="http://schemas.openxmlformats.org/drawingml/2006/main" xmlns:r="http://schemas.openxmlformats.org/officeDocument/2006/relationships" xmlns:p="http://schemas.openxmlformats.org/presentationml/2006/main">
+  <p:cSld>
+    <p:spTree>
+      <p:nvGrpSpPr>
+        <p:cNvPr id="1" name=""/>
+        <p:cNvGrpSpPr/>
+        <p:nvPr/>
+      </p:nvGrpSpPr>
+      <p:grpSpPr/>
+      <p:pic>
+        <p:nvPicPr>
+          <p:cNvPr id="4" name="图片 3"/>
+          <p:cNvPicPr>
+            <a:picLocks noChangeAspect="1"/>
+          </p:cNvPicPr>
+          <p:nvPr/>
+        </p:nvPicPr>
+        <p:blipFill>
+          <a:blip r:embed="rId1"/>
+          <a:stretch>
+            <a:fillRect/>
+          </a:stretch>
+        </p:blipFill>
+        <p:spPr>
+          <a:xfrm>
+            <a:off x="297180" y="175895"/>
+            <a:ext cx="4181475" cy="6505575"/>
+          </a:xfrm>
+          <a:prstGeom prst="rect">
+            <a:avLst/>
+          </a:prstGeom>
+        </p:spPr>
+      </p:pic>
+      <p:cxnSp>
+        <p:nvCxnSpPr>
+          <p:cNvPr id="5" name="直接箭头连接符 4"/>
+          <p:cNvCxnSpPr/>
+          <p:nvPr/>
+        </p:nvCxnSpPr>
+        <p:spPr>
+          <a:xfrm flipV="1">
+            <a:off x="2811780" y="341630"/>
+            <a:ext cx="2639695" cy="580390"/>
+          </a:xfrm>
+          <a:prstGeom prst="straightConnector1">
+            <a:avLst/>
+          </a:prstGeom>
+          <a:ln>
+            <a:solidFill>
+              <a:srgbClr val="FF0000"/>
+            </a:solidFill>
+            <a:tailEnd type="arrow" w="med" len="med"/>
+          </a:ln>
+        </p:spPr>
+        <p:style>
+          <a:lnRef idx="2">
+            <a:schemeClr val="accent1"/>
+          </a:lnRef>
+          <a:fillRef idx="0">
+            <a:srgbClr val="FFFFFF"/>
+          </a:fillRef>
+          <a:effectRef idx="0">
+            <a:srgbClr val="FFFFFF"/>
+          </a:effectRef>
+          <a:fontRef idx="minor">
+            <a:schemeClr val="tx1"/>
+          </a:fontRef>
+        </p:style>
+      </p:cxnSp>
+      <p:sp>
+        <p:nvSpPr>
+          <p:cNvPr id="6" name="文本框 5"/>
+          <p:cNvSpPr txBox="1"/>
+          <p:nvPr/>
+        </p:nvSpPr>
+        <p:spPr>
+          <a:xfrm>
+            <a:off x="5573395" y="175895"/>
+            <a:ext cx="723265" cy="337185"/>
+          </a:xfrm>
+          <a:prstGeom prst="rect">
+            <a:avLst/>
+          </a:prstGeom>
+          <a:noFill/>
+        </p:spPr>
+        <p:txBody>
+          <a:bodyPr wrap="square" rtlCol="0">
+            <a:spAutoFit/>
+          </a:bodyPr>
+          <a:p>
+            <a:r>
+              <a:rPr lang="zh-CN" altLang="en-US" sz="1600"/>
+              <a:t>完成</a:t>
+            </a:r>
+            <a:endParaRPr lang="zh-CN" altLang="en-US" sz="1600"/>
+          </a:p>
+        </p:txBody>
+      </p:sp>
+      <p:cxnSp>
+        <p:nvCxnSpPr>
+          <p:cNvPr id="7" name="直接箭头连接符 6"/>
+          <p:cNvCxnSpPr/>
+          <p:nvPr/>
+        </p:nvCxnSpPr>
+        <p:spPr>
+          <a:xfrm flipV="1">
+            <a:off x="2334895" y="800100"/>
+            <a:ext cx="2844165" cy="405765"/>
+          </a:xfrm>
+          <a:prstGeom prst="straightConnector1">
+            <a:avLst/>
+          </a:prstGeom>
+          <a:ln>
+            <a:solidFill>
+              <a:srgbClr val="FF0000"/>
+            </a:solidFill>
+            <a:tailEnd type="arrow" w="med" len="med"/>
+          </a:ln>
+        </p:spPr>
+        <p:style>
+          <a:lnRef idx="2">
+            <a:schemeClr val="accent1"/>
+          </a:lnRef>
+          <a:fillRef idx="0">
+            <a:srgbClr val="FFFFFF"/>
+          </a:fillRef>
+          <a:effectRef idx="0">
+            <a:srgbClr val="FFFFFF"/>
+          </a:effectRef>
+          <a:fontRef idx="minor">
+            <a:schemeClr val="tx1"/>
+          </a:fontRef>
+        </p:style>
+      </p:cxnSp>
+      <p:sp>
+        <p:nvSpPr>
+          <p:cNvPr id="8" name="文本框 7"/>
+          <p:cNvSpPr txBox="1"/>
+          <p:nvPr/>
+        </p:nvSpPr>
+        <p:spPr>
+          <a:xfrm>
+            <a:off x="5248275" y="713105"/>
+            <a:ext cx="1494155" cy="306705"/>
+          </a:xfrm>
+          <a:prstGeom prst="rect">
+            <a:avLst/>
+          </a:prstGeom>
+          <a:noFill/>
+        </p:spPr>
+        <p:txBody>
+          <a:bodyPr wrap="square" rtlCol="0">
+            <a:spAutoFit/>
+          </a:bodyPr>
+          <a:p>
+            <a:r>
+              <a:rPr lang="zh-CN" altLang="en-US" sz="1400"/>
+              <a:t>未开始的</a:t>
+            </a:r>
+            <a:r>
+              <a:rPr lang="en-US" altLang="zh-CN" sz="1400"/>
+              <a:t>/history</a:t>
+            </a:r>
+            <a:endParaRPr lang="en-US" altLang="zh-CN" sz="1400"/>
+          </a:p>
+        </p:txBody>
+      </p:sp>
+      <p:cxnSp>
+        <p:nvCxnSpPr>
+          <p:cNvPr id="9" name="直接箭头连接符 8"/>
+          <p:cNvCxnSpPr/>
+          <p:nvPr/>
+        </p:nvCxnSpPr>
+        <p:spPr>
+          <a:xfrm flipV="1">
+            <a:off x="2166620" y="1031875"/>
+            <a:ext cx="3122295" cy="1531620"/>
+          </a:xfrm>
+          <a:prstGeom prst="straightConnector1">
+            <a:avLst/>
+          </a:prstGeom>
+          <a:ln>
+            <a:solidFill>
+              <a:srgbClr val="FF0000"/>
+            </a:solidFill>
+            <a:tailEnd type="arrow" w="med" len="med"/>
+          </a:ln>
+        </p:spPr>
+        <p:style>
+          <a:lnRef idx="2">
+            <a:schemeClr val="accent1"/>
+          </a:lnRef>
+          <a:fillRef idx="0">
+            <a:srgbClr val="FFFFFF"/>
+          </a:fillRef>
+          <a:effectRef idx="0">
+            <a:srgbClr val="FFFFFF"/>
+          </a:effectRef>
+          <a:fontRef idx="minor">
+            <a:schemeClr val="tx1"/>
+          </a:fontRef>
+        </p:style>
+      </p:cxnSp>
+      <p:cxnSp>
+        <p:nvCxnSpPr>
+          <p:cNvPr id="10" name="直接箭头连接符 9"/>
+          <p:cNvCxnSpPr/>
+          <p:nvPr/>
+        </p:nvCxnSpPr>
+        <p:spPr>
+          <a:xfrm flipV="1">
+            <a:off x="2544445" y="962660"/>
+            <a:ext cx="2646045" cy="643890"/>
+          </a:xfrm>
+          <a:prstGeom prst="straightConnector1">
+            <a:avLst/>
+          </a:prstGeom>
+          <a:ln>
+            <a:solidFill>
+              <a:srgbClr val="FF0000"/>
+            </a:solidFill>
+            <a:tailEnd type="arrow" w="med" len="med"/>
+          </a:ln>
+        </p:spPr>
+        <p:style>
+          <a:lnRef idx="2">
+            <a:schemeClr val="accent1"/>
+          </a:lnRef>
+          <a:fillRef idx="0">
+            <a:srgbClr val="FFFFFF"/>
+          </a:fillRef>
+          <a:effectRef idx="0">
+            <a:srgbClr val="FFFFFF"/>
+          </a:effectRef>
+          <a:fontRef idx="minor">
+            <a:schemeClr val="tx1"/>
+          </a:fontRef>
+        </p:style>
+      </p:cxnSp>
+      <p:cxnSp>
+        <p:nvCxnSpPr>
+          <p:cNvPr id="13" name="直接箭头连接符 12"/>
+          <p:cNvCxnSpPr/>
+          <p:nvPr/>
+        </p:nvCxnSpPr>
+        <p:spPr>
+          <a:xfrm flipV="1">
+            <a:off x="2741295" y="1327785"/>
+            <a:ext cx="5262880" cy="104140"/>
+          </a:xfrm>
+          <a:prstGeom prst="straightConnector1">
+            <a:avLst/>
+          </a:prstGeom>
+          <a:ln>
+            <a:solidFill>
+              <a:srgbClr val="FF0000"/>
+            </a:solidFill>
+            <a:tailEnd type="arrow" w="med" len="med"/>
+          </a:ln>
+        </p:spPr>
+        <p:style>
+          <a:lnRef idx="2">
+            <a:schemeClr val="accent1"/>
+          </a:lnRef>
+          <a:fillRef idx="0">
+            <a:srgbClr val="FFFFFF"/>
+          </a:fillRef>
+          <a:effectRef idx="0">
+            <a:srgbClr val="FFFFFF"/>
+          </a:effectRef>
+          <a:fontRef idx="minor">
+            <a:schemeClr val="tx1"/>
+          </a:fontRef>
+        </p:style>
+      </p:cxnSp>
+      <p:sp>
+        <p:nvSpPr>
+          <p:cNvPr id="14" name="文本框 13"/>
+          <p:cNvSpPr txBox="1"/>
+          <p:nvPr/>
+        </p:nvSpPr>
+        <p:spPr>
+          <a:xfrm>
+            <a:off x="8219440" y="1094740"/>
+            <a:ext cx="1915795" cy="337185"/>
+          </a:xfrm>
+          <a:prstGeom prst="rect">
+            <a:avLst/>
+          </a:prstGeom>
+          <a:noFill/>
+        </p:spPr>
+        <p:txBody>
+          <a:bodyPr wrap="square" rtlCol="0">
+            <a:spAutoFit/>
+          </a:bodyPr>
+          <a:p>
+            <a:r>
+              <a:rPr lang="zh-CN" altLang="en-US" sz="1600"/>
+              <a:t>还没设计好这个</a:t>
+            </a:r>
+            <a:endParaRPr lang="zh-CN" altLang="en-US" sz="1600"/>
+          </a:p>
+        </p:txBody>
+      </p:sp>
+      <p:cxnSp>
+        <p:nvCxnSpPr>
+          <p:cNvPr id="15" name="直接箭头连接符 14"/>
+          <p:cNvCxnSpPr/>
+          <p:nvPr/>
+        </p:nvCxnSpPr>
+        <p:spPr>
+          <a:xfrm flipV="1">
+            <a:off x="2689860" y="1722120"/>
+            <a:ext cx="2639695" cy="186055"/>
+          </a:xfrm>
+          <a:prstGeom prst="straightConnector1">
+            <a:avLst/>
+          </a:prstGeom>
+          <a:ln>
+            <a:solidFill>
+              <a:srgbClr val="FF0000"/>
+            </a:solidFill>
+            <a:tailEnd type="arrow" w="med" len="med"/>
+          </a:ln>
+        </p:spPr>
+        <p:style>
+          <a:lnRef idx="2">
+            <a:schemeClr val="accent1"/>
+          </a:lnRef>
+          <a:fillRef idx="0">
+            <a:srgbClr val="FFFFFF"/>
+          </a:fillRef>
+          <a:effectRef idx="0">
+            <a:srgbClr val="FFFFFF"/>
+          </a:effectRef>
+          <a:fontRef idx="minor">
+            <a:schemeClr val="tx1"/>
+          </a:fontRef>
+        </p:style>
+      </p:cxnSp>
+      <p:sp>
+        <p:nvSpPr>
+          <p:cNvPr id="16" name="文本框 15"/>
+          <p:cNvSpPr txBox="1"/>
+          <p:nvPr/>
+        </p:nvSpPr>
+        <p:spPr>
+          <a:xfrm>
+            <a:off x="5451475" y="1553845"/>
+            <a:ext cx="1407160" cy="337185"/>
+          </a:xfrm>
+          <a:prstGeom prst="rect">
+            <a:avLst/>
+          </a:prstGeom>
+          <a:noFill/>
+        </p:spPr>
+        <p:txBody>
+          <a:bodyPr wrap="square" rtlCol="0">
+            <a:spAutoFit/>
+          </a:bodyPr>
+          <a:p>
+            <a:r>
+              <a:rPr lang="zh-CN" altLang="en-US" sz="1600"/>
+              <a:t>基本完成</a:t>
+            </a:r>
+            <a:endParaRPr lang="zh-CN" altLang="en-US" sz="1600"/>
+          </a:p>
+        </p:txBody>
+      </p:sp>
+      <p:cxnSp>
+        <p:nvCxnSpPr>
+          <p:cNvPr id="17" name="直接箭头连接符 16"/>
+          <p:cNvCxnSpPr/>
+          <p:nvPr/>
+        </p:nvCxnSpPr>
+        <p:spPr>
+          <a:xfrm flipV="1">
+            <a:off x="2442845" y="2023745"/>
+            <a:ext cx="4917440" cy="46990"/>
+          </a:xfrm>
+          <a:prstGeom prst="straightConnector1">
+            <a:avLst/>
+          </a:prstGeom>
+          <a:ln>
+            <a:solidFill>
+              <a:srgbClr val="FF0000"/>
+            </a:solidFill>
+            <a:tailEnd type="arrow" w="med" len="med"/>
+          </a:ln>
+        </p:spPr>
+        <p:style>
+          <a:lnRef idx="2">
+            <a:schemeClr val="accent1"/>
+          </a:lnRef>
+          <a:fillRef idx="0">
+            <a:srgbClr val="FFFFFF"/>
+          </a:fillRef>
+          <a:effectRef idx="0">
+            <a:srgbClr val="FFFFFF"/>
+          </a:effectRef>
+          <a:fontRef idx="minor">
+            <a:schemeClr val="tx1"/>
+          </a:fontRef>
+        </p:style>
+      </p:cxnSp>
+      <p:sp>
+        <p:nvSpPr>
+          <p:cNvPr id="18" name="文本框 17"/>
+          <p:cNvSpPr txBox="1"/>
+          <p:nvPr/>
+        </p:nvSpPr>
+        <p:spPr>
+          <a:xfrm>
+            <a:off x="7360285" y="1837690"/>
+            <a:ext cx="702310" cy="337185"/>
+          </a:xfrm>
+          <a:prstGeom prst="rect">
+            <a:avLst/>
+          </a:prstGeom>
+          <a:noFill/>
+        </p:spPr>
+        <p:txBody>
+          <a:bodyPr wrap="square" rtlCol="0">
+            <a:spAutoFit/>
+          </a:bodyPr>
+          <a:p>
+            <a:r>
+              <a:rPr lang="zh-CN" altLang="en-US" sz="1600"/>
+              <a:t>完成</a:t>
+            </a:r>
+            <a:endParaRPr lang="zh-CN" altLang="en-US" sz="1600"/>
+          </a:p>
+        </p:txBody>
+      </p:sp>
+      <p:cxnSp>
+        <p:nvCxnSpPr>
+          <p:cNvPr id="19" name="直接箭头连接符 18"/>
+          <p:cNvCxnSpPr/>
+          <p:nvPr/>
+        </p:nvCxnSpPr>
+        <p:spPr>
+          <a:xfrm flipV="1">
+            <a:off x="2334895" y="2348865"/>
+            <a:ext cx="6145530" cy="28575"/>
+          </a:xfrm>
+          <a:prstGeom prst="straightConnector1">
+            <a:avLst/>
+          </a:prstGeom>
+          <a:ln>
+            <a:solidFill>
+              <a:srgbClr val="FF0000"/>
+            </a:solidFill>
+            <a:tailEnd type="arrow" w="med" len="med"/>
+          </a:ln>
+        </p:spPr>
+        <p:style>
+          <a:lnRef idx="2">
+            <a:schemeClr val="accent1"/>
+          </a:lnRef>
+          <a:fillRef idx="0">
+            <a:srgbClr val="FFFFFF"/>
+          </a:fillRef>
+          <a:effectRef idx="0">
+            <a:srgbClr val="FFFFFF"/>
+          </a:effectRef>
+          <a:fontRef idx="minor">
+            <a:schemeClr val="tx1"/>
+          </a:fontRef>
+        </p:style>
+      </p:cxnSp>
+      <p:sp>
+        <p:nvSpPr>
+          <p:cNvPr id="20" name="文本框 19"/>
+          <p:cNvSpPr txBox="1"/>
+          <p:nvPr/>
+        </p:nvSpPr>
+        <p:spPr>
+          <a:xfrm>
+            <a:off x="8793480" y="2174875"/>
+            <a:ext cx="1234440" cy="368300"/>
+          </a:xfrm>
+          <a:prstGeom prst="rect">
+            <a:avLst/>
+          </a:prstGeom>
+          <a:noFill/>
+        </p:spPr>
+        <p:txBody>
+          <a:bodyPr wrap="square" rtlCol="0">
+            <a:spAutoFit/>
+          </a:bodyPr>
+          <a:p>
+            <a:r>
+              <a:rPr lang="zh-CN" altLang="en-US"/>
+              <a:t>未</a:t>
+            </a:r>
+            <a:r>
+              <a:rPr lang="zh-CN" altLang="en-US"/>
+              <a:t>开始</a:t>
+            </a:r>
+            <a:endParaRPr lang="zh-CN" altLang="en-US"/>
+          </a:p>
+        </p:txBody>
+      </p:sp>
+      <p:cxnSp>
+        <p:nvCxnSpPr>
+          <p:cNvPr id="21" name="直接箭头连接符 20"/>
+          <p:cNvCxnSpPr/>
+          <p:nvPr/>
+        </p:nvCxnSpPr>
+        <p:spPr>
+          <a:xfrm flipV="1">
+            <a:off x="2300605" y="2772410"/>
+            <a:ext cx="4276725" cy="11430"/>
+          </a:xfrm>
+          <a:prstGeom prst="straightConnector1">
+            <a:avLst/>
+          </a:prstGeom>
+          <a:ln>
+            <a:solidFill>
+              <a:srgbClr val="FF0000"/>
+            </a:solidFill>
+            <a:tailEnd type="arrow" w="med" len="med"/>
+          </a:ln>
+        </p:spPr>
+        <p:style>
+          <a:lnRef idx="2">
+            <a:schemeClr val="accent1"/>
+          </a:lnRef>
+          <a:fillRef idx="0">
+            <a:srgbClr val="FFFFFF"/>
+          </a:fillRef>
+          <a:effectRef idx="0">
+            <a:srgbClr val="FFFFFF"/>
+          </a:effectRef>
+          <a:fontRef idx="minor">
+            <a:schemeClr val="tx1"/>
+          </a:fontRef>
+        </p:style>
+      </p:cxnSp>
+      <p:sp>
+        <p:nvSpPr>
+          <p:cNvPr id="22" name="文本框 21"/>
+          <p:cNvSpPr txBox="1"/>
+          <p:nvPr/>
+        </p:nvSpPr>
+        <p:spPr>
+          <a:xfrm>
+            <a:off x="6742430" y="2655570"/>
+            <a:ext cx="1209675" cy="306705"/>
+          </a:xfrm>
+          <a:prstGeom prst="rect">
+            <a:avLst/>
+          </a:prstGeom>
+          <a:noFill/>
+        </p:spPr>
+        <p:txBody>
+          <a:bodyPr wrap="square" rtlCol="0">
+            <a:spAutoFit/>
+          </a:bodyPr>
+          <a:p>
+            <a:r>
+              <a:rPr lang="zh-CN" altLang="en-US" sz="1400"/>
+              <a:t>未测试</a:t>
+            </a:r>
+            <a:endParaRPr lang="zh-CN" altLang="en-US" sz="1400"/>
+          </a:p>
+        </p:txBody>
+      </p:sp>
+      <p:cxnSp>
+        <p:nvCxnSpPr>
+          <p:cNvPr id="23" name="直接连接符 22"/>
+          <p:cNvCxnSpPr/>
+          <p:nvPr/>
+        </p:nvCxnSpPr>
+        <p:spPr>
+          <a:xfrm>
+            <a:off x="1424940" y="2929255"/>
+            <a:ext cx="1195070" cy="92710"/>
+          </a:xfrm>
+          <a:prstGeom prst="line">
+            <a:avLst/>
+          </a:prstGeom>
+          <a:ln>
+            <a:solidFill>
+              <a:srgbClr val="FF0000"/>
+            </a:solidFill>
+          </a:ln>
+        </p:spPr>
+        <p:style>
+          <a:lnRef idx="2">
+            <a:schemeClr val="accent1"/>
+          </a:lnRef>
+          <a:fillRef idx="0">
+            <a:srgbClr val="FFFFFF"/>
+          </a:fillRef>
+          <a:effectRef idx="0">
+            <a:srgbClr val="FFFFFF"/>
+          </a:effectRef>
+          <a:fontRef idx="minor">
+            <a:schemeClr val="tx1"/>
+          </a:fontRef>
+        </p:style>
+      </p:cxnSp>
+      <p:cxnSp>
+        <p:nvCxnSpPr>
+          <p:cNvPr id="24" name="直接箭头连接符 23"/>
+          <p:cNvCxnSpPr/>
+          <p:nvPr/>
+        </p:nvCxnSpPr>
+        <p:spPr>
+          <a:xfrm flipV="1">
+            <a:off x="3153410" y="3456940"/>
+            <a:ext cx="3249930" cy="55245"/>
+          </a:xfrm>
+          <a:prstGeom prst="straightConnector1">
+            <a:avLst/>
+          </a:prstGeom>
+          <a:ln>
+            <a:solidFill>
+              <a:srgbClr val="FF0000"/>
+            </a:solidFill>
+            <a:tailEnd type="arrow" w="med" len="med"/>
+          </a:ln>
+        </p:spPr>
+        <p:style>
+          <a:lnRef idx="2">
+            <a:schemeClr val="accent1"/>
+          </a:lnRef>
+          <a:fillRef idx="0">
+            <a:srgbClr val="FFFFFF"/>
+          </a:fillRef>
+          <a:effectRef idx="0">
+            <a:srgbClr val="FFFFFF"/>
+          </a:effectRef>
+          <a:fontRef idx="minor">
+            <a:schemeClr val="tx1"/>
+          </a:fontRef>
+        </p:style>
+      </p:cxnSp>
+      <p:sp>
+        <p:nvSpPr>
+          <p:cNvPr id="25" name="文本框 24"/>
+          <p:cNvSpPr txBox="1"/>
+          <p:nvPr/>
+        </p:nvSpPr>
+        <p:spPr>
+          <a:xfrm>
+            <a:off x="6577330" y="3322955"/>
+            <a:ext cx="1029335" cy="306705"/>
+          </a:xfrm>
+          <a:prstGeom prst="rect">
+            <a:avLst/>
+          </a:prstGeom>
+          <a:noFill/>
+        </p:spPr>
+        <p:txBody>
+          <a:bodyPr wrap="square" rtlCol="0">
+            <a:spAutoFit/>
+          </a:bodyPr>
+          <a:p>
+            <a:r>
+              <a:rPr lang="zh-CN" altLang="en-US" sz="1400"/>
+              <a:t>未测试</a:t>
+            </a:r>
+            <a:endParaRPr lang="zh-CN" altLang="en-US" sz="1400"/>
+          </a:p>
+        </p:txBody>
+      </p:sp>
+      <p:sp>
+        <p:nvSpPr>
+          <p:cNvPr id="26" name="文本框 25"/>
+          <p:cNvSpPr txBox="1"/>
+          <p:nvPr/>
+        </p:nvSpPr>
+        <p:spPr>
+          <a:xfrm>
+            <a:off x="5329555" y="4797425"/>
+            <a:ext cx="1002030" cy="368300"/>
+          </a:xfrm>
+          <a:prstGeom prst="rect">
+            <a:avLst/>
+          </a:prstGeom>
+          <a:noFill/>
+        </p:spPr>
+        <p:txBody>
+          <a:bodyPr wrap="square" rtlCol="0">
+            <a:spAutoFit/>
+          </a:bodyPr>
+          <a:p>
+            <a:r>
+              <a:rPr lang="zh-CN" altLang="en-US"/>
+              <a:t>锁</a:t>
+            </a:r>
+            <a:r>
+              <a:rPr lang="zh-CN" altLang="en-US"/>
+              <a:t>机制</a:t>
+            </a:r>
+            <a:endParaRPr lang="zh-CN" altLang="en-US"/>
+          </a:p>
+        </p:txBody>
+      </p:sp>
+      <p:sp>
+        <p:nvSpPr>
+          <p:cNvPr id="27" name="文本框 26"/>
+          <p:cNvSpPr txBox="1"/>
+          <p:nvPr/>
+        </p:nvSpPr>
+        <p:spPr>
+          <a:xfrm>
+            <a:off x="5288915" y="5537200"/>
+            <a:ext cx="1270635" cy="368300"/>
+          </a:xfrm>
+          <a:prstGeom prst="rect">
+            <a:avLst/>
+          </a:prstGeom>
+          <a:noFill/>
+        </p:spPr>
+        <p:txBody>
+          <a:bodyPr wrap="square" rtlCol="0">
+            <a:spAutoFit/>
+          </a:bodyPr>
+          <a:p>
+            <a:r>
+              <a:rPr lang="zh-CN" altLang="en-US"/>
+              <a:t>跨域</a:t>
+            </a:r>
+            <a:r>
+              <a:rPr lang="zh-CN" altLang="en-US"/>
+              <a:t>问题</a:t>
+            </a:r>
+            <a:endParaRPr lang="zh-CN" altLang="en-US"/>
+          </a:p>
+        </p:txBody>
+      </p:sp>
+      <p:sp>
+        <p:nvSpPr>
+          <p:cNvPr id="28" name="文本框 27"/>
+          <p:cNvSpPr txBox="1"/>
+          <p:nvPr/>
+        </p:nvSpPr>
+        <p:spPr>
+          <a:xfrm>
+            <a:off x="8062595" y="4952365"/>
+            <a:ext cx="2886710" cy="368300"/>
+          </a:xfrm>
+          <a:prstGeom prst="rect">
+            <a:avLst/>
+          </a:prstGeom>
+          <a:noFill/>
+        </p:spPr>
+        <p:txBody>
+          <a:bodyPr wrap="square" rtlCol="0">
+            <a:spAutoFit/>
+          </a:bodyPr>
+          <a:p>
+            <a:r>
+              <a:rPr lang="en-US" altLang="zh-CN"/>
+              <a:t>token</a:t>
+            </a:r>
+            <a:r>
+              <a:rPr lang="zh-CN" altLang="en-US"/>
+              <a:t>里有的东西不够</a:t>
+            </a:r>
+            <a:r>
+              <a:rPr lang="zh-CN" altLang="en-US"/>
+              <a:t>具体</a:t>
+            </a:r>
+            <a:endParaRPr lang="zh-CN" altLang="en-US"/>
+          </a:p>
+        </p:txBody>
+      </p:sp>
+      <p:cxnSp>
+        <p:nvCxnSpPr>
+          <p:cNvPr id="29" name="直接箭头连接符 28"/>
+          <p:cNvCxnSpPr/>
+          <p:nvPr/>
+        </p:nvCxnSpPr>
+        <p:spPr>
+          <a:xfrm flipV="1">
+            <a:off x="2334895" y="3886835"/>
+            <a:ext cx="3766185" cy="81280"/>
+          </a:xfrm>
+          <a:prstGeom prst="straightConnector1">
+            <a:avLst/>
+          </a:prstGeom>
+          <a:ln>
+            <a:solidFill>
+              <a:srgbClr val="FF0000"/>
+            </a:solidFill>
+            <a:tailEnd type="arrow" w="med" len="med"/>
+          </a:ln>
+        </p:spPr>
+        <p:style>
+          <a:lnRef idx="2">
+            <a:schemeClr val="accent1"/>
+          </a:lnRef>
+          <a:fillRef idx="0">
+            <a:srgbClr val="FFFFFF"/>
+          </a:fillRef>
+          <a:effectRef idx="0">
+            <a:srgbClr val="FFFFFF"/>
+          </a:effectRef>
+          <a:fontRef idx="minor">
+            <a:schemeClr val="tx1"/>
+          </a:fontRef>
+        </p:style>
+      </p:cxnSp>
+      <p:sp>
+        <p:nvSpPr>
+          <p:cNvPr id="30" name="文本框 29"/>
+          <p:cNvSpPr txBox="1"/>
+          <p:nvPr/>
+        </p:nvSpPr>
+        <p:spPr>
+          <a:xfrm>
+            <a:off x="6331585" y="3773170"/>
+            <a:ext cx="1006475" cy="368300"/>
+          </a:xfrm>
+          <a:prstGeom prst="rect">
+            <a:avLst/>
+          </a:prstGeom>
+          <a:noFill/>
+        </p:spPr>
+        <p:txBody>
+          <a:bodyPr wrap="square" rtlCol="0">
+            <a:spAutoFit/>
+          </a:bodyPr>
+          <a:p>
+            <a:r>
+              <a:rPr lang="zh-CN" altLang="en-US"/>
+              <a:t>完成</a:t>
+            </a:r>
+            <a:endParaRPr lang="zh-CN" altLang="en-US"/>
+          </a:p>
+        </p:txBody>
+      </p:sp>
+      <p:sp>
+        <p:nvSpPr>
+          <p:cNvPr id="31" name="文本框 30"/>
+          <p:cNvSpPr txBox="1"/>
+          <p:nvPr/>
+        </p:nvSpPr>
+        <p:spPr>
+          <a:xfrm>
+            <a:off x="7105015" y="5522595"/>
+            <a:ext cx="1280160" cy="368300"/>
+          </a:xfrm>
+          <a:prstGeom prst="rect">
+            <a:avLst/>
+          </a:prstGeom>
+          <a:noFill/>
+        </p:spPr>
+        <p:txBody>
+          <a:bodyPr wrap="square" rtlCol="0">
+            <a:spAutoFit/>
+          </a:bodyPr>
+          <a:p>
+            <a:r>
+              <a:rPr lang="zh-CN" altLang="en-US"/>
+              <a:t>图片存储</a:t>
+            </a:r>
+            <a:endParaRPr lang="en-US" altLang="zh-CN"/>
+          </a:p>
+        </p:txBody>
+      </p:sp>
+      <p:sp>
+        <p:nvSpPr>
+          <p:cNvPr id="32" name="文本框 31"/>
+          <p:cNvSpPr txBox="1"/>
+          <p:nvPr/>
+        </p:nvSpPr>
+        <p:spPr>
+          <a:xfrm>
+            <a:off x="6623685" y="4952365"/>
+            <a:ext cx="1532890" cy="368300"/>
+          </a:xfrm>
+          <a:prstGeom prst="rect">
+            <a:avLst/>
+          </a:prstGeom>
+          <a:noFill/>
+        </p:spPr>
+        <p:txBody>
+          <a:bodyPr wrap="square" rtlCol="0">
+            <a:spAutoFit/>
+          </a:bodyPr>
+          <a:p>
+            <a:r>
+              <a:rPr lang="zh-CN" altLang="en-US"/>
+              <a:t>登录</a:t>
+            </a:r>
+            <a:r>
+              <a:rPr lang="zh-CN" altLang="en-US"/>
+              <a:t>推送</a:t>
+            </a:r>
+            <a:endParaRPr lang="zh-CN" altLang="en-US"/>
+          </a:p>
+        </p:txBody>
+      </p:sp>
+      <p:sp>
+        <p:nvSpPr>
+          <p:cNvPr id="33" name="文本框 32"/>
+          <p:cNvSpPr txBox="1"/>
+          <p:nvPr/>
+        </p:nvSpPr>
+        <p:spPr>
+          <a:xfrm>
+            <a:off x="8515350" y="5864860"/>
+            <a:ext cx="2690495" cy="368300"/>
+          </a:xfrm>
+          <a:prstGeom prst="rect">
+            <a:avLst/>
+          </a:prstGeom>
+          <a:noFill/>
+        </p:spPr>
+        <p:txBody>
+          <a:bodyPr wrap="square" rtlCol="0">
+            <a:spAutoFit/>
+          </a:bodyPr>
+          <a:p>
+            <a:r>
+              <a:rPr lang="en-US" altLang="zh-CN"/>
+              <a:t>websocket</a:t>
+            </a:r>
+            <a:r>
+              <a:rPr lang="zh-CN" altLang="en-US"/>
+              <a:t>实时更新</a:t>
+            </a:r>
+            <a:r>
+              <a:rPr lang="zh-CN" altLang="en-US"/>
+              <a:t>任务</a:t>
+            </a:r>
+            <a:endParaRPr lang="zh-CN" altLang="en-US"/>
+          </a:p>
+        </p:txBody>
+      </p:sp>
+    </p:spTree>
+  </p:cSld>
+  <p:clrMapOvr>
+    <a:masterClrMapping/>
+  </p:clrMapOvr>
+</p:sld>
+</file>
+
+<file path=ppt/slides/slide13.xml><?xml version="1.0" encoding="utf-8"?>
+<p:sld xmlns:a="http://schemas.openxmlformats.org/drawingml/2006/main" xmlns:r="http://schemas.openxmlformats.org/officeDocument/2006/relationships" xmlns:p="http://schemas.openxmlformats.org/presentationml/2006/main">
+  <p:cSld>
+    <p:spTree>
+      <p:nvGrpSpPr>
+        <p:cNvPr id="1" name=""/>
+        <p:cNvGrpSpPr/>
+        <p:nvPr/>
+      </p:nvGrpSpPr>
+      <p:grpSpPr/>
+      <p:pic>
+        <p:nvPicPr>
+          <p:cNvPr id="4" name="图片 3"/>
+          <p:cNvPicPr>
+            <a:picLocks noChangeAspect="1"/>
+          </p:cNvPicPr>
+          <p:nvPr/>
+        </p:nvPicPr>
+        <p:blipFill>
+          <a:blip r:embed="rId1"/>
+          <a:stretch>
+            <a:fillRect/>
+          </a:stretch>
+        </p:blipFill>
+        <p:spPr>
+          <a:xfrm>
+            <a:off x="255905" y="869950"/>
+            <a:ext cx="4603750" cy="4898390"/>
+          </a:xfrm>
+          <a:prstGeom prst="rect">
+            <a:avLst/>
+          </a:prstGeom>
+        </p:spPr>
+      </p:pic>
+      <p:cxnSp>
+        <p:nvCxnSpPr>
+          <p:cNvPr id="6" name="直接箭头连接符 5"/>
+          <p:cNvCxnSpPr/>
+          <p:nvPr/>
+        </p:nvCxnSpPr>
+        <p:spPr>
+          <a:xfrm>
+            <a:off x="3142615" y="2946400"/>
+            <a:ext cx="4670425" cy="470535"/>
+          </a:xfrm>
+          <a:prstGeom prst="straightConnector1">
+            <a:avLst/>
+          </a:prstGeom>
+          <a:ln>
+            <a:solidFill>
+              <a:srgbClr val="FF0000"/>
+            </a:solidFill>
+            <a:tailEnd type="arrow"/>
+          </a:ln>
+        </p:spPr>
+        <p:style>
+          <a:lnRef idx="2">
+            <a:schemeClr val="accent1"/>
+          </a:lnRef>
+          <a:fillRef idx="0">
+            <a:srgbClr val="FFFFFF"/>
+          </a:fillRef>
+          <a:effectRef idx="0">
+            <a:srgbClr val="FFFFFF"/>
+          </a:effectRef>
+          <a:fontRef idx="minor">
+            <a:schemeClr val="tx1"/>
+          </a:fontRef>
+        </p:style>
+      </p:cxnSp>
+      <p:cxnSp>
+        <p:nvCxnSpPr>
+          <p:cNvPr id="7" name="直接箭头连接符 6"/>
+          <p:cNvCxnSpPr/>
+          <p:nvPr/>
+        </p:nvCxnSpPr>
+        <p:spPr>
+          <a:xfrm flipV="1">
+            <a:off x="3629660" y="3602355"/>
+            <a:ext cx="4113530" cy="596265"/>
+          </a:xfrm>
+          <a:prstGeom prst="straightConnector1">
+            <a:avLst/>
+          </a:prstGeom>
+          <a:ln>
+            <a:solidFill>
+              <a:srgbClr val="FF0000"/>
+            </a:solidFill>
+            <a:tailEnd type="arrow"/>
+          </a:ln>
+        </p:spPr>
+        <p:style>
+          <a:lnRef idx="2">
+            <a:schemeClr val="accent1"/>
+          </a:lnRef>
+          <a:fillRef idx="0">
+            <a:srgbClr val="FFFFFF"/>
+          </a:fillRef>
+          <a:effectRef idx="0">
+            <a:srgbClr val="FFFFFF"/>
+          </a:effectRef>
+          <a:fontRef idx="minor">
+            <a:schemeClr val="tx1"/>
+          </a:fontRef>
+        </p:style>
+      </p:cxnSp>
+      <p:cxnSp>
+        <p:nvCxnSpPr>
+          <p:cNvPr id="8" name="直接箭头连接符 7"/>
+          <p:cNvCxnSpPr/>
+          <p:nvPr/>
+        </p:nvCxnSpPr>
+        <p:spPr>
+          <a:xfrm flipV="1">
+            <a:off x="3194050" y="3787775"/>
+            <a:ext cx="4676775" cy="1211580"/>
+          </a:xfrm>
+          <a:prstGeom prst="straightConnector1">
+            <a:avLst/>
+          </a:prstGeom>
+          <a:ln>
+            <a:solidFill>
+              <a:srgbClr val="FF0000"/>
+            </a:solidFill>
+            <a:tailEnd type="arrow"/>
+          </a:ln>
+        </p:spPr>
+        <p:style>
+          <a:lnRef idx="2">
+            <a:schemeClr val="accent1"/>
+          </a:lnRef>
+          <a:fillRef idx="0">
+            <a:srgbClr val="FFFFFF"/>
+          </a:fillRef>
+          <a:effectRef idx="0">
+            <a:srgbClr val="FFFFFF"/>
+          </a:effectRef>
+          <a:fontRef idx="minor">
+            <a:schemeClr val="tx1"/>
+          </a:fontRef>
+        </p:style>
+      </p:cxnSp>
+      <p:sp>
+        <p:nvSpPr>
+          <p:cNvPr id="9" name="文本框 8"/>
+          <p:cNvSpPr txBox="1"/>
+          <p:nvPr/>
+        </p:nvSpPr>
+        <p:spPr>
+          <a:xfrm>
+            <a:off x="7952105" y="3416935"/>
+            <a:ext cx="2804160" cy="368300"/>
+          </a:xfrm>
+          <a:prstGeom prst="rect">
+            <a:avLst/>
+          </a:prstGeom>
+          <a:noFill/>
+        </p:spPr>
+        <p:txBody>
+          <a:bodyPr wrap="square" rtlCol="0">
+            <a:spAutoFit/>
+          </a:bodyPr>
+          <a:p>
+            <a:r>
+              <a:rPr lang="zh-CN" altLang="en-US"/>
+              <a:t>设计好了接口，但未</a:t>
+            </a:r>
+            <a:r>
+              <a:rPr lang="zh-CN" altLang="en-US"/>
+              <a:t>实现</a:t>
+            </a:r>
             <a:endParaRPr lang="zh-CN" altLang="en-US"/>
           </a:p>
         </p:txBody>

--- a/其他资料/项目架构.pptx
+++ b/其他资料/项目架构.pptx
@@ -6912,7 +6912,7 @@
         <p:spPr>
           <a:xfrm>
             <a:off x="5248275" y="713105"/>
-            <a:ext cx="1494155" cy="306705"/>
+            <a:ext cx="3686175" cy="306705"/>
           </a:xfrm>
           <a:prstGeom prst="rect">
             <a:avLst/>
@@ -6930,9 +6930,17 @@
             </a:r>
             <a:r>
               <a:rPr lang="en-US" altLang="zh-CN" sz="1400"/>
-              <a:t>/history</a:t>
-            </a:r>
-            <a:endParaRPr lang="en-US" altLang="zh-CN" sz="1400"/>
+              <a:t>/history   </a:t>
+            </a:r>
+            <a:r>
+              <a:rPr lang="zh-CN" altLang="en-US" sz="1400"/>
+              <a:t>目前</a:t>
+            </a:r>
+            <a:r>
+              <a:rPr lang="zh-CN" altLang="en-US" sz="1400"/>
+              <a:t>已完成</a:t>
+            </a:r>
+            <a:endParaRPr lang="zh-CN" altLang="en-US" sz="1400"/>
           </a:p>
         </p:txBody>
       </p:sp>
@@ -7445,7 +7453,7 @@
         </p:nvSpPr>
         <p:spPr>
           <a:xfrm>
-            <a:off x="5329555" y="4797425"/>
+            <a:off x="5401310" y="4735830"/>
             <a:ext cx="1002030" cy="368300"/>
           </a:xfrm>
           <a:prstGeom prst="rect">
@@ -7492,14 +7500,18 @@
           </a:bodyPr>
           <a:p>
             <a:r>
-              <a:rPr lang="zh-CN" altLang="en-US"/>
-              <a:t>跨域</a:t>
-            </a:r>
-            <a:r>
-              <a:rPr lang="zh-CN" altLang="en-US"/>
-              <a:t>问题</a:t>
-            </a:r>
-            <a:endParaRPr lang="zh-CN" altLang="en-US"/>
+              <a:rPr lang="zh-CN" altLang="en-US">
+                <a:solidFill>
+                  <a:srgbClr val="FF0000"/>
+                </a:solidFill>
+              </a:rPr>
+              <a:t>跨域问题</a:t>
+            </a:r>
+            <a:endParaRPr lang="zh-CN" altLang="en-US">
+              <a:solidFill>
+                <a:srgbClr val="FF0000"/>
+              </a:solidFill>
+            </a:endParaRPr>
           </a:p>
         </p:txBody>
       </p:sp>
@@ -7525,18 +7537,26 @@
           </a:bodyPr>
           <a:p>
             <a:r>
-              <a:rPr lang="en-US" altLang="zh-CN"/>
+              <a:rPr lang="en-US" altLang="zh-CN">
+                <a:solidFill>
+                  <a:srgbClr val="FF0000"/>
+                </a:solidFill>
+              </a:rPr>
               <a:t>token</a:t>
             </a:r>
             <a:r>
-              <a:rPr lang="zh-CN" altLang="en-US"/>
-              <a:t>里有的东西不够</a:t>
-            </a:r>
-            <a:r>
-              <a:rPr lang="zh-CN" altLang="en-US"/>
-              <a:t>具体</a:t>
-            </a:r>
-            <a:endParaRPr lang="zh-CN" altLang="en-US"/>
+              <a:rPr lang="zh-CN" altLang="en-US">
+                <a:solidFill>
+                  <a:srgbClr val="FF0000"/>
+                </a:solidFill>
+              </a:rPr>
+              <a:t>里有的东西不够具体</a:t>
+            </a:r>
+            <a:endParaRPr lang="zh-CN" altLang="en-US">
+              <a:solidFill>
+                <a:srgbClr val="FF0000"/>
+              </a:solidFill>
+            </a:endParaRPr>
           </a:p>
         </p:txBody>
       </p:sp>
@@ -7613,7 +7633,7 @@
         </p:nvSpPr>
         <p:spPr>
           <a:xfrm>
-            <a:off x="7105015" y="5522595"/>
+            <a:off x="6939280" y="5603875"/>
             <a:ext cx="1280160" cy="368300"/>
           </a:xfrm>
           <a:prstGeom prst="rect">
@@ -7627,10 +7647,18 @@
           </a:bodyPr>
           <a:p>
             <a:r>
-              <a:rPr lang="zh-CN" altLang="en-US"/>
+              <a:rPr lang="zh-CN" altLang="en-US">
+                <a:solidFill>
+                  <a:srgbClr val="FF0000"/>
+                </a:solidFill>
+              </a:rPr>
               <a:t>图片存储</a:t>
             </a:r>
-            <a:endParaRPr lang="en-US" altLang="zh-CN"/>
+            <a:endParaRPr lang="zh-CN" altLang="en-US">
+              <a:solidFill>
+                <a:srgbClr val="FF0000"/>
+              </a:solidFill>
+            </a:endParaRPr>
           </a:p>
         </p:txBody>
       </p:sp>
@@ -7882,6 +7910,43 @@
             <a:r>
               <a:rPr lang="zh-CN" altLang="en-US"/>
               <a:t>实现</a:t>
+            </a:r>
+            <a:endParaRPr lang="zh-CN" altLang="en-US"/>
+          </a:p>
+        </p:txBody>
+      </p:sp>
+      <p:sp>
+        <p:nvSpPr>
+          <p:cNvPr id="2" name="文本框 1"/>
+          <p:cNvSpPr txBox="1"/>
+          <p:nvPr/>
+        </p:nvSpPr>
+        <p:spPr>
+          <a:xfrm>
+            <a:off x="8738870" y="4598035"/>
+            <a:ext cx="4064000" cy="368300"/>
+          </a:xfrm>
+          <a:prstGeom prst="rect">
+            <a:avLst/>
+          </a:prstGeom>
+          <a:noFill/>
+        </p:spPr>
+        <p:txBody>
+          <a:bodyPr wrap="square" rtlCol="0">
+            <a:spAutoFit/>
+          </a:bodyPr>
+          <a:p>
+            <a:r>
+              <a:rPr lang="en-US" altLang="zh-CN"/>
+              <a:t>2024/4/5</a:t>
+            </a:r>
+            <a:r>
+              <a:rPr lang="zh-CN" altLang="en-US"/>
+              <a:t>已经实现，未</a:t>
+            </a:r>
+            <a:r>
+              <a:rPr lang="zh-CN" altLang="en-US"/>
+              <a:t>测试</a:t>
             </a:r>
             <a:endParaRPr lang="zh-CN" altLang="en-US"/>
           </a:p>

--- a/其他资料/项目架构.pptx
+++ b/其他资料/项目架构.pptx
@@ -7684,14 +7684,18 @@
           </a:bodyPr>
           <a:p>
             <a:r>
-              <a:rPr lang="zh-CN" altLang="en-US"/>
-              <a:t>登录</a:t>
-            </a:r>
-            <a:r>
-              <a:rPr lang="zh-CN" altLang="en-US"/>
-              <a:t>推送</a:t>
-            </a:r>
-            <a:endParaRPr lang="zh-CN" altLang="en-US"/>
+              <a:rPr lang="zh-CN" altLang="en-US">
+                <a:solidFill>
+                  <a:srgbClr val="FF0000"/>
+                </a:solidFill>
+              </a:rPr>
+              <a:t>登录推送</a:t>
+            </a:r>
+            <a:endParaRPr lang="zh-CN" altLang="en-US">
+              <a:solidFill>
+                <a:srgbClr val="FF0000"/>
+              </a:solidFill>
+            </a:endParaRPr>
           </a:p>
         </p:txBody>
       </p:sp>
@@ -7727,6 +7731,39 @@
             <a:r>
               <a:rPr lang="zh-CN" altLang="en-US"/>
               <a:t>任务</a:t>
+            </a:r>
+            <a:endParaRPr lang="zh-CN" altLang="en-US"/>
+          </a:p>
+        </p:txBody>
+      </p:sp>
+      <p:sp>
+        <p:nvSpPr>
+          <p:cNvPr id="2" name="文本框 1"/>
+          <p:cNvSpPr txBox="1"/>
+          <p:nvPr/>
+        </p:nvSpPr>
+        <p:spPr>
+          <a:xfrm>
+            <a:off x="5543550" y="6248400"/>
+            <a:ext cx="1315085" cy="368300"/>
+          </a:xfrm>
+          <a:prstGeom prst="rect">
+            <a:avLst/>
+          </a:prstGeom>
+          <a:noFill/>
+        </p:spPr>
+        <p:txBody>
+          <a:bodyPr wrap="square" rtlCol="0">
+            <a:spAutoFit/>
+          </a:bodyPr>
+          <a:p>
+            <a:r>
+              <a:rPr lang="zh-CN" altLang="en-US"/>
+              <a:t>评分</a:t>
+            </a:r>
+            <a:r>
+              <a:rPr lang="zh-CN" altLang="en-US"/>
+              <a:t>系统</a:t>
             </a:r>
             <a:endParaRPr lang="zh-CN" altLang="en-US"/>
           </a:p>

--- a/其他资料/项目架构.pptx
+++ b/其他资料/项目架构.pptx
@@ -12099,6 +12099,39 @@
                 <a:srgbClr val="FFFF00"/>
               </a:highlight>
             </a:endParaRPr>
+          </a:p>
+        </p:txBody>
+      </p:sp>
+      <p:sp>
+        <p:nvSpPr>
+          <p:cNvPr id="2" name="文本框 1"/>
+          <p:cNvSpPr txBox="1"/>
+          <p:nvPr/>
+        </p:nvSpPr>
+        <p:spPr>
+          <a:xfrm>
+            <a:off x="2105025" y="199390"/>
+            <a:ext cx="3399155" cy="368300"/>
+          </a:xfrm>
+          <a:prstGeom prst="rect">
+            <a:avLst/>
+          </a:prstGeom>
+          <a:noFill/>
+        </p:spPr>
+        <p:txBody>
+          <a:bodyPr wrap="square" rtlCol="0">
+            <a:spAutoFit/>
+          </a:bodyPr>
+          <a:p>
+            <a:r>
+              <a:rPr lang="zh-CN" altLang="en-US"/>
+              <a:t>审核未通过应该直接返回</a:t>
+            </a:r>
+            <a:r>
+              <a:rPr lang="zh-CN" altLang="en-US"/>
+              <a:t>时间币</a:t>
+            </a:r>
+            <a:endParaRPr lang="zh-CN" altLang="en-US"/>
           </a:p>
         </p:txBody>
       </p:sp>

--- a/其他资料/项目架构.pptx
+++ b/其他资料/项目架构.pptx
@@ -6067,6 +6067,12 @@
               <a:rPr lang="en-US" altLang="zh-CN"/>
               <a:t>xx}</a:t>
             </a:r>
+            <a:endParaRPr lang="en-US" altLang="zh-CN"/>
+          </a:p>
+          <a:p>
+            <a:endParaRPr lang="en-US" altLang="zh-CN"/>
+          </a:p>
+          <a:p>
             <a:endParaRPr lang="en-US" altLang="zh-CN"/>
           </a:p>
           <a:p>
